--- a/Capstone.pptx
+++ b/Capstone.pptx
@@ -8,10 +8,18 @@
     <p:sldId id="256" r:id="rId2"/>
     <p:sldId id="263" r:id="rId3"/>
     <p:sldId id="261" r:id="rId4"/>
-    <p:sldId id="262" r:id="rId5"/>
-    <p:sldId id="264" r:id="rId6"/>
-    <p:sldId id="265" r:id="rId7"/>
-    <p:sldId id="266" r:id="rId8"/>
+    <p:sldId id="268" r:id="rId5"/>
+    <p:sldId id="269" r:id="rId6"/>
+    <p:sldId id="270" r:id="rId7"/>
+    <p:sldId id="267" r:id="rId8"/>
+    <p:sldId id="262" r:id="rId9"/>
+    <p:sldId id="271" r:id="rId10"/>
+    <p:sldId id="272" r:id="rId11"/>
+    <p:sldId id="274" r:id="rId12"/>
+    <p:sldId id="273" r:id="rId13"/>
+    <p:sldId id="264" r:id="rId14"/>
+    <p:sldId id="265" r:id="rId15"/>
+    <p:sldId id="266" r:id="rId16"/>
   </p:sldIdLst>
   <p:sldSz cx="9144000" cy="6858000" type="screen4x3"/>
   <p:notesSz cx="6858000" cy="9144000"/>
@@ -1951,925 +1959,6 @@
 </dgm:colorsDef>
 </file>
 
-<file path=ppt/diagrams/colors3.xml><?xml version="1.0" encoding="utf-8"?>
-<dgm:colorsDef xmlns:dgm="http://schemas.openxmlformats.org/drawingml/2006/diagram" xmlns:a="http://schemas.openxmlformats.org/drawingml/2006/main" uniqueId="urn:microsoft.com/office/officeart/2005/8/colors/colorful1">
-  <dgm:title val=""/>
-  <dgm:desc val=""/>
-  <dgm:catLst>
-    <dgm:cat type="colorful" pri="10100"/>
-  </dgm:catLst>
-  <dgm:styleLbl name="node0">
-    <dgm:fillClrLst meth="repeat">
-      <a:schemeClr val="accent1"/>
-    </dgm:fillClrLst>
-    <dgm:linClrLst meth="repeat">
-      <a:schemeClr val="lt1"/>
-    </dgm:linClrLst>
-    <dgm:effectClrLst/>
-    <dgm:txLinClrLst/>
-    <dgm:txFillClrLst/>
-    <dgm:txEffectClrLst/>
-  </dgm:styleLbl>
-  <dgm:styleLbl name="node1">
-    <dgm:fillClrLst meth="repeat">
-      <a:schemeClr val="accent2"/>
-      <a:schemeClr val="accent3"/>
-      <a:schemeClr val="accent4"/>
-      <a:schemeClr val="accent5"/>
-      <a:schemeClr val="accent6"/>
-    </dgm:fillClrLst>
-    <dgm:linClrLst meth="repeat">
-      <a:schemeClr val="lt1"/>
-    </dgm:linClrLst>
-    <dgm:effectClrLst/>
-    <dgm:txLinClrLst/>
-    <dgm:txFillClrLst/>
-    <dgm:txEffectClrLst/>
-  </dgm:styleLbl>
-  <dgm:styleLbl name="alignNode1">
-    <dgm:fillClrLst meth="repeat">
-      <a:schemeClr val="accent2"/>
-      <a:schemeClr val="accent3"/>
-      <a:schemeClr val="accent4"/>
-      <a:schemeClr val="accent5"/>
-      <a:schemeClr val="accent6"/>
-    </dgm:fillClrLst>
-    <dgm:linClrLst meth="repeat">
-      <a:schemeClr val="accent2"/>
-      <a:schemeClr val="accent3"/>
-      <a:schemeClr val="accent4"/>
-      <a:schemeClr val="accent5"/>
-      <a:schemeClr val="accent6"/>
-    </dgm:linClrLst>
-    <dgm:effectClrLst/>
-    <dgm:txLinClrLst/>
-    <dgm:txFillClrLst/>
-    <dgm:txEffectClrLst/>
-  </dgm:styleLbl>
-  <dgm:styleLbl name="lnNode1">
-    <dgm:fillClrLst meth="repeat">
-      <a:schemeClr val="accent2"/>
-      <a:schemeClr val="accent3"/>
-      <a:schemeClr val="accent4"/>
-      <a:schemeClr val="accent5"/>
-      <a:schemeClr val="accent6"/>
-    </dgm:fillClrLst>
-    <dgm:linClrLst meth="repeat">
-      <a:schemeClr val="lt1"/>
-    </dgm:linClrLst>
-    <dgm:effectClrLst/>
-    <dgm:txLinClrLst/>
-    <dgm:txFillClrLst/>
-    <dgm:txEffectClrLst/>
-  </dgm:styleLbl>
-  <dgm:styleLbl name="vennNode1">
-    <dgm:fillClrLst meth="repeat">
-      <a:schemeClr val="accent2">
-        <a:alpha val="50000"/>
-      </a:schemeClr>
-      <a:schemeClr val="accent3">
-        <a:alpha val="50000"/>
-      </a:schemeClr>
-      <a:schemeClr val="accent4">
-        <a:alpha val="50000"/>
-      </a:schemeClr>
-      <a:schemeClr val="accent5">
-        <a:alpha val="50000"/>
-      </a:schemeClr>
-      <a:schemeClr val="accent6">
-        <a:alpha val="50000"/>
-      </a:schemeClr>
-    </dgm:fillClrLst>
-    <dgm:linClrLst meth="repeat">
-      <a:schemeClr val="lt1"/>
-    </dgm:linClrLst>
-    <dgm:effectClrLst/>
-    <dgm:txLinClrLst/>
-    <dgm:txFillClrLst/>
-    <dgm:txEffectClrLst/>
-  </dgm:styleLbl>
-  <dgm:styleLbl name="node2">
-    <dgm:fillClrLst>
-      <a:schemeClr val="accent2"/>
-    </dgm:fillClrLst>
-    <dgm:linClrLst meth="repeat">
-      <a:schemeClr val="lt1"/>
-    </dgm:linClrLst>
-    <dgm:effectClrLst/>
-    <dgm:txLinClrLst/>
-    <dgm:txFillClrLst/>
-    <dgm:txEffectClrLst/>
-  </dgm:styleLbl>
-  <dgm:styleLbl name="node3">
-    <dgm:fillClrLst>
-      <a:schemeClr val="accent3"/>
-    </dgm:fillClrLst>
-    <dgm:linClrLst meth="repeat">
-      <a:schemeClr val="lt1"/>
-    </dgm:linClrLst>
-    <dgm:effectClrLst/>
-    <dgm:txLinClrLst/>
-    <dgm:txFillClrLst/>
-    <dgm:txEffectClrLst/>
-  </dgm:styleLbl>
-  <dgm:styleLbl name="node4">
-    <dgm:fillClrLst>
-      <a:schemeClr val="accent4"/>
-    </dgm:fillClrLst>
-    <dgm:linClrLst meth="repeat">
-      <a:schemeClr val="lt1"/>
-    </dgm:linClrLst>
-    <dgm:effectClrLst/>
-    <dgm:txLinClrLst/>
-    <dgm:txFillClrLst/>
-    <dgm:txEffectClrLst/>
-  </dgm:styleLbl>
-  <dgm:styleLbl name="fgImgPlace1">
-    <dgm:fillClrLst meth="repeat">
-      <a:schemeClr val="accent2">
-        <a:tint val="50000"/>
-      </a:schemeClr>
-      <a:schemeClr val="accent3">
-        <a:tint val="50000"/>
-      </a:schemeClr>
-      <a:schemeClr val="accent4">
-        <a:tint val="50000"/>
-      </a:schemeClr>
-      <a:schemeClr val="accent5">
-        <a:tint val="50000"/>
-      </a:schemeClr>
-      <a:schemeClr val="accent6">
-        <a:tint val="50000"/>
-      </a:schemeClr>
-    </dgm:fillClrLst>
-    <dgm:linClrLst meth="repeat">
-      <a:schemeClr val="lt1"/>
-    </dgm:linClrLst>
-    <dgm:effectClrLst/>
-    <dgm:txLinClrLst/>
-    <dgm:txFillClrLst meth="repeat">
-      <a:schemeClr val="lt1"/>
-    </dgm:txFillClrLst>
-    <dgm:txEffectClrLst/>
-  </dgm:styleLbl>
-  <dgm:styleLbl name="alignImgPlace1">
-    <dgm:fillClrLst>
-      <a:schemeClr val="accent1">
-        <a:tint val="50000"/>
-      </a:schemeClr>
-      <a:schemeClr val="accent1">
-        <a:tint val="20000"/>
-      </a:schemeClr>
-    </dgm:fillClrLst>
-    <dgm:linClrLst meth="repeat">
-      <a:schemeClr val="lt1"/>
-    </dgm:linClrLst>
-    <dgm:effectClrLst/>
-    <dgm:txLinClrLst/>
-    <dgm:txFillClrLst meth="repeat">
-      <a:schemeClr val="lt1"/>
-    </dgm:txFillClrLst>
-    <dgm:txEffectClrLst/>
-  </dgm:styleLbl>
-  <dgm:styleLbl name="bgImgPlace1">
-    <dgm:fillClrLst>
-      <a:schemeClr val="accent1">
-        <a:tint val="50000"/>
-      </a:schemeClr>
-      <a:schemeClr val="accent1">
-        <a:tint val="20000"/>
-      </a:schemeClr>
-    </dgm:fillClrLst>
-    <dgm:linClrLst meth="repeat">
-      <a:schemeClr val="lt1"/>
-    </dgm:linClrLst>
-    <dgm:effectClrLst/>
-    <dgm:txLinClrLst/>
-    <dgm:txFillClrLst meth="repeat">
-      <a:schemeClr val="lt1"/>
-    </dgm:txFillClrLst>
-    <dgm:txEffectClrLst/>
-  </dgm:styleLbl>
-  <dgm:styleLbl name="sibTrans2D1">
-    <dgm:fillClrLst meth="repeat">
-      <a:schemeClr val="accent2"/>
-      <a:schemeClr val="accent3"/>
-      <a:schemeClr val="accent4"/>
-      <a:schemeClr val="accent5"/>
-      <a:schemeClr val="accent6"/>
-    </dgm:fillClrLst>
-    <dgm:linClrLst meth="cycle">
-      <a:schemeClr val="lt1"/>
-    </dgm:linClrLst>
-    <dgm:effectClrLst/>
-    <dgm:txLinClrLst/>
-    <dgm:txFillClrLst/>
-    <dgm:txEffectClrLst/>
-  </dgm:styleLbl>
-  <dgm:styleLbl name="fgSibTrans2D1">
-    <dgm:fillClrLst meth="repeat">
-      <a:schemeClr val="accent2"/>
-      <a:schemeClr val="accent3"/>
-      <a:schemeClr val="accent4"/>
-      <a:schemeClr val="accent5"/>
-      <a:schemeClr val="accent6"/>
-    </dgm:fillClrLst>
-    <dgm:linClrLst meth="cycle">
-      <a:schemeClr val="lt1"/>
-    </dgm:linClrLst>
-    <dgm:effectClrLst/>
-    <dgm:txLinClrLst/>
-    <dgm:txFillClrLst meth="repeat">
-      <a:schemeClr val="lt1"/>
-    </dgm:txFillClrLst>
-    <dgm:txEffectClrLst/>
-  </dgm:styleLbl>
-  <dgm:styleLbl name="bgSibTrans2D1">
-    <dgm:fillClrLst meth="repeat">
-      <a:schemeClr val="accent2"/>
-      <a:schemeClr val="accent3"/>
-      <a:schemeClr val="accent4"/>
-      <a:schemeClr val="accent5"/>
-      <a:schemeClr val="accent6"/>
-    </dgm:fillClrLst>
-    <dgm:linClrLst meth="cycle">
-      <a:schemeClr val="lt1"/>
-    </dgm:linClrLst>
-    <dgm:effectClrLst/>
-    <dgm:txLinClrLst/>
-    <dgm:txFillClrLst meth="repeat">
-      <a:schemeClr val="lt1"/>
-    </dgm:txFillClrLst>
-    <dgm:txEffectClrLst/>
-  </dgm:styleLbl>
-  <dgm:styleLbl name="sibTrans1D1">
-    <dgm:fillClrLst meth="repeat">
-      <a:schemeClr val="accent2"/>
-      <a:schemeClr val="accent3"/>
-      <a:schemeClr val="accent4"/>
-      <a:schemeClr val="accent5"/>
-      <a:schemeClr val="accent6"/>
-    </dgm:fillClrLst>
-    <dgm:linClrLst meth="repeat">
-      <a:schemeClr val="accent2"/>
-      <a:schemeClr val="accent3"/>
-      <a:schemeClr val="accent4"/>
-      <a:schemeClr val="accent5"/>
-      <a:schemeClr val="accent6"/>
-    </dgm:linClrLst>
-    <dgm:effectClrLst/>
-    <dgm:txLinClrLst/>
-    <dgm:txFillClrLst meth="repeat">
-      <a:schemeClr val="tx1"/>
-    </dgm:txFillClrLst>
-    <dgm:txEffectClrLst/>
-  </dgm:styleLbl>
-  <dgm:styleLbl name="callout">
-    <dgm:fillClrLst meth="repeat">
-      <a:schemeClr val="accent2"/>
-    </dgm:fillClrLst>
-    <dgm:linClrLst meth="repeat">
-      <a:schemeClr val="accent2">
-        <a:tint val="50000"/>
-      </a:schemeClr>
-    </dgm:linClrLst>
-    <dgm:effectClrLst/>
-    <dgm:txLinClrLst/>
-    <dgm:txFillClrLst meth="repeat">
-      <a:schemeClr val="tx1"/>
-    </dgm:txFillClrLst>
-    <dgm:txEffectClrLst/>
-  </dgm:styleLbl>
-  <dgm:styleLbl name="asst0">
-    <dgm:fillClrLst meth="repeat">
-      <a:schemeClr val="accent1"/>
-    </dgm:fillClrLst>
-    <dgm:linClrLst meth="repeat">
-      <a:schemeClr val="lt1"/>
-    </dgm:linClrLst>
-    <dgm:effectClrLst/>
-    <dgm:txLinClrLst/>
-    <dgm:txFillClrLst/>
-    <dgm:txEffectClrLst/>
-  </dgm:styleLbl>
-  <dgm:styleLbl name="asst1">
-    <dgm:fillClrLst meth="repeat">
-      <a:schemeClr val="accent2"/>
-    </dgm:fillClrLst>
-    <dgm:linClrLst meth="repeat">
-      <a:schemeClr val="lt1"/>
-    </dgm:linClrLst>
-    <dgm:effectClrLst/>
-    <dgm:txLinClrLst/>
-    <dgm:txFillClrLst/>
-    <dgm:txEffectClrLst/>
-  </dgm:styleLbl>
-  <dgm:styleLbl name="asst2">
-    <dgm:fillClrLst>
-      <a:schemeClr val="accent3"/>
-    </dgm:fillClrLst>
-    <dgm:linClrLst meth="repeat">
-      <a:schemeClr val="lt1"/>
-    </dgm:linClrLst>
-    <dgm:effectClrLst/>
-    <dgm:txLinClrLst/>
-    <dgm:txFillClrLst/>
-    <dgm:txEffectClrLst/>
-  </dgm:styleLbl>
-  <dgm:styleLbl name="asst3">
-    <dgm:fillClrLst>
-      <a:schemeClr val="accent4"/>
-    </dgm:fillClrLst>
-    <dgm:linClrLst meth="repeat">
-      <a:schemeClr val="lt1"/>
-    </dgm:linClrLst>
-    <dgm:effectClrLst/>
-    <dgm:txLinClrLst/>
-    <dgm:txFillClrLst/>
-    <dgm:txEffectClrLst/>
-  </dgm:styleLbl>
-  <dgm:styleLbl name="asst4">
-    <dgm:fillClrLst>
-      <a:schemeClr val="accent5"/>
-    </dgm:fillClrLst>
-    <dgm:linClrLst meth="repeat">
-      <a:schemeClr val="lt1"/>
-    </dgm:linClrLst>
-    <dgm:effectClrLst/>
-    <dgm:txLinClrLst/>
-    <dgm:txFillClrLst/>
-    <dgm:txEffectClrLst/>
-  </dgm:styleLbl>
-  <dgm:styleLbl name="parChTrans2D1">
-    <dgm:fillClrLst meth="repeat">
-      <a:schemeClr val="accent2"/>
-    </dgm:fillClrLst>
-    <dgm:linClrLst meth="repeat">
-      <a:schemeClr val="lt1"/>
-    </dgm:linClrLst>
-    <dgm:effectClrLst/>
-    <dgm:txLinClrLst/>
-    <dgm:txFillClrLst meth="repeat">
-      <a:schemeClr val="lt1"/>
-    </dgm:txFillClrLst>
-    <dgm:txEffectClrLst/>
-  </dgm:styleLbl>
-  <dgm:styleLbl name="parChTrans2D2">
-    <dgm:fillClrLst meth="repeat">
-      <a:schemeClr val="accent3"/>
-    </dgm:fillClrLst>
-    <dgm:linClrLst meth="repeat">
-      <a:schemeClr val="lt1"/>
-    </dgm:linClrLst>
-    <dgm:effectClrLst/>
-    <dgm:txLinClrLst/>
-    <dgm:txFillClrLst/>
-    <dgm:txEffectClrLst/>
-  </dgm:styleLbl>
-  <dgm:styleLbl name="parChTrans2D3">
-    <dgm:fillClrLst meth="repeat">
-      <a:schemeClr val="accent4"/>
-    </dgm:fillClrLst>
-    <dgm:linClrLst meth="repeat">
-      <a:schemeClr val="lt1"/>
-    </dgm:linClrLst>
-    <dgm:effectClrLst/>
-    <dgm:txLinClrLst/>
-    <dgm:txFillClrLst/>
-    <dgm:txEffectClrLst/>
-  </dgm:styleLbl>
-  <dgm:styleLbl name="parChTrans2D4">
-    <dgm:fillClrLst meth="repeat">
-      <a:schemeClr val="accent5"/>
-    </dgm:fillClrLst>
-    <dgm:linClrLst meth="repeat">
-      <a:schemeClr val="lt1"/>
-    </dgm:linClrLst>
-    <dgm:effectClrLst/>
-    <dgm:txLinClrLst/>
-    <dgm:txFillClrLst meth="repeat">
-      <a:schemeClr val="lt1"/>
-    </dgm:txFillClrLst>
-    <dgm:txEffectClrLst/>
-  </dgm:styleLbl>
-  <dgm:styleLbl name="parChTrans1D1">
-    <dgm:fillClrLst meth="repeat">
-      <a:schemeClr val="accent2"/>
-    </dgm:fillClrLst>
-    <dgm:linClrLst meth="repeat">
-      <a:schemeClr val="accent1"/>
-    </dgm:linClrLst>
-    <dgm:effectClrLst/>
-    <dgm:txLinClrLst/>
-    <dgm:txFillClrLst meth="repeat">
-      <a:schemeClr val="tx1"/>
-    </dgm:txFillClrLst>
-    <dgm:txEffectClrLst/>
-  </dgm:styleLbl>
-  <dgm:styleLbl name="parChTrans1D2">
-    <dgm:fillClrLst meth="repeat">
-      <a:schemeClr val="accent3">
-        <a:tint val="90000"/>
-      </a:schemeClr>
-    </dgm:fillClrLst>
-    <dgm:linClrLst meth="repeat">
-      <a:schemeClr val="accent2"/>
-    </dgm:linClrLst>
-    <dgm:effectClrLst/>
-    <dgm:txLinClrLst/>
-    <dgm:txFillClrLst meth="repeat">
-      <a:schemeClr val="tx1"/>
-    </dgm:txFillClrLst>
-    <dgm:txEffectClrLst/>
-  </dgm:styleLbl>
-  <dgm:styleLbl name="parChTrans1D3">
-    <dgm:fillClrLst meth="repeat">
-      <a:schemeClr val="accent4">
-        <a:tint val="70000"/>
-      </a:schemeClr>
-    </dgm:fillClrLst>
-    <dgm:linClrLst meth="repeat">
-      <a:schemeClr val="accent3"/>
-    </dgm:linClrLst>
-    <dgm:effectClrLst/>
-    <dgm:txLinClrLst/>
-    <dgm:txFillClrLst meth="repeat">
-      <a:schemeClr val="tx1"/>
-    </dgm:txFillClrLst>
-    <dgm:txEffectClrLst/>
-  </dgm:styleLbl>
-  <dgm:styleLbl name="parChTrans1D4">
-    <dgm:fillClrLst meth="repeat">
-      <a:schemeClr val="accent5">
-        <a:tint val="50000"/>
-      </a:schemeClr>
-    </dgm:fillClrLst>
-    <dgm:linClrLst meth="repeat">
-      <a:schemeClr val="accent4"/>
-    </dgm:linClrLst>
-    <dgm:effectClrLst/>
-    <dgm:txLinClrLst/>
-    <dgm:txFillClrLst meth="repeat">
-      <a:schemeClr val="tx1"/>
-    </dgm:txFillClrLst>
-    <dgm:txEffectClrLst/>
-  </dgm:styleLbl>
-  <dgm:styleLbl name="fgAcc1">
-    <dgm:fillClrLst meth="repeat">
-      <a:schemeClr val="lt1">
-        <a:alpha val="90000"/>
-      </a:schemeClr>
-    </dgm:fillClrLst>
-    <dgm:linClrLst meth="repeat">
-      <a:schemeClr val="accent2"/>
-      <a:schemeClr val="accent3"/>
-      <a:schemeClr val="accent4"/>
-      <a:schemeClr val="accent5"/>
-      <a:schemeClr val="accent6"/>
-    </dgm:linClrLst>
-    <dgm:effectClrLst/>
-    <dgm:txLinClrLst/>
-    <dgm:txFillClrLst meth="repeat">
-      <a:schemeClr val="dk1"/>
-    </dgm:txFillClrLst>
-    <dgm:txEffectClrLst/>
-  </dgm:styleLbl>
-  <dgm:styleLbl name="conFgAcc1">
-    <dgm:fillClrLst meth="repeat">
-      <a:schemeClr val="lt1">
-        <a:alpha val="90000"/>
-      </a:schemeClr>
-    </dgm:fillClrLst>
-    <dgm:linClrLst meth="repeat">
-      <a:schemeClr val="accent2"/>
-      <a:schemeClr val="accent3"/>
-      <a:schemeClr val="accent4"/>
-      <a:schemeClr val="accent5"/>
-      <a:schemeClr val="accent6"/>
-    </dgm:linClrLst>
-    <dgm:effectClrLst/>
-    <dgm:txLinClrLst/>
-    <dgm:txFillClrLst meth="repeat">
-      <a:schemeClr val="dk1"/>
-    </dgm:txFillClrLst>
-    <dgm:txEffectClrLst/>
-  </dgm:styleLbl>
-  <dgm:styleLbl name="alignAcc1">
-    <dgm:fillClrLst meth="repeat">
-      <a:schemeClr val="lt1">
-        <a:alpha val="90000"/>
-      </a:schemeClr>
-    </dgm:fillClrLst>
-    <dgm:linClrLst meth="repeat">
-      <a:schemeClr val="accent2"/>
-      <a:schemeClr val="accent3"/>
-      <a:schemeClr val="accent4"/>
-      <a:schemeClr val="accent5"/>
-      <a:schemeClr val="accent6"/>
-    </dgm:linClrLst>
-    <dgm:effectClrLst/>
-    <dgm:txLinClrLst/>
-    <dgm:txFillClrLst meth="repeat">
-      <a:schemeClr val="dk1"/>
-    </dgm:txFillClrLst>
-    <dgm:txEffectClrLst/>
-  </dgm:styleLbl>
-  <dgm:styleLbl name="trAlignAcc1">
-    <dgm:fillClrLst meth="repeat">
-      <a:schemeClr val="lt1">
-        <a:alpha val="40000"/>
-      </a:schemeClr>
-    </dgm:fillClrLst>
-    <dgm:linClrLst meth="repeat">
-      <a:schemeClr val="accent1"/>
-    </dgm:linClrLst>
-    <dgm:effectClrLst/>
-    <dgm:txLinClrLst/>
-    <dgm:txFillClrLst meth="repeat">
-      <a:schemeClr val="dk1"/>
-    </dgm:txFillClrLst>
-    <dgm:txEffectClrLst/>
-  </dgm:styleLbl>
-  <dgm:styleLbl name="bgAcc1">
-    <dgm:fillClrLst meth="repeat">
-      <a:schemeClr val="lt1">
-        <a:alpha val="90000"/>
-      </a:schemeClr>
-    </dgm:fillClrLst>
-    <dgm:linClrLst meth="repeat">
-      <a:schemeClr val="accent2"/>
-      <a:schemeClr val="accent3"/>
-      <a:schemeClr val="accent4"/>
-      <a:schemeClr val="accent5"/>
-      <a:schemeClr val="accent6"/>
-    </dgm:linClrLst>
-    <dgm:effectClrLst/>
-    <dgm:txLinClrLst/>
-    <dgm:txFillClrLst meth="repeat">
-      <a:schemeClr val="dk1"/>
-    </dgm:txFillClrLst>
-    <dgm:txEffectClrLst/>
-  </dgm:styleLbl>
-  <dgm:styleLbl name="solidFgAcc1">
-    <dgm:fillClrLst meth="repeat">
-      <a:schemeClr val="lt1"/>
-    </dgm:fillClrLst>
-    <dgm:linClrLst meth="repeat">
-      <a:schemeClr val="accent2"/>
-      <a:schemeClr val="accent3"/>
-      <a:schemeClr val="accent4"/>
-      <a:schemeClr val="accent5"/>
-      <a:schemeClr val="accent6"/>
-    </dgm:linClrLst>
-    <dgm:effectClrLst/>
-    <dgm:txLinClrLst/>
-    <dgm:txFillClrLst meth="repeat">
-      <a:schemeClr val="dk1"/>
-    </dgm:txFillClrLst>
-    <dgm:txEffectClrLst/>
-  </dgm:styleLbl>
-  <dgm:styleLbl name="solidAlignAcc1">
-    <dgm:fillClrLst meth="repeat">
-      <a:schemeClr val="lt1"/>
-    </dgm:fillClrLst>
-    <dgm:linClrLst meth="repeat">
-      <a:schemeClr val="accent2"/>
-      <a:schemeClr val="accent3"/>
-      <a:schemeClr val="accent4"/>
-      <a:schemeClr val="accent5"/>
-      <a:schemeClr val="accent6"/>
-    </dgm:linClrLst>
-    <dgm:effectClrLst/>
-    <dgm:txLinClrLst/>
-    <dgm:txFillClrLst meth="repeat">
-      <a:schemeClr val="dk1"/>
-    </dgm:txFillClrLst>
-    <dgm:txEffectClrLst/>
-  </dgm:styleLbl>
-  <dgm:styleLbl name="solidBgAcc1">
-    <dgm:fillClrLst meth="repeat">
-      <a:schemeClr val="lt1"/>
-    </dgm:fillClrLst>
-    <dgm:linClrLst meth="repeat">
-      <a:schemeClr val="accent2"/>
-      <a:schemeClr val="accent3"/>
-      <a:schemeClr val="accent4"/>
-      <a:schemeClr val="accent5"/>
-      <a:schemeClr val="accent6"/>
-    </dgm:linClrLst>
-    <dgm:effectClrLst/>
-    <dgm:txLinClrLst/>
-    <dgm:txFillClrLst meth="repeat">
-      <a:schemeClr val="dk1"/>
-    </dgm:txFillClrLst>
-    <dgm:txEffectClrLst/>
-  </dgm:styleLbl>
-  <dgm:styleLbl name="fgAccFollowNode1">
-    <dgm:fillClrLst meth="repeat">
-      <a:schemeClr val="accent2">
-        <a:tint val="40000"/>
-        <a:alpha val="90000"/>
-      </a:schemeClr>
-      <a:schemeClr val="accent3">
-        <a:tint val="40000"/>
-        <a:alpha val="90000"/>
-      </a:schemeClr>
-      <a:schemeClr val="accent4">
-        <a:tint val="40000"/>
-        <a:alpha val="90000"/>
-      </a:schemeClr>
-      <a:schemeClr val="accent5">
-        <a:tint val="40000"/>
-        <a:alpha val="90000"/>
-      </a:schemeClr>
-      <a:schemeClr val="accent6">
-        <a:tint val="40000"/>
-        <a:alpha val="90000"/>
-      </a:schemeClr>
-    </dgm:fillClrLst>
-    <dgm:linClrLst meth="repeat">
-      <a:schemeClr val="accent2">
-        <a:tint val="40000"/>
-        <a:alpha val="90000"/>
-      </a:schemeClr>
-      <a:schemeClr val="accent3">
-        <a:tint val="40000"/>
-        <a:alpha val="90000"/>
-      </a:schemeClr>
-      <a:schemeClr val="accent4">
-        <a:tint val="40000"/>
-        <a:alpha val="90000"/>
-      </a:schemeClr>
-      <a:schemeClr val="accent5">
-        <a:tint val="40000"/>
-        <a:alpha val="90000"/>
-      </a:schemeClr>
-      <a:schemeClr val="accent6">
-        <a:tint val="40000"/>
-        <a:alpha val="90000"/>
-      </a:schemeClr>
-    </dgm:linClrLst>
-    <dgm:effectClrLst/>
-    <dgm:txLinClrLst/>
-    <dgm:txFillClrLst meth="repeat">
-      <a:schemeClr val="dk1"/>
-    </dgm:txFillClrLst>
-    <dgm:txEffectClrLst/>
-  </dgm:styleLbl>
-  <dgm:styleLbl name="alignAccFollowNode1">
-    <dgm:fillClrLst meth="repeat">
-      <a:schemeClr val="accent2">
-        <a:tint val="40000"/>
-        <a:alpha val="90000"/>
-      </a:schemeClr>
-      <a:schemeClr val="accent3">
-        <a:tint val="40000"/>
-        <a:alpha val="90000"/>
-      </a:schemeClr>
-      <a:schemeClr val="accent4">
-        <a:tint val="40000"/>
-        <a:alpha val="90000"/>
-      </a:schemeClr>
-      <a:schemeClr val="accent5">
-        <a:tint val="40000"/>
-        <a:alpha val="90000"/>
-      </a:schemeClr>
-      <a:schemeClr val="accent6">
-        <a:tint val="40000"/>
-        <a:alpha val="90000"/>
-      </a:schemeClr>
-    </dgm:fillClrLst>
-    <dgm:linClrLst meth="repeat">
-      <a:schemeClr val="accent2">
-        <a:tint val="40000"/>
-        <a:alpha val="90000"/>
-      </a:schemeClr>
-      <a:schemeClr val="accent3">
-        <a:tint val="40000"/>
-        <a:alpha val="90000"/>
-      </a:schemeClr>
-      <a:schemeClr val="accent4">
-        <a:tint val="40000"/>
-        <a:alpha val="90000"/>
-      </a:schemeClr>
-      <a:schemeClr val="accent5">
-        <a:tint val="40000"/>
-        <a:alpha val="90000"/>
-      </a:schemeClr>
-      <a:schemeClr val="accent6">
-        <a:tint val="40000"/>
-        <a:alpha val="90000"/>
-      </a:schemeClr>
-    </dgm:linClrLst>
-    <dgm:effectClrLst/>
-    <dgm:txLinClrLst/>
-    <dgm:txFillClrLst meth="repeat">
-      <a:schemeClr val="dk1"/>
-    </dgm:txFillClrLst>
-    <dgm:txEffectClrLst/>
-  </dgm:styleLbl>
-  <dgm:styleLbl name="bgAccFollowNode1">
-    <dgm:fillClrLst meth="repeat">
-      <a:schemeClr val="accent2">
-        <a:tint val="40000"/>
-        <a:alpha val="90000"/>
-      </a:schemeClr>
-      <a:schemeClr val="accent3">
-        <a:tint val="40000"/>
-        <a:alpha val="90000"/>
-      </a:schemeClr>
-      <a:schemeClr val="accent4">
-        <a:tint val="40000"/>
-        <a:alpha val="90000"/>
-      </a:schemeClr>
-      <a:schemeClr val="accent5">
-        <a:tint val="40000"/>
-        <a:alpha val="90000"/>
-      </a:schemeClr>
-      <a:schemeClr val="accent6">
-        <a:tint val="40000"/>
-        <a:alpha val="90000"/>
-      </a:schemeClr>
-    </dgm:fillClrLst>
-    <dgm:linClrLst meth="repeat">
-      <a:schemeClr val="accent2">
-        <a:tint val="40000"/>
-        <a:alpha val="90000"/>
-      </a:schemeClr>
-      <a:schemeClr val="accent3">
-        <a:tint val="40000"/>
-        <a:alpha val="90000"/>
-      </a:schemeClr>
-      <a:schemeClr val="accent4">
-        <a:tint val="40000"/>
-        <a:alpha val="90000"/>
-      </a:schemeClr>
-      <a:schemeClr val="accent5">
-        <a:tint val="40000"/>
-        <a:alpha val="90000"/>
-      </a:schemeClr>
-      <a:schemeClr val="accent6">
-        <a:tint val="40000"/>
-        <a:alpha val="90000"/>
-      </a:schemeClr>
-    </dgm:linClrLst>
-    <dgm:effectClrLst/>
-    <dgm:txLinClrLst/>
-    <dgm:txFillClrLst meth="repeat">
-      <a:schemeClr val="dk1"/>
-    </dgm:txFillClrLst>
-    <dgm:txEffectClrLst/>
-  </dgm:styleLbl>
-  <dgm:styleLbl name="fgAcc0">
-    <dgm:fillClrLst meth="repeat">
-      <a:schemeClr val="lt1">
-        <a:alpha val="90000"/>
-      </a:schemeClr>
-    </dgm:fillClrLst>
-    <dgm:linClrLst>
-      <a:schemeClr val="accent1"/>
-    </dgm:linClrLst>
-    <dgm:effectClrLst/>
-    <dgm:txLinClrLst/>
-    <dgm:txFillClrLst meth="repeat">
-      <a:schemeClr val="dk1"/>
-    </dgm:txFillClrLst>
-    <dgm:txEffectClrLst/>
-  </dgm:styleLbl>
-  <dgm:styleLbl name="fgAcc2">
-    <dgm:fillClrLst meth="repeat">
-      <a:schemeClr val="lt1">
-        <a:alpha val="90000"/>
-      </a:schemeClr>
-    </dgm:fillClrLst>
-    <dgm:linClrLst>
-      <a:schemeClr val="accent2"/>
-    </dgm:linClrLst>
-    <dgm:effectClrLst/>
-    <dgm:txLinClrLst/>
-    <dgm:txFillClrLst meth="repeat">
-      <a:schemeClr val="dk1"/>
-    </dgm:txFillClrLst>
-    <dgm:txEffectClrLst/>
-  </dgm:styleLbl>
-  <dgm:styleLbl name="fgAcc3">
-    <dgm:fillClrLst meth="repeat">
-      <a:schemeClr val="lt1">
-        <a:alpha val="90000"/>
-      </a:schemeClr>
-    </dgm:fillClrLst>
-    <dgm:linClrLst>
-      <a:schemeClr val="accent3"/>
-    </dgm:linClrLst>
-    <dgm:effectClrLst/>
-    <dgm:txLinClrLst/>
-    <dgm:txFillClrLst meth="repeat">
-      <a:schemeClr val="dk1"/>
-    </dgm:txFillClrLst>
-    <dgm:txEffectClrLst/>
-  </dgm:styleLbl>
-  <dgm:styleLbl name="fgAcc4">
-    <dgm:fillClrLst meth="repeat">
-      <a:schemeClr val="lt1">
-        <a:alpha val="90000"/>
-      </a:schemeClr>
-    </dgm:fillClrLst>
-    <dgm:linClrLst>
-      <a:schemeClr val="accent4"/>
-    </dgm:linClrLst>
-    <dgm:effectClrLst/>
-    <dgm:txLinClrLst/>
-    <dgm:txFillClrLst meth="repeat">
-      <a:schemeClr val="dk1"/>
-    </dgm:txFillClrLst>
-    <dgm:txEffectClrLst/>
-  </dgm:styleLbl>
-  <dgm:styleLbl name="bgShp">
-    <dgm:fillClrLst meth="repeat">
-      <a:schemeClr val="accent2">
-        <a:tint val="40000"/>
-      </a:schemeClr>
-    </dgm:fillClrLst>
-    <dgm:linClrLst meth="repeat">
-      <a:schemeClr val="dk1"/>
-    </dgm:linClrLst>
-    <dgm:effectClrLst/>
-    <dgm:txLinClrLst/>
-    <dgm:txFillClrLst meth="repeat">
-      <a:schemeClr val="dk1"/>
-    </dgm:txFillClrLst>
-    <dgm:txEffectClrLst/>
-  </dgm:styleLbl>
-  <dgm:styleLbl name="dkBgShp">
-    <dgm:fillClrLst meth="repeat">
-      <a:schemeClr val="accent2">
-        <a:shade val="90000"/>
-      </a:schemeClr>
-    </dgm:fillClrLst>
-    <dgm:linClrLst meth="repeat">
-      <a:schemeClr val="dk1"/>
-    </dgm:linClrLst>
-    <dgm:effectClrLst/>
-    <dgm:txLinClrLst/>
-    <dgm:txFillClrLst meth="repeat">
-      <a:schemeClr val="lt1"/>
-    </dgm:txFillClrLst>
-    <dgm:txEffectClrLst/>
-  </dgm:styleLbl>
-  <dgm:styleLbl name="trBgShp">
-    <dgm:fillClrLst meth="repeat">
-      <a:schemeClr val="accent1">
-        <a:tint val="50000"/>
-        <a:alpha val="40000"/>
-      </a:schemeClr>
-    </dgm:fillClrLst>
-    <dgm:linClrLst meth="repeat">
-      <a:schemeClr val="accent2"/>
-    </dgm:linClrLst>
-    <dgm:effectClrLst/>
-    <dgm:txLinClrLst/>
-    <dgm:txFillClrLst meth="repeat">
-      <a:schemeClr val="lt1"/>
-    </dgm:txFillClrLst>
-    <dgm:txEffectClrLst/>
-  </dgm:styleLbl>
-  <dgm:styleLbl name="fgShp">
-    <dgm:fillClrLst meth="repeat">
-      <a:schemeClr val="accent2">
-        <a:tint val="40000"/>
-      </a:schemeClr>
-    </dgm:fillClrLst>
-    <dgm:linClrLst meth="repeat">
-      <a:schemeClr val="lt1"/>
-    </dgm:linClrLst>
-    <dgm:effectClrLst/>
-    <dgm:txLinClrLst/>
-    <dgm:txFillClrLst meth="repeat">
-      <a:schemeClr val="dk1"/>
-    </dgm:txFillClrLst>
-    <dgm:txEffectClrLst/>
-  </dgm:styleLbl>
-  <dgm:styleLbl name="revTx">
-    <dgm:fillClrLst meth="repeat">
-      <a:schemeClr val="lt1">
-        <a:alpha val="0"/>
-      </a:schemeClr>
-    </dgm:fillClrLst>
-    <dgm:linClrLst meth="repeat">
-      <a:schemeClr val="dk1">
-        <a:alpha val="0"/>
-      </a:schemeClr>
-    </dgm:linClrLst>
-    <dgm:effectClrLst/>
-    <dgm:txLinClrLst/>
-    <dgm:txFillClrLst meth="repeat">
-      <a:schemeClr val="tx1"/>
-    </dgm:txFillClrLst>
-    <dgm:txEffectClrLst/>
-  </dgm:styleLbl>
-</dgm:colorsDef>
-</file>
-
 <file path=ppt/diagrams/data1.xml><?xml version="1.0" encoding="utf-8"?>
 <dgm:dataModel xmlns:dgm="http://schemas.openxmlformats.org/drawingml/2006/diagram" xmlns:a="http://schemas.openxmlformats.org/drawingml/2006/main">
   <dgm:ptLst>
@@ -2969,7 +2058,6 @@
             <a:rPr lang="en-IN" b="0" dirty="0" smtClean="0"/>
             <a:t>Indian neighbourhood store concept but store centred around shopping places</a:t>
           </a:r>
-          <a:endParaRPr lang="en-IN" b="0" dirty="0" smtClean="0"/>
         </a:p>
       </dgm:t>
     </dgm:pt>
@@ -3006,7 +2094,6 @@
             <a:rPr lang="en-IN" b="0" dirty="0" smtClean="0"/>
             <a:t>Distance from any import hub for items or their warehouse  is not a part of their analysis</a:t>
           </a:r>
-          <a:endParaRPr lang="en-IN" b="0" dirty="0" smtClean="0"/>
         </a:p>
       </dgm:t>
     </dgm:pt>
@@ -3043,7 +2130,6 @@
             <a:rPr lang="en-IN" b="0" dirty="0" smtClean="0"/>
             <a:t>This whole exercise will be like their test run. As they have a significant budget to expand store rentals/buy prices are not considered as part of the analysis</a:t>
           </a:r>
-          <a:endParaRPr lang="en-IN" b="0" dirty="0" smtClean="0"/>
         </a:p>
       </dgm:t>
     </dgm:pt>
@@ -3115,6 +2201,13 @@
         </dgm:presLayoutVars>
       </dgm:prSet>
       <dgm:spPr/>
+      <dgm:t>
+        <a:bodyPr/>
+        <a:lstStyle/>
+        <a:p>
+          <a:endParaRPr lang="en-IN"/>
+        </a:p>
+      </dgm:t>
     </dgm:pt>
     <dgm:pt modelId="{F1EE7297-8F47-407C-8F56-74A04E3FE6F8}" type="pres">
       <dgm:prSet presAssocID="{E6802783-911B-435D-83B4-A31C67B5B480}" presName="composite" presStyleCnt="0"/>
@@ -3129,6 +2222,13 @@
         </dgm:presLayoutVars>
       </dgm:prSet>
       <dgm:spPr/>
+      <dgm:t>
+        <a:bodyPr/>
+        <a:lstStyle/>
+        <a:p>
+          <a:endParaRPr lang="en-IN"/>
+        </a:p>
+      </dgm:t>
     </dgm:pt>
     <dgm:pt modelId="{FC3B0B01-37D7-47C5-A323-D1EDEEF1905E}" type="pres">
       <dgm:prSet presAssocID="{E6802783-911B-435D-83B4-A31C67B5B480}" presName="desTx" presStyleLbl="alignAccFollowNode1" presStyleIdx="0" presStyleCnt="1">
@@ -3147,19 +2247,19 @@
     </dgm:pt>
   </dgm:ptLst>
   <dgm:cxnLst>
-    <dgm:cxn modelId="{20B93820-2A45-4890-9BA5-DB5074D80543}" srcId="{E6802783-911B-435D-83B4-A31C67B5B480}" destId="{BA76AA86-0DDA-45F4-927A-EB81D94E921B}" srcOrd="0" destOrd="0" parTransId="{00F1D99A-BDB7-48EA-96D9-FA3FD8ACAF39}" sibTransId="{6AC34638-B2DD-44E6-98FC-D52CC6B98A88}"/>
-    <dgm:cxn modelId="{6D19B49B-3E31-42E0-8788-3CD850686440}" type="presOf" srcId="{E912F23A-3E08-4A6B-8040-035E07F4A036}" destId="{FC3B0B01-37D7-47C5-A323-D1EDEEF1905E}" srcOrd="0" destOrd="3" presId="urn:microsoft.com/office/officeart/2005/8/layout/hList1"/>
-    <dgm:cxn modelId="{E2311F09-D1E9-4CE9-B904-6B976B2AE08A}" srcId="{002104FE-3873-4C2E-87B3-677693EA5020}" destId="{E6802783-911B-435D-83B4-A31C67B5B480}" srcOrd="0" destOrd="0" parTransId="{1D4BFC37-F394-4845-9B5B-19D40B9C68CF}" sibTransId="{542BBEBE-6BFF-4892-B6CE-BA87E3EC6DF0}"/>
-    <dgm:cxn modelId="{C099F3E2-8E80-43DF-ACAC-DD53CFC9E38E}" srcId="{E6802783-911B-435D-83B4-A31C67B5B480}" destId="{C1B06939-FC95-4943-A314-60D4382885A7}" srcOrd="1" destOrd="0" parTransId="{FABC7855-73F5-4335-BB40-101C9B1E7D62}" sibTransId="{B2C2DF9F-C99F-4B26-9B7F-4C61359716FE}"/>
-    <dgm:cxn modelId="{77BC851E-EB12-4219-B7C1-C2A09C24F6AD}" srcId="{E6802783-911B-435D-83B4-A31C67B5B480}" destId="{CAE33708-82CC-409A-8C11-42BDC3A140C1}" srcOrd="2" destOrd="0" parTransId="{B9C7B539-FCC9-4F9C-B72D-263DE3735960}" sibTransId="{B8F37DBE-B908-4999-941F-596603EA94EB}"/>
+    <dgm:cxn modelId="{FF800281-AFED-4255-AC1B-85005549CF02}" type="presOf" srcId="{BA76AA86-0DDA-45F4-927A-EB81D94E921B}" destId="{FC3B0B01-37D7-47C5-A323-D1EDEEF1905E}" srcOrd="0" destOrd="0" presId="urn:microsoft.com/office/officeart/2005/8/layout/hList1"/>
+    <dgm:cxn modelId="{DF61AC8E-B075-4DE9-AF1C-9FA3D668BD30}" type="presOf" srcId="{CAE33708-82CC-409A-8C11-42BDC3A140C1}" destId="{FC3B0B01-37D7-47C5-A323-D1EDEEF1905E}" srcOrd="0" destOrd="2" presId="urn:microsoft.com/office/officeart/2005/8/layout/hList1"/>
+    <dgm:cxn modelId="{F11532B1-9AF3-4D25-A252-6D301C2B1147}" srcId="{E6802783-911B-435D-83B4-A31C67B5B480}" destId="{CC1A2920-4895-4C61-82DA-BB3DFA18F7C6}" srcOrd="4" destOrd="0" parTransId="{D7722380-FE26-4D34-86EC-4C835966C49E}" sibTransId="{82A4D0CA-900C-4661-992A-B1B3601B0689}"/>
     <dgm:cxn modelId="{D29DA923-97CA-44AA-8EA9-550D8837DD56}" srcId="{E6802783-911B-435D-83B4-A31C67B5B480}" destId="{E912F23A-3E08-4A6B-8040-035E07F4A036}" srcOrd="3" destOrd="0" parTransId="{33705521-9C86-4A01-B9F7-F6F6730541F6}" sibTransId="{0342FFD7-F5BF-441C-BF33-7274E59340C0}"/>
     <dgm:cxn modelId="{BD6219FE-CDBF-459B-A720-60C7335A627D}" type="presOf" srcId="{C1B06939-FC95-4943-A314-60D4382885A7}" destId="{FC3B0B01-37D7-47C5-A323-D1EDEEF1905E}" srcOrd="0" destOrd="1" presId="urn:microsoft.com/office/officeart/2005/8/layout/hList1"/>
-    <dgm:cxn modelId="{FF800281-AFED-4255-AC1B-85005549CF02}" type="presOf" srcId="{BA76AA86-0DDA-45F4-927A-EB81D94E921B}" destId="{FC3B0B01-37D7-47C5-A323-D1EDEEF1905E}" srcOrd="0" destOrd="0" presId="urn:microsoft.com/office/officeart/2005/8/layout/hList1"/>
+    <dgm:cxn modelId="{20B93820-2A45-4890-9BA5-DB5074D80543}" srcId="{E6802783-911B-435D-83B4-A31C67B5B480}" destId="{BA76AA86-0DDA-45F4-927A-EB81D94E921B}" srcOrd="0" destOrd="0" parTransId="{00F1D99A-BDB7-48EA-96D9-FA3FD8ACAF39}" sibTransId="{6AC34638-B2DD-44E6-98FC-D52CC6B98A88}"/>
     <dgm:cxn modelId="{1F72885C-7115-4C6E-B19F-A6393344A5FE}" type="presOf" srcId="{CC1A2920-4895-4C61-82DA-BB3DFA18F7C6}" destId="{FC3B0B01-37D7-47C5-A323-D1EDEEF1905E}" srcOrd="0" destOrd="4" presId="urn:microsoft.com/office/officeart/2005/8/layout/hList1"/>
+    <dgm:cxn modelId="{C099F3E2-8E80-43DF-ACAC-DD53CFC9E38E}" srcId="{E6802783-911B-435D-83B4-A31C67B5B480}" destId="{C1B06939-FC95-4943-A314-60D4382885A7}" srcOrd="1" destOrd="0" parTransId="{FABC7855-73F5-4335-BB40-101C9B1E7D62}" sibTransId="{B2C2DF9F-C99F-4B26-9B7F-4C61359716FE}"/>
+    <dgm:cxn modelId="{76F7BCE9-1E5D-4F16-8658-BD14C7F3F2FC}" type="presOf" srcId="{E6802783-911B-435D-83B4-A31C67B5B480}" destId="{036D6A1F-03DF-476F-9B46-BA9F7A5C1596}" srcOrd="0" destOrd="0" presId="urn:microsoft.com/office/officeart/2005/8/layout/hList1"/>
+    <dgm:cxn modelId="{77BC851E-EB12-4219-B7C1-C2A09C24F6AD}" srcId="{E6802783-911B-435D-83B4-A31C67B5B480}" destId="{CAE33708-82CC-409A-8C11-42BDC3A140C1}" srcOrd="2" destOrd="0" parTransId="{B9C7B539-FCC9-4F9C-B72D-263DE3735960}" sibTransId="{B8F37DBE-B908-4999-941F-596603EA94EB}"/>
+    <dgm:cxn modelId="{E2311F09-D1E9-4CE9-B904-6B976B2AE08A}" srcId="{002104FE-3873-4C2E-87B3-677693EA5020}" destId="{E6802783-911B-435D-83B4-A31C67B5B480}" srcOrd="0" destOrd="0" parTransId="{1D4BFC37-F394-4845-9B5B-19D40B9C68CF}" sibTransId="{542BBEBE-6BFF-4892-B6CE-BA87E3EC6DF0}"/>
+    <dgm:cxn modelId="{6D19B49B-3E31-42E0-8788-3CD850686440}" type="presOf" srcId="{E912F23A-3E08-4A6B-8040-035E07F4A036}" destId="{FC3B0B01-37D7-47C5-A323-D1EDEEF1905E}" srcOrd="0" destOrd="3" presId="urn:microsoft.com/office/officeart/2005/8/layout/hList1"/>
     <dgm:cxn modelId="{9F7FE1EC-5C94-4844-8B1F-2D8AF6BEE3C2}" type="presOf" srcId="{002104FE-3873-4C2E-87B3-677693EA5020}" destId="{8DFDDAEC-0A93-4DBA-8FCE-B30A6C6E5527}" srcOrd="0" destOrd="0" presId="urn:microsoft.com/office/officeart/2005/8/layout/hList1"/>
-    <dgm:cxn modelId="{DF61AC8E-B075-4DE9-AF1C-9FA3D668BD30}" type="presOf" srcId="{CAE33708-82CC-409A-8C11-42BDC3A140C1}" destId="{FC3B0B01-37D7-47C5-A323-D1EDEEF1905E}" srcOrd="0" destOrd="2" presId="urn:microsoft.com/office/officeart/2005/8/layout/hList1"/>
-    <dgm:cxn modelId="{F11532B1-9AF3-4D25-A252-6D301C2B1147}" srcId="{E6802783-911B-435D-83B4-A31C67B5B480}" destId="{CC1A2920-4895-4C61-82DA-BB3DFA18F7C6}" srcOrd="4" destOrd="0" parTransId="{D7722380-FE26-4D34-86EC-4C835966C49E}" sibTransId="{82A4D0CA-900C-4661-992A-B1B3601B0689}"/>
-    <dgm:cxn modelId="{76F7BCE9-1E5D-4F16-8658-BD14C7F3F2FC}" type="presOf" srcId="{E6802783-911B-435D-83B4-A31C67B5B480}" destId="{036D6A1F-03DF-476F-9B46-BA9F7A5C1596}" srcOrd="0" destOrd="0" presId="urn:microsoft.com/office/officeart/2005/8/layout/hList1"/>
     <dgm:cxn modelId="{60B1BFCA-545C-473B-90EC-EBF9409E05B0}" type="presParOf" srcId="{8DFDDAEC-0A93-4DBA-8FCE-B30A6C6E5527}" destId="{F1EE7297-8F47-407C-8F56-74A04E3FE6F8}" srcOrd="0" destOrd="0" presId="urn:microsoft.com/office/officeart/2005/8/layout/hList1"/>
     <dgm:cxn modelId="{73C767CD-912A-4AE2-BA5E-03EF970F2368}" type="presParOf" srcId="{F1EE7297-8F47-407C-8F56-74A04E3FE6F8}" destId="{036D6A1F-03DF-476F-9B46-BA9F7A5C1596}" srcOrd="0" destOrd="0" presId="urn:microsoft.com/office/officeart/2005/8/layout/hList1"/>
     <dgm:cxn modelId="{687F5EB9-DFC6-4F48-8CAA-D790943D6A9A}" type="presParOf" srcId="{F1EE7297-8F47-407C-8F56-74A04E3FE6F8}" destId="{FC3B0B01-37D7-47C5-A323-D1EDEEF1905E}" srcOrd="1" destOrd="0" presId="urn:microsoft.com/office/officeart/2005/8/layout/hList1"/>
@@ -3353,79 +2453,16 @@
         </dgm:presLayoutVars>
       </dgm:prSet>
       <dgm:spPr/>
+      <dgm:t>
+        <a:bodyPr/>
+        <a:lstStyle/>
+        <a:p>
+          <a:endParaRPr lang="en-IN"/>
+        </a:p>
+      </dgm:t>
     </dgm:pt>
     <dgm:pt modelId="{1D6174AC-665A-4639-84B8-8DE706A20A8E}" type="pres">
       <dgm:prSet presAssocID="{C10E2398-FD43-4BCD-883D-CB04D9399F97}" presName="centerShape" presStyleLbl="node0" presStyleIdx="0" presStyleCnt="1"/>
-      <dgm:spPr/>
-    </dgm:pt>
-    <dgm:pt modelId="{892E12E6-95E9-4100-A528-EFD8D12A2693}" type="pres">
-      <dgm:prSet presAssocID="{E046D179-47A7-4B61-8836-7A33FEFB19A7}" presName="parTrans" presStyleLbl="bgSibTrans2D1" presStyleIdx="0" presStyleCnt="3"/>
-      <dgm:spPr/>
-    </dgm:pt>
-    <dgm:pt modelId="{0B201740-FFF6-45D6-A95F-8E2A7921D001}" type="pres">
-      <dgm:prSet presAssocID="{BCE24D4B-B010-4A1B-8547-BBB089F331E5}" presName="node" presStyleLbl="node1" presStyleIdx="0" presStyleCnt="3">
-        <dgm:presLayoutVars>
-          <dgm:bulletEnabled val="1"/>
-        </dgm:presLayoutVars>
-      </dgm:prSet>
-      <dgm:spPr/>
-    </dgm:pt>
-    <dgm:pt modelId="{B04F4815-CEA8-4FCE-A635-FC14AB0D70FB}" type="pres">
-      <dgm:prSet presAssocID="{33C398DA-CE34-4495-924F-9E6A6D58EF3D}" presName="parTrans" presStyleLbl="bgSibTrans2D1" presStyleIdx="1" presStyleCnt="3"/>
-      <dgm:spPr/>
-    </dgm:pt>
-    <dgm:pt modelId="{04842C50-1FDE-4C7D-BBB3-F842CDB81A16}" type="pres">
-      <dgm:prSet presAssocID="{4A192664-A2AF-4980-9913-60D11F9609E0}" presName="node" presStyleLbl="node1" presStyleIdx="1" presStyleCnt="3">
-        <dgm:presLayoutVars>
-          <dgm:bulletEnabled val="1"/>
-        </dgm:presLayoutVars>
-      </dgm:prSet>
-      <dgm:spPr/>
-    </dgm:pt>
-    <dgm:pt modelId="{7BE08DDB-6270-4ADE-AEA5-5060B9E934FC}" type="pres">
-      <dgm:prSet presAssocID="{EFF3207B-D185-40E0-9410-520AB4B8827F}" presName="parTrans" presStyleLbl="bgSibTrans2D1" presStyleIdx="2" presStyleCnt="3"/>
-      <dgm:spPr/>
-    </dgm:pt>
-    <dgm:pt modelId="{C6EA6F65-7D0D-4B5C-B4F6-8A13CFC8DAAB}" type="pres">
-      <dgm:prSet presAssocID="{25F061B1-0ACB-466C-8C0E-87CD445ABB9E}" presName="node" presStyleLbl="node1" presStyleIdx="2" presStyleCnt="3">
-        <dgm:presLayoutVars>
-          <dgm:bulletEnabled val="1"/>
-        </dgm:presLayoutVars>
-      </dgm:prSet>
-      <dgm:spPr/>
-    </dgm:pt>
-  </dgm:ptLst>
-  <dgm:cxnLst>
-    <dgm:cxn modelId="{1D95B34D-39A3-494F-88E3-E1A6C8DD99B1}" type="presOf" srcId="{B6873938-0902-4982-ABB7-68FA7EBF3990}" destId="{5FF1C419-714C-47F8-8DD6-3DFA4DE0DD99}" srcOrd="0" destOrd="0" presId="urn:microsoft.com/office/officeart/2005/8/layout/radial4"/>
-    <dgm:cxn modelId="{0763D325-A4D8-4DC8-8BFF-9D20FBEDE1F0}" srcId="{C10E2398-FD43-4BCD-883D-CB04D9399F97}" destId="{25F061B1-0ACB-466C-8C0E-87CD445ABB9E}" srcOrd="2" destOrd="0" parTransId="{EFF3207B-D185-40E0-9410-520AB4B8827F}" sibTransId="{C318B00D-EEBE-4AD2-AEC9-113C8FD52F39}"/>
-    <dgm:cxn modelId="{3683EC3F-4220-4080-BAD6-E10F65F7DF4F}" srcId="{B6873938-0902-4982-ABB7-68FA7EBF3990}" destId="{C10E2398-FD43-4BCD-883D-CB04D9399F97}" srcOrd="0" destOrd="0" parTransId="{1C2031FE-60FF-4CDD-B510-B1B71E953CAC}" sibTransId="{AA328D9F-C8CE-4AB5-9D81-8529F3FA1360}"/>
-    <dgm:cxn modelId="{3B6C878C-E0B3-4357-BF29-3E9838684100}" type="presOf" srcId="{E046D179-47A7-4B61-8836-7A33FEFB19A7}" destId="{892E12E6-95E9-4100-A528-EFD8D12A2693}" srcOrd="0" destOrd="0" presId="urn:microsoft.com/office/officeart/2005/8/layout/radial4"/>
-    <dgm:cxn modelId="{65DD0DAE-271A-4DA2-93CA-7D64AF627CB8}" srcId="{C10E2398-FD43-4BCD-883D-CB04D9399F97}" destId="{4A192664-A2AF-4980-9913-60D11F9609E0}" srcOrd="1" destOrd="0" parTransId="{33C398DA-CE34-4495-924F-9E6A6D58EF3D}" sibTransId="{E20419DE-7B48-4219-83A7-E0DE77E4C7CF}"/>
-    <dgm:cxn modelId="{09F3764B-4747-449D-BDF6-49F425EAA39B}" type="presOf" srcId="{33C398DA-CE34-4495-924F-9E6A6D58EF3D}" destId="{B04F4815-CEA8-4FCE-A635-FC14AB0D70FB}" srcOrd="0" destOrd="0" presId="urn:microsoft.com/office/officeart/2005/8/layout/radial4"/>
-    <dgm:cxn modelId="{51A54007-68AE-47BC-A415-8E76C86D5A90}" type="presOf" srcId="{BCE24D4B-B010-4A1B-8547-BBB089F331E5}" destId="{0B201740-FFF6-45D6-A95F-8E2A7921D001}" srcOrd="0" destOrd="0" presId="urn:microsoft.com/office/officeart/2005/8/layout/radial4"/>
-    <dgm:cxn modelId="{3235C6A5-91B2-422E-87BC-5D743E4A6408}" type="presOf" srcId="{EFF3207B-D185-40E0-9410-520AB4B8827F}" destId="{7BE08DDB-6270-4ADE-AEA5-5060B9E934FC}" srcOrd="0" destOrd="0" presId="urn:microsoft.com/office/officeart/2005/8/layout/radial4"/>
-    <dgm:cxn modelId="{98FE1F56-C51D-4FAF-8C81-C31C110E00B9}" type="presOf" srcId="{25F061B1-0ACB-466C-8C0E-87CD445ABB9E}" destId="{C6EA6F65-7D0D-4B5C-B4F6-8A13CFC8DAAB}" srcOrd="0" destOrd="0" presId="urn:microsoft.com/office/officeart/2005/8/layout/radial4"/>
-    <dgm:cxn modelId="{EB44B5B1-C2B4-45D5-AC8A-48B232FA29F9}" srcId="{C10E2398-FD43-4BCD-883D-CB04D9399F97}" destId="{BCE24D4B-B010-4A1B-8547-BBB089F331E5}" srcOrd="0" destOrd="0" parTransId="{E046D179-47A7-4B61-8836-7A33FEFB19A7}" sibTransId="{016FBB07-1930-4FCC-A6B6-9EC09F971BA4}"/>
-    <dgm:cxn modelId="{C612353A-67D0-47C2-96C3-5E94ED26DC22}" type="presOf" srcId="{4A192664-A2AF-4980-9913-60D11F9609E0}" destId="{04842C50-1FDE-4C7D-BBB3-F842CDB81A16}" srcOrd="0" destOrd="0" presId="urn:microsoft.com/office/officeart/2005/8/layout/radial4"/>
-    <dgm:cxn modelId="{4F283F4D-3E28-42B2-AF1F-96FBAEC7CB15}" type="presOf" srcId="{C10E2398-FD43-4BCD-883D-CB04D9399F97}" destId="{1D6174AC-665A-4639-84B8-8DE706A20A8E}" srcOrd="0" destOrd="0" presId="urn:microsoft.com/office/officeart/2005/8/layout/radial4"/>
-    <dgm:cxn modelId="{D6994C68-CC52-4B81-B47F-AF585AEDCFFB}" type="presParOf" srcId="{5FF1C419-714C-47F8-8DD6-3DFA4DE0DD99}" destId="{1D6174AC-665A-4639-84B8-8DE706A20A8E}" srcOrd="0" destOrd="0" presId="urn:microsoft.com/office/officeart/2005/8/layout/radial4"/>
-    <dgm:cxn modelId="{7E1D7EC3-25AD-499B-A957-FD7B0A3D1FCB}" type="presParOf" srcId="{5FF1C419-714C-47F8-8DD6-3DFA4DE0DD99}" destId="{892E12E6-95E9-4100-A528-EFD8D12A2693}" srcOrd="1" destOrd="0" presId="urn:microsoft.com/office/officeart/2005/8/layout/radial4"/>
-    <dgm:cxn modelId="{FA8087B7-7477-479B-B3E5-80A6DB0E380D}" type="presParOf" srcId="{5FF1C419-714C-47F8-8DD6-3DFA4DE0DD99}" destId="{0B201740-FFF6-45D6-A95F-8E2A7921D001}" srcOrd="2" destOrd="0" presId="urn:microsoft.com/office/officeart/2005/8/layout/radial4"/>
-    <dgm:cxn modelId="{DA93765A-A83F-4D37-A60B-3310B5BBE958}" type="presParOf" srcId="{5FF1C419-714C-47F8-8DD6-3DFA4DE0DD99}" destId="{B04F4815-CEA8-4FCE-A635-FC14AB0D70FB}" srcOrd="3" destOrd="0" presId="urn:microsoft.com/office/officeart/2005/8/layout/radial4"/>
-    <dgm:cxn modelId="{ECECF03B-7DBB-49C9-B8BF-9B9594A73720}" type="presParOf" srcId="{5FF1C419-714C-47F8-8DD6-3DFA4DE0DD99}" destId="{04842C50-1FDE-4C7D-BBB3-F842CDB81A16}" srcOrd="4" destOrd="0" presId="urn:microsoft.com/office/officeart/2005/8/layout/radial4"/>
-    <dgm:cxn modelId="{65D55B7E-6DF4-47AB-8B72-BB10A53AA24A}" type="presParOf" srcId="{5FF1C419-714C-47F8-8DD6-3DFA4DE0DD99}" destId="{7BE08DDB-6270-4ADE-AEA5-5060B9E934FC}" srcOrd="5" destOrd="0" presId="urn:microsoft.com/office/officeart/2005/8/layout/radial4"/>
-    <dgm:cxn modelId="{ED055C3D-99BC-4A6A-B4BB-20858FB9BEE4}" type="presParOf" srcId="{5FF1C419-714C-47F8-8DD6-3DFA4DE0DD99}" destId="{C6EA6F65-7D0D-4B5C-B4F6-8A13CFC8DAAB}" srcOrd="6" destOrd="0" presId="urn:microsoft.com/office/officeart/2005/8/layout/radial4"/>
-  </dgm:cxnLst>
-  <dgm:bg/>
-  <dgm:whole/>
-</dgm:dataModel>
-</file>
-
-<file path=ppt/diagrams/data3.xml><?xml version="1.0" encoding="utf-8"?>
-<dgm:dataModel xmlns:dgm="http://schemas.openxmlformats.org/drawingml/2006/diagram" xmlns:a="http://schemas.openxmlformats.org/drawingml/2006/main">
-  <dgm:ptLst>
-    <dgm:pt modelId="{8FD5D6E5-97D4-4CDF-BB4F-9ADCBB4F4E82}" type="doc">
-      <dgm:prSet loTypeId="urn:microsoft.com/office/officeart/2005/8/layout/equation2" loCatId="process" qsTypeId="urn:microsoft.com/office/officeart/2005/8/quickstyle/simple1" qsCatId="simple" csTypeId="urn:microsoft.com/office/officeart/2005/8/colors/colorful1" csCatId="colorful" phldr="1"/>
       <dgm:spPr/>
       <dgm:t>
         <a:bodyPr/>
@@ -3435,23 +2472,8 @@
         </a:p>
       </dgm:t>
     </dgm:pt>
-    <dgm:pt modelId="{FD4DDF1A-7CB1-42B5-B4EE-6C4DED4AA0EA}">
-      <dgm:prSet phldrT="[Text]"/>
-      <dgm:spPr/>
-      <dgm:t>
-        <a:bodyPr/>
-        <a:lstStyle/>
-        <a:p>
-          <a:r>
-            <a:rPr lang="en-IN" dirty="0" smtClean="0"/>
-            <a:t>Neighbourhood Priorities</a:t>
-          </a:r>
-          <a:endParaRPr lang="en-IN" dirty="0"/>
-        </a:p>
-      </dgm:t>
-    </dgm:pt>
-    <dgm:pt modelId="{29E9E2AC-08D0-4B38-B36E-BB9D4F461675}" type="parTrans" cxnId="{DC9615CD-D6FA-4FD1-9272-CE59DEFC093A}">
-      <dgm:prSet/>
+    <dgm:pt modelId="{892E12E6-95E9-4100-A528-EFD8D12A2693}" type="pres">
+      <dgm:prSet presAssocID="{E046D179-47A7-4B61-8836-7A33FEFB19A7}" presName="parTrans" presStyleLbl="bgSibTrans2D1" presStyleIdx="0" presStyleCnt="3"/>
       <dgm:spPr/>
       <dgm:t>
         <a:bodyPr/>
@@ -3461,280 +2483,8 @@
         </a:p>
       </dgm:t>
     </dgm:pt>
-    <dgm:pt modelId="{F7963AA1-590D-4E4A-9247-13893245211B}" type="sibTrans" cxnId="{DC9615CD-D6FA-4FD1-9272-CE59DEFC093A}">
-      <dgm:prSet/>
-      <dgm:spPr/>
-      <dgm:t>
-        <a:bodyPr/>
-        <a:lstStyle/>
-        <a:p>
-          <a:endParaRPr lang="en-IN"/>
-        </a:p>
-      </dgm:t>
-    </dgm:pt>
-    <dgm:pt modelId="{9C2163B6-FD82-4F71-99C2-0DFA24FF55FE}">
-      <dgm:prSet phldrT="[Text]"/>
-      <dgm:spPr/>
-      <dgm:t>
-        <a:bodyPr/>
-        <a:lstStyle/>
-        <a:p>
-          <a:r>
-            <a:rPr lang="en-IN" dirty="0" smtClean="0"/>
-            <a:t>South Asian population</a:t>
-          </a:r>
-          <a:endParaRPr lang="en-IN" dirty="0"/>
-        </a:p>
-      </dgm:t>
-    </dgm:pt>
-    <dgm:pt modelId="{95DF29F5-5BD0-4837-B67E-D2C5CB0C3A56}" type="parTrans" cxnId="{23CBE967-03DA-488B-9DBC-3CC53EF3FEE0}">
-      <dgm:prSet/>
-      <dgm:spPr/>
-      <dgm:t>
-        <a:bodyPr/>
-        <a:lstStyle/>
-        <a:p>
-          <a:endParaRPr lang="en-IN"/>
-        </a:p>
-      </dgm:t>
-    </dgm:pt>
-    <dgm:pt modelId="{E03B4AE4-68D2-403D-8CCD-9E28F6A71C95}" type="sibTrans" cxnId="{23CBE967-03DA-488B-9DBC-3CC53EF3FEE0}">
-      <dgm:prSet/>
-      <dgm:spPr/>
-      <dgm:t>
-        <a:bodyPr/>
-        <a:lstStyle/>
-        <a:p>
-          <a:endParaRPr lang="en-IN"/>
-        </a:p>
-      </dgm:t>
-    </dgm:pt>
-    <dgm:pt modelId="{ADE6E976-8C59-426A-B112-B1828D83C476}">
-      <dgm:prSet phldrT="[Text]"/>
-      <dgm:spPr/>
-      <dgm:t>
-        <a:bodyPr/>
-        <a:lstStyle/>
-        <a:p>
-          <a:r>
-            <a:rPr lang="en-IN" dirty="0" smtClean="0"/>
-            <a:t>Four Square Venues data</a:t>
-          </a:r>
-          <a:endParaRPr lang="en-IN" dirty="0"/>
-        </a:p>
-      </dgm:t>
-    </dgm:pt>
-    <dgm:pt modelId="{DC4F9106-0697-450A-84BC-E2BD5B8748E7}" type="parTrans" cxnId="{22F5D117-CB51-46EF-BC92-D8C74E63817A}">
-      <dgm:prSet/>
-      <dgm:spPr/>
-      <dgm:t>
-        <a:bodyPr/>
-        <a:lstStyle/>
-        <a:p>
-          <a:endParaRPr lang="en-IN"/>
-        </a:p>
-      </dgm:t>
-    </dgm:pt>
-    <dgm:pt modelId="{274C3065-5755-4AA2-985C-B567E7DBA9AC}" type="sibTrans" cxnId="{22F5D117-CB51-46EF-BC92-D8C74E63817A}">
-      <dgm:prSet/>
-      <dgm:spPr/>
-      <dgm:t>
-        <a:bodyPr/>
-        <a:lstStyle/>
-        <a:p>
-          <a:endParaRPr lang="en-IN"/>
-        </a:p>
-      </dgm:t>
-    </dgm:pt>
-    <dgm:pt modelId="{E934386C-E0BD-497D-B86C-E70336203F37}">
-      <dgm:prSet phldrT="[Text]"/>
-      <dgm:spPr/>
-      <dgm:t>
-        <a:bodyPr/>
-        <a:lstStyle/>
-        <a:p>
-          <a:r>
-            <a:rPr lang="en-IN" dirty="0" smtClean="0"/>
-            <a:t>Indian Restaurant</a:t>
-          </a:r>
-          <a:endParaRPr lang="en-IN" dirty="0"/>
-        </a:p>
-      </dgm:t>
-    </dgm:pt>
-    <dgm:pt modelId="{39AC587E-6A89-44F1-B6EC-3A6FD3BC4A84}" type="parTrans" cxnId="{4BB8C03C-50FF-4736-BD5C-070A1A2B128A}">
-      <dgm:prSet/>
-      <dgm:spPr/>
-      <dgm:t>
-        <a:bodyPr/>
-        <a:lstStyle/>
-        <a:p>
-          <a:endParaRPr lang="en-IN"/>
-        </a:p>
-      </dgm:t>
-    </dgm:pt>
-    <dgm:pt modelId="{40508193-D4FF-4FC4-9A52-DF4631C1B71B}" type="sibTrans" cxnId="{4BB8C03C-50FF-4736-BD5C-070A1A2B128A}">
-      <dgm:prSet/>
-      <dgm:spPr/>
-      <dgm:t>
-        <a:bodyPr/>
-        <a:lstStyle/>
-        <a:p>
-          <a:endParaRPr lang="en-IN"/>
-        </a:p>
-      </dgm:t>
-    </dgm:pt>
-    <dgm:pt modelId="{AD08F9DB-E666-4BFE-8EE5-7F05F5B3EA92}">
-      <dgm:prSet phldrT="[Text]"/>
-      <dgm:spPr/>
-      <dgm:t>
-        <a:bodyPr/>
-        <a:lstStyle/>
-        <a:p>
-          <a:r>
-            <a:rPr lang="en-IN" dirty="0" smtClean="0"/>
-            <a:t>Shops and Services</a:t>
-          </a:r>
-          <a:endParaRPr lang="en-IN" dirty="0"/>
-        </a:p>
-      </dgm:t>
-    </dgm:pt>
-    <dgm:pt modelId="{32C6F4A4-16AD-470B-9D6D-CCE7B9B0948A}" type="parTrans" cxnId="{4D206B5E-7FC4-464B-805C-5652BCC98FD9}">
-      <dgm:prSet/>
-      <dgm:spPr/>
-      <dgm:t>
-        <a:bodyPr/>
-        <a:lstStyle/>
-        <a:p>
-          <a:endParaRPr lang="en-IN"/>
-        </a:p>
-      </dgm:t>
-    </dgm:pt>
-    <dgm:pt modelId="{7B30D5A7-4829-47B3-BFBF-3FCE3C7554EE}" type="sibTrans" cxnId="{4D206B5E-7FC4-464B-805C-5652BCC98FD9}">
-      <dgm:prSet/>
-      <dgm:spPr/>
-      <dgm:t>
-        <a:bodyPr/>
-        <a:lstStyle/>
-        <a:p>
-          <a:endParaRPr lang="en-IN"/>
-        </a:p>
-      </dgm:t>
-    </dgm:pt>
-    <dgm:pt modelId="{BE58B37A-2049-4859-B449-9DAF211C6EEF}">
-      <dgm:prSet phldrT="[Text]"/>
-      <dgm:spPr/>
-      <dgm:t>
-        <a:bodyPr/>
-        <a:lstStyle/>
-        <a:p>
-          <a:r>
-            <a:rPr lang="en-IN" dirty="0" smtClean="0"/>
-            <a:t>Weighted Venue Matrix</a:t>
-          </a:r>
-        </a:p>
-        <a:p>
-          <a:r>
-            <a:rPr lang="en-IN" dirty="0" smtClean="0"/>
-            <a:t>Parameter correlation and significance</a:t>
-          </a:r>
-          <a:endParaRPr lang="en-IN" dirty="0"/>
-        </a:p>
-      </dgm:t>
-    </dgm:pt>
-    <dgm:pt modelId="{1F94B246-D17B-4411-86E9-1F0028AB6699}" type="parTrans" cxnId="{54A84DAB-EE7F-40C4-8144-9C98FF6FC5EB}">
-      <dgm:prSet/>
-      <dgm:spPr/>
-      <dgm:t>
-        <a:bodyPr/>
-        <a:lstStyle/>
-        <a:p>
-          <a:endParaRPr lang="en-IN"/>
-        </a:p>
-      </dgm:t>
-    </dgm:pt>
-    <dgm:pt modelId="{8BC74E07-280F-4C51-B344-80AAE6C2EA44}" type="sibTrans" cxnId="{54A84DAB-EE7F-40C4-8144-9C98FF6FC5EB}">
-      <dgm:prSet/>
-      <dgm:spPr/>
-      <dgm:t>
-        <a:bodyPr/>
-        <a:lstStyle/>
-        <a:p>
-          <a:endParaRPr lang="en-IN"/>
-        </a:p>
-      </dgm:t>
-    </dgm:pt>
-    <dgm:pt modelId="{FB399059-FF4E-46E4-9F7B-3065DB51AC86}">
-      <dgm:prSet phldrT="[Text]"/>
-      <dgm:spPr/>
-      <dgm:t>
-        <a:bodyPr/>
-        <a:lstStyle/>
-        <a:p>
-          <a:r>
-            <a:rPr lang="en-IN" dirty="0" smtClean="0"/>
-            <a:t>Transport</a:t>
-          </a:r>
-          <a:endParaRPr lang="en-IN" dirty="0"/>
-        </a:p>
-      </dgm:t>
-    </dgm:pt>
-    <dgm:pt modelId="{5EC77010-4DA8-4EB8-980F-E31B33E3B6CF}" type="parTrans" cxnId="{F612BACD-ABB1-467F-912B-F52733B47A9E}">
-      <dgm:prSet/>
-      <dgm:spPr/>
-      <dgm:t>
-        <a:bodyPr/>
-        <a:lstStyle/>
-        <a:p>
-          <a:endParaRPr lang="en-IN"/>
-        </a:p>
-      </dgm:t>
-    </dgm:pt>
-    <dgm:pt modelId="{DE3B9C97-AA04-4628-B7EA-B2D999C2233C}" type="sibTrans" cxnId="{F612BACD-ABB1-467F-912B-F52733B47A9E}">
-      <dgm:prSet/>
-      <dgm:spPr/>
-      <dgm:t>
-        <a:bodyPr/>
-        <a:lstStyle/>
-        <a:p>
-          <a:endParaRPr lang="en-IN"/>
-        </a:p>
-      </dgm:t>
-    </dgm:pt>
-    <dgm:pt modelId="{C42EA63D-AFF6-494B-A108-CBA6F9290A91}" type="pres">
-      <dgm:prSet presAssocID="{8FD5D6E5-97D4-4CDF-BB4F-9ADCBB4F4E82}" presName="Name0" presStyleCnt="0">
-        <dgm:presLayoutVars>
-          <dgm:dir/>
-          <dgm:resizeHandles val="exact"/>
-        </dgm:presLayoutVars>
-      </dgm:prSet>
-      <dgm:spPr/>
-    </dgm:pt>
-    <dgm:pt modelId="{652110AE-0179-44B6-8963-F960321FABA6}" type="pres">
-      <dgm:prSet presAssocID="{8FD5D6E5-97D4-4CDF-BB4F-9ADCBB4F4E82}" presName="vNodes" presStyleCnt="0"/>
-      <dgm:spPr/>
-    </dgm:pt>
-    <dgm:pt modelId="{864EC72B-7A54-4168-BC91-BF0AADAB9DED}" type="pres">
-      <dgm:prSet presAssocID="{FD4DDF1A-7CB1-42B5-B4EE-6C4DED4AA0EA}" presName="node" presStyleLbl="node1" presStyleIdx="0" presStyleCnt="3">
-        <dgm:presLayoutVars>
-          <dgm:bulletEnabled val="1"/>
-        </dgm:presLayoutVars>
-      </dgm:prSet>
-      <dgm:spPr/>
-    </dgm:pt>
-    <dgm:pt modelId="{9B4F38D3-2FCE-43E7-A04E-2B659B01AC53}" type="pres">
-      <dgm:prSet presAssocID="{F7963AA1-590D-4E4A-9247-13893245211B}" presName="spacerT" presStyleCnt="0"/>
-      <dgm:spPr/>
-    </dgm:pt>
-    <dgm:pt modelId="{683CCAAE-773F-4E6D-B5EA-B3970468A917}" type="pres">
-      <dgm:prSet presAssocID="{F7963AA1-590D-4E4A-9247-13893245211B}" presName="sibTrans" presStyleLbl="sibTrans2D1" presStyleIdx="0" presStyleCnt="2"/>
-      <dgm:spPr/>
-    </dgm:pt>
-    <dgm:pt modelId="{D74BA405-FF7C-4E8C-AE98-FD17FC3CEDC3}" type="pres">
-      <dgm:prSet presAssocID="{F7963AA1-590D-4E4A-9247-13893245211B}" presName="spacerB" presStyleCnt="0"/>
-      <dgm:spPr/>
-    </dgm:pt>
-    <dgm:pt modelId="{6FE4ABE3-B34C-4B00-B57B-6E4C2405F7A3}" type="pres">
-      <dgm:prSet presAssocID="{ADE6E976-8C59-426A-B112-B1828D83C476}" presName="node" presStyleLbl="node1" presStyleIdx="1" presStyleCnt="3">
+    <dgm:pt modelId="{0B201740-FFF6-45D6-A95F-8E2A7921D001}" type="pres">
+      <dgm:prSet presAssocID="{BCE24D4B-B010-4A1B-8547-BBB089F331E5}" presName="node" presStyleLbl="node1" presStyleIdx="0" presStyleCnt="3">
         <dgm:presLayoutVars>
           <dgm:bulletEnabled val="1"/>
         </dgm:presLayoutVars>
@@ -3748,16 +2498,45 @@
         </a:p>
       </dgm:t>
     </dgm:pt>
-    <dgm:pt modelId="{826B2D13-D1C0-42DB-94A3-381D860C1A11}" type="pres">
-      <dgm:prSet presAssocID="{8FD5D6E5-97D4-4CDF-BB4F-9ADCBB4F4E82}" presName="sibTransLast" presStyleLbl="sibTrans2D1" presStyleIdx="1" presStyleCnt="2"/>
+    <dgm:pt modelId="{B04F4815-CEA8-4FCE-A635-FC14AB0D70FB}" type="pres">
+      <dgm:prSet presAssocID="{33C398DA-CE34-4495-924F-9E6A6D58EF3D}" presName="parTrans" presStyleLbl="bgSibTrans2D1" presStyleIdx="1" presStyleCnt="3"/>
       <dgm:spPr/>
+      <dgm:t>
+        <a:bodyPr/>
+        <a:lstStyle/>
+        <a:p>
+          <a:endParaRPr lang="en-IN"/>
+        </a:p>
+      </dgm:t>
     </dgm:pt>
-    <dgm:pt modelId="{744F5D15-7942-4938-AAD9-0F72332EA17A}" type="pres">
-      <dgm:prSet presAssocID="{8FD5D6E5-97D4-4CDF-BB4F-9ADCBB4F4E82}" presName="connectorText" presStyleLbl="sibTrans2D1" presStyleIdx="1" presStyleCnt="2"/>
+    <dgm:pt modelId="{04842C50-1FDE-4C7D-BBB3-F842CDB81A16}" type="pres">
+      <dgm:prSet presAssocID="{4A192664-A2AF-4980-9913-60D11F9609E0}" presName="node" presStyleLbl="node1" presStyleIdx="1" presStyleCnt="3">
+        <dgm:presLayoutVars>
+          <dgm:bulletEnabled val="1"/>
+        </dgm:presLayoutVars>
+      </dgm:prSet>
       <dgm:spPr/>
+      <dgm:t>
+        <a:bodyPr/>
+        <a:lstStyle/>
+        <a:p>
+          <a:endParaRPr lang="en-IN"/>
+        </a:p>
+      </dgm:t>
     </dgm:pt>
-    <dgm:pt modelId="{51B00352-837D-4D79-95CB-37B24D5B0F02}" type="pres">
-      <dgm:prSet presAssocID="{8FD5D6E5-97D4-4CDF-BB4F-9ADCBB4F4E82}" presName="lastNode" presStyleLbl="node1" presStyleIdx="2" presStyleCnt="3">
+    <dgm:pt modelId="{7BE08DDB-6270-4ADE-AEA5-5060B9E934FC}" type="pres">
+      <dgm:prSet presAssocID="{EFF3207B-D185-40E0-9410-520AB4B8827F}" presName="parTrans" presStyleLbl="bgSibTrans2D1" presStyleIdx="2" presStyleCnt="3"/>
+      <dgm:spPr/>
+      <dgm:t>
+        <a:bodyPr/>
+        <a:lstStyle/>
+        <a:p>
+          <a:endParaRPr lang="en-IN"/>
+        </a:p>
+      </dgm:t>
+    </dgm:pt>
+    <dgm:pt modelId="{C6EA6F65-7D0D-4B5C-B4F6-8A13CFC8DAAB}" type="pres">
+      <dgm:prSet presAssocID="{25F061B1-0ACB-466C-8C0E-87CD445ABB9E}" presName="node" presStyleLbl="node1" presStyleIdx="2" presStyleCnt="3">
         <dgm:presLayoutVars>
           <dgm:bulletEnabled val="1"/>
         </dgm:presLayoutVars>
@@ -3773,33 +2552,25 @@
     </dgm:pt>
   </dgm:ptLst>
   <dgm:cxnLst>
-    <dgm:cxn modelId="{BBD0B799-A0B5-4364-B950-CF76C2704540}" type="presOf" srcId="{9C2163B6-FD82-4F71-99C2-0DFA24FF55FE}" destId="{864EC72B-7A54-4168-BC91-BF0AADAB9DED}" srcOrd="0" destOrd="1" presId="urn:microsoft.com/office/officeart/2005/8/layout/equation2"/>
-    <dgm:cxn modelId="{F612BACD-ABB1-467F-912B-F52733B47A9E}" srcId="{ADE6E976-8C59-426A-B112-B1828D83C476}" destId="{FB399059-FF4E-46E4-9F7B-3065DB51AC86}" srcOrd="2" destOrd="0" parTransId="{5EC77010-4DA8-4EB8-980F-E31B33E3B6CF}" sibTransId="{DE3B9C97-AA04-4628-B7EA-B2D999C2233C}"/>
-    <dgm:cxn modelId="{BEA8F754-19B5-4713-A880-D56598F853CE}" type="presOf" srcId="{AD08F9DB-E666-4BFE-8EE5-7F05F5B3EA92}" destId="{6FE4ABE3-B34C-4B00-B57B-6E4C2405F7A3}" srcOrd="0" destOrd="2" presId="urn:microsoft.com/office/officeart/2005/8/layout/equation2"/>
-    <dgm:cxn modelId="{AB69FBE8-36D2-4B01-9A3B-74322387AC30}" type="presOf" srcId="{FB399059-FF4E-46E4-9F7B-3065DB51AC86}" destId="{6FE4ABE3-B34C-4B00-B57B-6E4C2405F7A3}" srcOrd="0" destOrd="3" presId="urn:microsoft.com/office/officeart/2005/8/layout/equation2"/>
-    <dgm:cxn modelId="{52D9C428-B7D5-4AA7-BB1A-F39101264B4C}" type="presOf" srcId="{274C3065-5755-4AA2-985C-B567E7DBA9AC}" destId="{744F5D15-7942-4938-AAD9-0F72332EA17A}" srcOrd="1" destOrd="0" presId="urn:microsoft.com/office/officeart/2005/8/layout/equation2"/>
-    <dgm:cxn modelId="{4BB8C03C-50FF-4736-BD5C-070A1A2B128A}" srcId="{ADE6E976-8C59-426A-B112-B1828D83C476}" destId="{E934386C-E0BD-497D-B86C-E70336203F37}" srcOrd="0" destOrd="0" parTransId="{39AC587E-6A89-44F1-B6EC-3A6FD3BC4A84}" sibTransId="{40508193-D4FF-4FC4-9A52-DF4631C1B71B}"/>
-    <dgm:cxn modelId="{54A84DAB-EE7F-40C4-8144-9C98FF6FC5EB}" srcId="{8FD5D6E5-97D4-4CDF-BB4F-9ADCBB4F4E82}" destId="{BE58B37A-2049-4859-B449-9DAF211C6EEF}" srcOrd="2" destOrd="0" parTransId="{1F94B246-D17B-4411-86E9-1F0028AB6699}" sibTransId="{8BC74E07-280F-4C51-B344-80AAE6C2EA44}"/>
-    <dgm:cxn modelId="{362406EC-FB8C-48D0-A33B-D463B572780F}" type="presOf" srcId="{E934386C-E0BD-497D-B86C-E70336203F37}" destId="{6FE4ABE3-B34C-4B00-B57B-6E4C2405F7A3}" srcOrd="0" destOrd="1" presId="urn:microsoft.com/office/officeart/2005/8/layout/equation2"/>
-    <dgm:cxn modelId="{22F5D117-CB51-46EF-BC92-D8C74E63817A}" srcId="{8FD5D6E5-97D4-4CDF-BB4F-9ADCBB4F4E82}" destId="{ADE6E976-8C59-426A-B112-B1828D83C476}" srcOrd="1" destOrd="0" parTransId="{DC4F9106-0697-450A-84BC-E2BD5B8748E7}" sibTransId="{274C3065-5755-4AA2-985C-B567E7DBA9AC}"/>
-    <dgm:cxn modelId="{DC9615CD-D6FA-4FD1-9272-CE59DEFC093A}" srcId="{8FD5D6E5-97D4-4CDF-BB4F-9ADCBB4F4E82}" destId="{FD4DDF1A-7CB1-42B5-B4EE-6C4DED4AA0EA}" srcOrd="0" destOrd="0" parTransId="{29E9E2AC-08D0-4B38-B36E-BB9D4F461675}" sibTransId="{F7963AA1-590D-4E4A-9247-13893245211B}"/>
-    <dgm:cxn modelId="{4D206B5E-7FC4-464B-805C-5652BCC98FD9}" srcId="{ADE6E976-8C59-426A-B112-B1828D83C476}" destId="{AD08F9DB-E666-4BFE-8EE5-7F05F5B3EA92}" srcOrd="1" destOrd="0" parTransId="{32C6F4A4-16AD-470B-9D6D-CCE7B9B0948A}" sibTransId="{7B30D5A7-4829-47B3-BFBF-3FCE3C7554EE}"/>
-    <dgm:cxn modelId="{23CBE967-03DA-488B-9DBC-3CC53EF3FEE0}" srcId="{FD4DDF1A-7CB1-42B5-B4EE-6C4DED4AA0EA}" destId="{9C2163B6-FD82-4F71-99C2-0DFA24FF55FE}" srcOrd="0" destOrd="0" parTransId="{95DF29F5-5BD0-4837-B67E-D2C5CB0C3A56}" sibTransId="{E03B4AE4-68D2-403D-8CCD-9E28F6A71C95}"/>
-    <dgm:cxn modelId="{0901FD03-0883-47C4-8B63-A259D8E8E430}" type="presOf" srcId="{ADE6E976-8C59-426A-B112-B1828D83C476}" destId="{6FE4ABE3-B34C-4B00-B57B-6E4C2405F7A3}" srcOrd="0" destOrd="0" presId="urn:microsoft.com/office/officeart/2005/8/layout/equation2"/>
-    <dgm:cxn modelId="{50F133DA-EAD4-4715-BE63-46F6B14DA2D8}" type="presOf" srcId="{BE58B37A-2049-4859-B449-9DAF211C6EEF}" destId="{51B00352-837D-4D79-95CB-37B24D5B0F02}" srcOrd="0" destOrd="0" presId="urn:microsoft.com/office/officeart/2005/8/layout/equation2"/>
-    <dgm:cxn modelId="{DBC0A258-ED41-4401-90EB-C804919972D3}" type="presOf" srcId="{FD4DDF1A-7CB1-42B5-B4EE-6C4DED4AA0EA}" destId="{864EC72B-7A54-4168-BC91-BF0AADAB9DED}" srcOrd="0" destOrd="0" presId="urn:microsoft.com/office/officeart/2005/8/layout/equation2"/>
-    <dgm:cxn modelId="{9005DFDC-6931-4154-887F-3406EB1C58FA}" type="presOf" srcId="{F7963AA1-590D-4E4A-9247-13893245211B}" destId="{683CCAAE-773F-4E6D-B5EA-B3970468A917}" srcOrd="0" destOrd="0" presId="urn:microsoft.com/office/officeart/2005/8/layout/equation2"/>
-    <dgm:cxn modelId="{149F0FBD-E104-43A8-AAAE-6FC97DF2E6EE}" type="presOf" srcId="{8FD5D6E5-97D4-4CDF-BB4F-9ADCBB4F4E82}" destId="{C42EA63D-AFF6-494B-A108-CBA6F9290A91}" srcOrd="0" destOrd="0" presId="urn:microsoft.com/office/officeart/2005/8/layout/equation2"/>
-    <dgm:cxn modelId="{8F810B1C-2362-414B-B1C5-757EFFE029E6}" type="presOf" srcId="{274C3065-5755-4AA2-985C-B567E7DBA9AC}" destId="{826B2D13-D1C0-42DB-94A3-381D860C1A11}" srcOrd="0" destOrd="0" presId="urn:microsoft.com/office/officeart/2005/8/layout/equation2"/>
-    <dgm:cxn modelId="{69C84E51-972F-4F17-ABA5-DD647CC893BC}" type="presParOf" srcId="{C42EA63D-AFF6-494B-A108-CBA6F9290A91}" destId="{652110AE-0179-44B6-8963-F960321FABA6}" srcOrd="0" destOrd="0" presId="urn:microsoft.com/office/officeart/2005/8/layout/equation2"/>
-    <dgm:cxn modelId="{E6EF2244-2B0E-44FB-80C6-8E65A87BF69C}" type="presParOf" srcId="{652110AE-0179-44B6-8963-F960321FABA6}" destId="{864EC72B-7A54-4168-BC91-BF0AADAB9DED}" srcOrd="0" destOrd="0" presId="urn:microsoft.com/office/officeart/2005/8/layout/equation2"/>
-    <dgm:cxn modelId="{AD7A78C0-A0E4-49F5-BB65-054F670A28C8}" type="presParOf" srcId="{652110AE-0179-44B6-8963-F960321FABA6}" destId="{9B4F38D3-2FCE-43E7-A04E-2B659B01AC53}" srcOrd="1" destOrd="0" presId="urn:microsoft.com/office/officeart/2005/8/layout/equation2"/>
-    <dgm:cxn modelId="{0427DB5C-939F-4442-8952-325C23B3CDDB}" type="presParOf" srcId="{652110AE-0179-44B6-8963-F960321FABA6}" destId="{683CCAAE-773F-4E6D-B5EA-B3970468A917}" srcOrd="2" destOrd="0" presId="urn:microsoft.com/office/officeart/2005/8/layout/equation2"/>
-    <dgm:cxn modelId="{4761E9F4-6AE5-409F-968E-D662E44E625E}" type="presParOf" srcId="{652110AE-0179-44B6-8963-F960321FABA6}" destId="{D74BA405-FF7C-4E8C-AE98-FD17FC3CEDC3}" srcOrd="3" destOrd="0" presId="urn:microsoft.com/office/officeart/2005/8/layout/equation2"/>
-    <dgm:cxn modelId="{E69DB0D5-010D-44A3-9009-9406489C6034}" type="presParOf" srcId="{652110AE-0179-44B6-8963-F960321FABA6}" destId="{6FE4ABE3-B34C-4B00-B57B-6E4C2405F7A3}" srcOrd="4" destOrd="0" presId="urn:microsoft.com/office/officeart/2005/8/layout/equation2"/>
-    <dgm:cxn modelId="{F6592975-20DD-4057-9373-7BBF660E461C}" type="presParOf" srcId="{C42EA63D-AFF6-494B-A108-CBA6F9290A91}" destId="{826B2D13-D1C0-42DB-94A3-381D860C1A11}" srcOrd="1" destOrd="0" presId="urn:microsoft.com/office/officeart/2005/8/layout/equation2"/>
-    <dgm:cxn modelId="{6C5322EB-84F6-4549-B784-CF0F375B9AEE}" type="presParOf" srcId="{826B2D13-D1C0-42DB-94A3-381D860C1A11}" destId="{744F5D15-7942-4938-AAD9-0F72332EA17A}" srcOrd="0" destOrd="0" presId="urn:microsoft.com/office/officeart/2005/8/layout/equation2"/>
-    <dgm:cxn modelId="{7078DB8C-2863-4159-AC0A-FDEEB64CBCA5}" type="presParOf" srcId="{C42EA63D-AFF6-494B-A108-CBA6F9290A91}" destId="{51B00352-837D-4D79-95CB-37B24D5B0F02}" srcOrd="2" destOrd="0" presId="urn:microsoft.com/office/officeart/2005/8/layout/equation2"/>
+    <dgm:cxn modelId="{1D95B34D-39A3-494F-88E3-E1A6C8DD99B1}" type="presOf" srcId="{B6873938-0902-4982-ABB7-68FA7EBF3990}" destId="{5FF1C419-714C-47F8-8DD6-3DFA4DE0DD99}" srcOrd="0" destOrd="0" presId="urn:microsoft.com/office/officeart/2005/8/layout/radial4"/>
+    <dgm:cxn modelId="{0763D325-A4D8-4DC8-8BFF-9D20FBEDE1F0}" srcId="{C10E2398-FD43-4BCD-883D-CB04D9399F97}" destId="{25F061B1-0ACB-466C-8C0E-87CD445ABB9E}" srcOrd="2" destOrd="0" parTransId="{EFF3207B-D185-40E0-9410-520AB4B8827F}" sibTransId="{C318B00D-EEBE-4AD2-AEC9-113C8FD52F39}"/>
+    <dgm:cxn modelId="{3683EC3F-4220-4080-BAD6-E10F65F7DF4F}" srcId="{B6873938-0902-4982-ABB7-68FA7EBF3990}" destId="{C10E2398-FD43-4BCD-883D-CB04D9399F97}" srcOrd="0" destOrd="0" parTransId="{1C2031FE-60FF-4CDD-B510-B1B71E953CAC}" sibTransId="{AA328D9F-C8CE-4AB5-9D81-8529F3FA1360}"/>
+    <dgm:cxn modelId="{3B6C878C-E0B3-4357-BF29-3E9838684100}" type="presOf" srcId="{E046D179-47A7-4B61-8836-7A33FEFB19A7}" destId="{892E12E6-95E9-4100-A528-EFD8D12A2693}" srcOrd="0" destOrd="0" presId="urn:microsoft.com/office/officeart/2005/8/layout/radial4"/>
+    <dgm:cxn modelId="{51A54007-68AE-47BC-A415-8E76C86D5A90}" type="presOf" srcId="{BCE24D4B-B010-4A1B-8547-BBB089F331E5}" destId="{0B201740-FFF6-45D6-A95F-8E2A7921D001}" srcOrd="0" destOrd="0" presId="urn:microsoft.com/office/officeart/2005/8/layout/radial4"/>
+    <dgm:cxn modelId="{09F3764B-4747-449D-BDF6-49F425EAA39B}" type="presOf" srcId="{33C398DA-CE34-4495-924F-9E6A6D58EF3D}" destId="{B04F4815-CEA8-4FCE-A635-FC14AB0D70FB}" srcOrd="0" destOrd="0" presId="urn:microsoft.com/office/officeart/2005/8/layout/radial4"/>
+    <dgm:cxn modelId="{65DD0DAE-271A-4DA2-93CA-7D64AF627CB8}" srcId="{C10E2398-FD43-4BCD-883D-CB04D9399F97}" destId="{4A192664-A2AF-4980-9913-60D11F9609E0}" srcOrd="1" destOrd="0" parTransId="{33C398DA-CE34-4495-924F-9E6A6D58EF3D}" sibTransId="{E20419DE-7B48-4219-83A7-E0DE77E4C7CF}"/>
+    <dgm:cxn modelId="{3235C6A5-91B2-422E-87BC-5D743E4A6408}" type="presOf" srcId="{EFF3207B-D185-40E0-9410-520AB4B8827F}" destId="{7BE08DDB-6270-4ADE-AEA5-5060B9E934FC}" srcOrd="0" destOrd="0" presId="urn:microsoft.com/office/officeart/2005/8/layout/radial4"/>
+    <dgm:cxn modelId="{98FE1F56-C51D-4FAF-8C81-C31C110E00B9}" type="presOf" srcId="{25F061B1-0ACB-466C-8C0E-87CD445ABB9E}" destId="{C6EA6F65-7D0D-4B5C-B4F6-8A13CFC8DAAB}" srcOrd="0" destOrd="0" presId="urn:microsoft.com/office/officeart/2005/8/layout/radial4"/>
+    <dgm:cxn modelId="{EB44B5B1-C2B4-45D5-AC8A-48B232FA29F9}" srcId="{C10E2398-FD43-4BCD-883D-CB04D9399F97}" destId="{BCE24D4B-B010-4A1B-8547-BBB089F331E5}" srcOrd="0" destOrd="0" parTransId="{E046D179-47A7-4B61-8836-7A33FEFB19A7}" sibTransId="{016FBB07-1930-4FCC-A6B6-9EC09F971BA4}"/>
+    <dgm:cxn modelId="{C612353A-67D0-47C2-96C3-5E94ED26DC22}" type="presOf" srcId="{4A192664-A2AF-4980-9913-60D11F9609E0}" destId="{04842C50-1FDE-4C7D-BBB3-F842CDB81A16}" srcOrd="0" destOrd="0" presId="urn:microsoft.com/office/officeart/2005/8/layout/radial4"/>
+    <dgm:cxn modelId="{4F283F4D-3E28-42B2-AF1F-96FBAEC7CB15}" type="presOf" srcId="{C10E2398-FD43-4BCD-883D-CB04D9399F97}" destId="{1D6174AC-665A-4639-84B8-8DE706A20A8E}" srcOrd="0" destOrd="0" presId="urn:microsoft.com/office/officeart/2005/8/layout/radial4"/>
+    <dgm:cxn modelId="{D6994C68-CC52-4B81-B47F-AF585AEDCFFB}" type="presParOf" srcId="{5FF1C419-714C-47F8-8DD6-3DFA4DE0DD99}" destId="{1D6174AC-665A-4639-84B8-8DE706A20A8E}" srcOrd="0" destOrd="0" presId="urn:microsoft.com/office/officeart/2005/8/layout/radial4"/>
+    <dgm:cxn modelId="{7E1D7EC3-25AD-499B-A957-FD7B0A3D1FCB}" type="presParOf" srcId="{5FF1C419-714C-47F8-8DD6-3DFA4DE0DD99}" destId="{892E12E6-95E9-4100-A528-EFD8D12A2693}" srcOrd="1" destOrd="0" presId="urn:microsoft.com/office/officeart/2005/8/layout/radial4"/>
+    <dgm:cxn modelId="{FA8087B7-7477-479B-B3E5-80A6DB0E380D}" type="presParOf" srcId="{5FF1C419-714C-47F8-8DD6-3DFA4DE0DD99}" destId="{0B201740-FFF6-45D6-A95F-8E2A7921D001}" srcOrd="2" destOrd="0" presId="urn:microsoft.com/office/officeart/2005/8/layout/radial4"/>
+    <dgm:cxn modelId="{DA93765A-A83F-4D37-A60B-3310B5BBE958}" type="presParOf" srcId="{5FF1C419-714C-47F8-8DD6-3DFA4DE0DD99}" destId="{B04F4815-CEA8-4FCE-A635-FC14AB0D70FB}" srcOrd="3" destOrd="0" presId="urn:microsoft.com/office/officeart/2005/8/layout/radial4"/>
+    <dgm:cxn modelId="{ECECF03B-7DBB-49C9-B8BF-9B9594A73720}" type="presParOf" srcId="{5FF1C419-714C-47F8-8DD6-3DFA4DE0DD99}" destId="{04842C50-1FDE-4C7D-BBB3-F842CDB81A16}" srcOrd="4" destOrd="0" presId="urn:microsoft.com/office/officeart/2005/8/layout/radial4"/>
+    <dgm:cxn modelId="{65D55B7E-6DF4-47AB-8B72-BB10A53AA24A}" type="presParOf" srcId="{5FF1C419-714C-47F8-8DD6-3DFA4DE0DD99}" destId="{7BE08DDB-6270-4ADE-AEA5-5060B9E934FC}" srcOrd="5" destOrd="0" presId="urn:microsoft.com/office/officeart/2005/8/layout/radial4"/>
+    <dgm:cxn modelId="{ED055C3D-99BC-4A6A-B4BB-20858FB9BEE4}" type="presParOf" srcId="{5FF1C419-714C-47F8-8DD6-3DFA4DE0DD99}" destId="{C6EA6F65-7D0D-4B5C-B4F6-8A13CFC8DAAB}" srcOrd="6" destOrd="0" presId="urn:microsoft.com/office/officeart/2005/8/layout/radial4"/>
   </dgm:cxnLst>
   <dgm:bg/>
   <dgm:whole/>
@@ -4283,271 +3054,6 @@
 </dgm:layoutDef>
 </file>
 
-<file path=ppt/diagrams/layout3.xml><?xml version="1.0" encoding="utf-8"?>
-<dgm:layoutDef xmlns:dgm="http://schemas.openxmlformats.org/drawingml/2006/diagram" xmlns:a="http://schemas.openxmlformats.org/drawingml/2006/main" uniqueId="urn:microsoft.com/office/officeart/2005/8/layout/equation2">
-  <dgm:title val=""/>
-  <dgm:desc val=""/>
-  <dgm:catLst>
-    <dgm:cat type="relationship" pri="18000"/>
-    <dgm:cat type="process" pri="26000"/>
-  </dgm:catLst>
-  <dgm:sampData useDef="1">
-    <dgm:dataModel>
-      <dgm:ptLst/>
-      <dgm:bg/>
-      <dgm:whole/>
-    </dgm:dataModel>
-  </dgm:sampData>
-  <dgm:styleData>
-    <dgm:dataModel>
-      <dgm:ptLst>
-        <dgm:pt modelId="0" type="doc"/>
-        <dgm:pt modelId="1"/>
-        <dgm:pt modelId="2"/>
-      </dgm:ptLst>
-      <dgm:cxnLst>
-        <dgm:cxn modelId="3" srcId="0" destId="1" srcOrd="0" destOrd="0"/>
-        <dgm:cxn modelId="4" srcId="0" destId="2" srcOrd="1" destOrd="0"/>
-      </dgm:cxnLst>
-      <dgm:bg/>
-      <dgm:whole/>
-    </dgm:dataModel>
-  </dgm:styleData>
-  <dgm:clrData>
-    <dgm:dataModel>
-      <dgm:ptLst>
-        <dgm:pt modelId="0" type="doc"/>
-        <dgm:pt modelId="1"/>
-        <dgm:pt modelId="2"/>
-        <dgm:pt modelId="3"/>
-        <dgm:pt modelId="4"/>
-      </dgm:ptLst>
-      <dgm:cxnLst>
-        <dgm:cxn modelId="5" srcId="0" destId="1" srcOrd="0" destOrd="0"/>
-        <dgm:cxn modelId="6" srcId="0" destId="2" srcOrd="1" destOrd="0"/>
-        <dgm:cxn modelId="7" srcId="0" destId="3" srcOrd="2" destOrd="0"/>
-        <dgm:cxn modelId="8" srcId="0" destId="4" srcOrd="3" destOrd="0"/>
-      </dgm:cxnLst>
-      <dgm:bg/>
-      <dgm:whole/>
-    </dgm:dataModel>
-  </dgm:clrData>
-  <dgm:layoutNode name="Name0">
-    <dgm:varLst>
-      <dgm:dir/>
-      <dgm:resizeHandles val="exact"/>
-    </dgm:varLst>
-    <dgm:choose name="Name1">
-      <dgm:if name="Name2" func="var" arg="dir" op="equ" val="norm">
-        <dgm:alg type="lin">
-          <dgm:param type="linDir" val="fromL"/>
-          <dgm:param type="fallback" val="2D"/>
-        </dgm:alg>
-      </dgm:if>
-      <dgm:else name="Name3">
-        <dgm:alg type="lin">
-          <dgm:param type="linDir" val="fromR"/>
-          <dgm:param type="fallback" val="2D"/>
-        </dgm:alg>
-      </dgm:else>
-    </dgm:choose>
-    <dgm:shape xmlns:r="http://schemas.openxmlformats.org/officeDocument/2006/relationships" r:blip="">
-      <dgm:adjLst/>
-    </dgm:shape>
-    <dgm:presOf/>
-    <dgm:choose name="Name4">
-      <dgm:if name="Name5" axis="ch" ptType="node" func="cnt" op="gte" val="3">
-        <dgm:constrLst>
-          <dgm:constr type="h" for="des" forName="node" refType="w" fact="0.5"/>
-          <dgm:constr type="w" for="ch" forName="lastNode" refType="w"/>
-          <dgm:constr type="w" for="des" forName="node" refType="h" refFor="des" refForName="node"/>
-          <dgm:constr type="w" for="ch" forName="sibTransLast" refType="h" refFor="des" refForName="node" fact="0.6"/>
-          <dgm:constr type="h" for="des" forName="sibTrans" refType="h" refFor="des" refForName="node" op="equ" fact="0.58"/>
-          <dgm:constr type="w" for="des" forName="sibTrans" refType="h" refFor="des" refForName="sibTrans" op="equ"/>
-          <dgm:constr type="primFontSz" for="ch" forName="lastNode" op="equ" val="65"/>
-          <dgm:constr type="primFontSz" for="des" forName="node" op="equ" val="65"/>
-          <dgm:constr type="primFontSz" for="des" forName="sibTrans" val="55"/>
-          <dgm:constr type="primFontSz" for="des" forName="sibTrans" refType="primFontSz" refFor="des" refForName="node" op="lte" fact="0.8"/>
-          <dgm:constr type="primFontSz" for="des" forName="connectorText" refType="primFontSz" refFor="des" refForName="node" op="lte" fact="0.8"/>
-          <dgm:constr type="primFontSz" for="des" forName="connectorText" refType="primFontSz" refFor="des" refForName="sibTrans" op="equ"/>
-          <dgm:constr type="h" for="des" forName="spacerT" refType="h" refFor="des" refForName="sibTrans" fact="0.14"/>
-          <dgm:constr type="h" for="des" forName="spacerB" refType="h" refFor="des" refForName="sibTrans" fact="0.14"/>
-        </dgm:constrLst>
-      </dgm:if>
-      <dgm:else name="Name6">
-        <dgm:constrLst>
-          <dgm:constr type="h" for="des" forName="node" refType="w"/>
-          <dgm:constr type="w" for="ch" forName="lastNode" refType="w"/>
-          <dgm:constr type="w" for="des" forName="node" refType="h" refFor="des" refForName="node"/>
-          <dgm:constr type="w" for="ch" forName="sibTransLast" refType="h" refFor="des" refForName="node" fact="0.6"/>
-          <dgm:constr type="h" for="des" forName="sibTrans" refType="h" refFor="des" refForName="node" op="equ" fact="0.58"/>
-          <dgm:constr type="w" for="des" forName="sibTrans" refType="h" refFor="des" refForName="sibTrans" op="equ"/>
-          <dgm:constr type="primFontSz" for="des" forName="node" val="65"/>
-          <dgm:constr type="primFontSz" for="ch" forName="lastNode" refType="primFontSz" refFor="des" refForName="node" op="equ"/>
-          <dgm:constr type="primFontSz" for="des" forName="sibTrans" val="55"/>
-          <dgm:constr type="primFontSz" for="des" forName="connectorText" refType="primFontSz" refFor="des" refForName="node" op="lte" fact="0.8"/>
-          <dgm:constr type="primFontSz" for="des" forName="connectorText" refType="primFontSz" refFor="des" refForName="sibTrans" op="equ"/>
-          <dgm:constr type="h" for="des" forName="spacerT" refType="h" refFor="des" refForName="sibTrans" fact="0.14"/>
-          <dgm:constr type="h" for="des" forName="spacerB" refType="h" refFor="des" refForName="sibTrans" fact="0.14"/>
-        </dgm:constrLst>
-      </dgm:else>
-    </dgm:choose>
-    <dgm:ruleLst/>
-    <dgm:choose name="Name7">
-      <dgm:if name="Name8" axis="ch" ptType="node" func="cnt" op="gte" val="1">
-        <dgm:layoutNode name="vNodes">
-          <dgm:alg type="lin">
-            <dgm:param type="linDir" val="fromT"/>
-            <dgm:param type="fallback" val="2D"/>
-          </dgm:alg>
-          <dgm:shape xmlns:r="http://schemas.openxmlformats.org/officeDocument/2006/relationships" r:blip="">
-            <dgm:adjLst/>
-          </dgm:shape>
-          <dgm:presOf/>
-          <dgm:constrLst/>
-          <dgm:ruleLst/>
-          <dgm:forEach name="Name9" axis="ch" ptType="node">
-            <dgm:choose name="Name10">
-              <dgm:if name="Name11" axis="self" func="revPos" op="neq" val="1">
-                <dgm:layoutNode name="node">
-                  <dgm:varLst>
-                    <dgm:bulletEnabled val="1"/>
-                  </dgm:varLst>
-                  <dgm:alg type="tx">
-                    <dgm:param type="txAnchorVertCh" val="mid"/>
-                  </dgm:alg>
-                  <dgm:shape xmlns:r="http://schemas.openxmlformats.org/officeDocument/2006/relationships" type="ellipse" r:blip="">
-                    <dgm:adjLst/>
-                  </dgm:shape>
-                  <dgm:presOf axis="desOrSelf" ptType="node"/>
-                  <dgm:constrLst>
-                    <dgm:constr type="tMarg" refType="primFontSz" fact="0.1"/>
-                    <dgm:constr type="bMarg" refType="primFontSz" fact="0.1"/>
-                    <dgm:constr type="lMarg" refType="primFontSz" fact="0.1"/>
-                    <dgm:constr type="rMarg" refType="primFontSz" fact="0.1"/>
-                  </dgm:constrLst>
-                  <dgm:ruleLst>
-                    <dgm:rule type="primFontSz" val="5" fact="NaN" max="NaN"/>
-                  </dgm:ruleLst>
-                </dgm:layoutNode>
-                <dgm:choose name="Name12">
-                  <dgm:if name="Name13" axis="self" ptType="node" func="revPos" op="gt" val="2">
-                    <dgm:forEach name="sibTransForEach" axis="followSib" ptType="sibTrans" cnt="1">
-                      <dgm:layoutNode name="spacerT">
-                        <dgm:alg type="sp"/>
-                        <dgm:shape xmlns:r="http://schemas.openxmlformats.org/officeDocument/2006/relationships" r:blip="">
-                          <dgm:adjLst/>
-                        </dgm:shape>
-                        <dgm:presOf axis="self"/>
-                        <dgm:constrLst/>
-                        <dgm:ruleLst/>
-                      </dgm:layoutNode>
-                      <dgm:layoutNode name="sibTrans">
-                        <dgm:alg type="tx"/>
-                        <dgm:shape xmlns:r="http://schemas.openxmlformats.org/officeDocument/2006/relationships" type="mathPlus" r:blip="">
-                          <dgm:adjLst/>
-                        </dgm:shape>
-                        <dgm:presOf axis="self"/>
-                        <dgm:constrLst>
-                          <dgm:constr type="h" refType="w"/>
-                          <dgm:constr type="lMarg"/>
-                          <dgm:constr type="rMarg"/>
-                          <dgm:constr type="tMarg"/>
-                          <dgm:constr type="bMarg"/>
-                        </dgm:constrLst>
-                        <dgm:ruleLst>
-                          <dgm:rule type="primFontSz" val="5" fact="NaN" max="NaN"/>
-                        </dgm:ruleLst>
-                      </dgm:layoutNode>
-                      <dgm:layoutNode name="spacerB">
-                        <dgm:alg type="sp"/>
-                        <dgm:shape xmlns:r="http://schemas.openxmlformats.org/officeDocument/2006/relationships" r:blip="">
-                          <dgm:adjLst/>
-                        </dgm:shape>
-                        <dgm:presOf axis="self"/>
-                        <dgm:constrLst/>
-                        <dgm:ruleLst/>
-                      </dgm:layoutNode>
-                    </dgm:forEach>
-                  </dgm:if>
-                  <dgm:else name="Name14"/>
-                </dgm:choose>
-              </dgm:if>
-              <dgm:else name="Name15"/>
-            </dgm:choose>
-          </dgm:forEach>
-        </dgm:layoutNode>
-        <dgm:choose name="Name16">
-          <dgm:if name="Name17" axis="ch" ptType="node" func="cnt" op="gt" val="1">
-            <dgm:layoutNode name="sibTransLast">
-              <dgm:alg type="conn">
-                <dgm:param type="begPts" val="auto"/>
-                <dgm:param type="endPts" val="auto"/>
-                <dgm:param type="srcNode" val="vNodes"/>
-                <dgm:param type="dstNode" val="lastNode"/>
-              </dgm:alg>
-              <dgm:shape xmlns:r="http://schemas.openxmlformats.org/officeDocument/2006/relationships" type="conn" r:blip="">
-                <dgm:adjLst/>
-              </dgm:shape>
-              <dgm:presOf axis="ch" ptType="sibTrans" st="-1" cnt="1"/>
-              <dgm:constrLst>
-                <dgm:constr type="h" refType="w" fact="0.62"/>
-                <dgm:constr type="connDist"/>
-                <dgm:constr type="begPad" refType="connDist" fact="0.25"/>
-                <dgm:constr type="endPad" refType="connDist" fact="0.22"/>
-              </dgm:constrLst>
-              <dgm:ruleLst/>
-              <dgm:layoutNode name="connectorText">
-                <dgm:alg type="tx">
-                  <dgm:param type="autoTxRot" val="grav"/>
-                </dgm:alg>
-                <dgm:shape xmlns:r="http://schemas.openxmlformats.org/officeDocument/2006/relationships" type="conn" r:blip="" hideGeom="1">
-                  <dgm:adjLst/>
-                </dgm:shape>
-                <dgm:presOf axis="ch desOrSelf" ptType="sibTrans sibTrans" st="-1 1" cnt="1 0"/>
-                <dgm:constrLst>
-                  <dgm:constr type="lMarg"/>
-                  <dgm:constr type="rMarg"/>
-                  <dgm:constr type="tMarg"/>
-                  <dgm:constr type="bMarg"/>
-                </dgm:constrLst>
-                <dgm:ruleLst>
-                  <dgm:rule type="primFontSz" val="5" fact="NaN" max="NaN"/>
-                </dgm:ruleLst>
-              </dgm:layoutNode>
-            </dgm:layoutNode>
-          </dgm:if>
-          <dgm:else name="Name18"/>
-        </dgm:choose>
-        <dgm:layoutNode name="lastNode">
-          <dgm:varLst>
-            <dgm:bulletEnabled val="1"/>
-          </dgm:varLst>
-          <dgm:alg type="tx">
-            <dgm:param type="txAnchorVertCh" val="mid"/>
-          </dgm:alg>
-          <dgm:shape xmlns:r="http://schemas.openxmlformats.org/officeDocument/2006/relationships" type="ellipse" r:blip="">
-            <dgm:adjLst/>
-          </dgm:shape>
-          <dgm:presOf axis="ch desOrSelf" ptType="node node" st="-1 1" cnt="1 0"/>
-          <dgm:constrLst>
-            <dgm:constr type="h" refType="w"/>
-            <dgm:constr type="tMarg" refType="primFontSz" fact="0.1"/>
-            <dgm:constr type="bMarg" refType="primFontSz" fact="0.1"/>
-            <dgm:constr type="lMarg" refType="primFontSz" fact="0.1"/>
-            <dgm:constr type="rMarg" refType="primFontSz" fact="0.1"/>
-          </dgm:constrLst>
-          <dgm:ruleLst>
-            <dgm:rule type="primFontSz" val="5" fact="NaN" max="NaN"/>
-          </dgm:ruleLst>
-        </dgm:layoutNode>
-      </dgm:if>
-      <dgm:else name="Name19"/>
-    </dgm:choose>
-  </dgm:layoutNode>
-</dgm:layoutDef>
-</file>
-
 <file path=ppt/diagrams/quickStyle1.xml><?xml version="1.0" encoding="utf-8"?>
 <dgm:styleDef xmlns:dgm="http://schemas.openxmlformats.org/drawingml/2006/diagram" xmlns:a="http://schemas.openxmlformats.org/drawingml/2006/main" uniqueId="urn:microsoft.com/office/officeart/2005/8/quickstyle/simple1">
   <dgm:title val=""/>
@@ -5583,1040 +4089,6 @@
 </file>
 
 <file path=ppt/diagrams/quickStyle2.xml><?xml version="1.0" encoding="utf-8"?>
-<dgm:styleDef xmlns:dgm="http://schemas.openxmlformats.org/drawingml/2006/diagram" xmlns:a="http://schemas.openxmlformats.org/drawingml/2006/main" uniqueId="urn:microsoft.com/office/officeart/2005/8/quickstyle/simple1">
-  <dgm:title val=""/>
-  <dgm:desc val=""/>
-  <dgm:catLst>
-    <dgm:cat type="simple" pri="10100"/>
-  </dgm:catLst>
-  <dgm:scene3d>
-    <a:camera prst="orthographicFront"/>
-    <a:lightRig rig="threePt" dir="t"/>
-  </dgm:scene3d>
-  <dgm:styleLbl name="node0">
-    <dgm:scene3d>
-      <a:camera prst="orthographicFront"/>
-      <a:lightRig rig="threePt" dir="t"/>
-    </dgm:scene3d>
-    <dgm:sp3d/>
-    <dgm:txPr/>
-    <dgm:style>
-      <a:lnRef idx="2">
-        <a:scrgbClr r="0" g="0" b="0"/>
-      </a:lnRef>
-      <a:fillRef idx="1">
-        <a:scrgbClr r="0" g="0" b="0"/>
-      </a:fillRef>
-      <a:effectRef idx="0">
-        <a:scrgbClr r="0" g="0" b="0"/>
-      </a:effectRef>
-      <a:fontRef idx="minor">
-        <a:schemeClr val="lt1"/>
-      </a:fontRef>
-    </dgm:style>
-  </dgm:styleLbl>
-  <dgm:styleLbl name="lnNode1">
-    <dgm:scene3d>
-      <a:camera prst="orthographicFront"/>
-      <a:lightRig rig="threePt" dir="t"/>
-    </dgm:scene3d>
-    <dgm:sp3d/>
-    <dgm:txPr/>
-    <dgm:style>
-      <a:lnRef idx="2">
-        <a:scrgbClr r="0" g="0" b="0"/>
-      </a:lnRef>
-      <a:fillRef idx="1">
-        <a:scrgbClr r="0" g="0" b="0"/>
-      </a:fillRef>
-      <a:effectRef idx="0">
-        <a:scrgbClr r="0" g="0" b="0"/>
-      </a:effectRef>
-      <a:fontRef idx="minor">
-        <a:schemeClr val="lt1"/>
-      </a:fontRef>
-    </dgm:style>
-  </dgm:styleLbl>
-  <dgm:styleLbl name="vennNode1">
-    <dgm:scene3d>
-      <a:camera prst="orthographicFront"/>
-      <a:lightRig rig="threePt" dir="t"/>
-    </dgm:scene3d>
-    <dgm:sp3d/>
-    <dgm:txPr/>
-    <dgm:style>
-      <a:lnRef idx="2">
-        <a:scrgbClr r="0" g="0" b="0"/>
-      </a:lnRef>
-      <a:fillRef idx="1">
-        <a:scrgbClr r="0" g="0" b="0"/>
-      </a:fillRef>
-      <a:effectRef idx="0">
-        <a:scrgbClr r="0" g="0" b="0"/>
-      </a:effectRef>
-      <a:fontRef idx="minor">
-        <a:schemeClr val="tx1"/>
-      </a:fontRef>
-    </dgm:style>
-  </dgm:styleLbl>
-  <dgm:styleLbl name="alignNode1">
-    <dgm:scene3d>
-      <a:camera prst="orthographicFront"/>
-      <a:lightRig rig="threePt" dir="t"/>
-    </dgm:scene3d>
-    <dgm:sp3d/>
-    <dgm:txPr/>
-    <dgm:style>
-      <a:lnRef idx="2">
-        <a:scrgbClr r="0" g="0" b="0"/>
-      </a:lnRef>
-      <a:fillRef idx="1">
-        <a:scrgbClr r="0" g="0" b="0"/>
-      </a:fillRef>
-      <a:effectRef idx="0">
-        <a:scrgbClr r="0" g="0" b="0"/>
-      </a:effectRef>
-      <a:fontRef idx="minor">
-        <a:schemeClr val="lt1"/>
-      </a:fontRef>
-    </dgm:style>
-  </dgm:styleLbl>
-  <dgm:styleLbl name="node1">
-    <dgm:scene3d>
-      <a:camera prst="orthographicFront"/>
-      <a:lightRig rig="threePt" dir="t"/>
-    </dgm:scene3d>
-    <dgm:sp3d/>
-    <dgm:txPr/>
-    <dgm:style>
-      <a:lnRef idx="2">
-        <a:scrgbClr r="0" g="0" b="0"/>
-      </a:lnRef>
-      <a:fillRef idx="1">
-        <a:scrgbClr r="0" g="0" b="0"/>
-      </a:fillRef>
-      <a:effectRef idx="0">
-        <a:scrgbClr r="0" g="0" b="0"/>
-      </a:effectRef>
-      <a:fontRef idx="minor">
-        <a:schemeClr val="lt1"/>
-      </a:fontRef>
-    </dgm:style>
-  </dgm:styleLbl>
-  <dgm:styleLbl name="node2">
-    <dgm:scene3d>
-      <a:camera prst="orthographicFront"/>
-      <a:lightRig rig="threePt" dir="t"/>
-    </dgm:scene3d>
-    <dgm:sp3d/>
-    <dgm:txPr/>
-    <dgm:style>
-      <a:lnRef idx="2">
-        <a:scrgbClr r="0" g="0" b="0"/>
-      </a:lnRef>
-      <a:fillRef idx="1">
-        <a:scrgbClr r="0" g="0" b="0"/>
-      </a:fillRef>
-      <a:effectRef idx="0">
-        <a:scrgbClr r="0" g="0" b="0"/>
-      </a:effectRef>
-      <a:fontRef idx="minor">
-        <a:schemeClr val="lt1"/>
-      </a:fontRef>
-    </dgm:style>
-  </dgm:styleLbl>
-  <dgm:styleLbl name="node3">
-    <dgm:scene3d>
-      <a:camera prst="orthographicFront"/>
-      <a:lightRig rig="threePt" dir="t"/>
-    </dgm:scene3d>
-    <dgm:sp3d/>
-    <dgm:txPr/>
-    <dgm:style>
-      <a:lnRef idx="2">
-        <a:scrgbClr r="0" g="0" b="0"/>
-      </a:lnRef>
-      <a:fillRef idx="1">
-        <a:scrgbClr r="0" g="0" b="0"/>
-      </a:fillRef>
-      <a:effectRef idx="0">
-        <a:scrgbClr r="0" g="0" b="0"/>
-      </a:effectRef>
-      <a:fontRef idx="minor">
-        <a:schemeClr val="lt1"/>
-      </a:fontRef>
-    </dgm:style>
-  </dgm:styleLbl>
-  <dgm:styleLbl name="node4">
-    <dgm:scene3d>
-      <a:camera prst="orthographicFront"/>
-      <a:lightRig rig="threePt" dir="t"/>
-    </dgm:scene3d>
-    <dgm:sp3d/>
-    <dgm:txPr/>
-    <dgm:style>
-      <a:lnRef idx="2">
-        <a:scrgbClr r="0" g="0" b="0"/>
-      </a:lnRef>
-      <a:fillRef idx="1">
-        <a:scrgbClr r="0" g="0" b="0"/>
-      </a:fillRef>
-      <a:effectRef idx="0">
-        <a:scrgbClr r="0" g="0" b="0"/>
-      </a:effectRef>
-      <a:fontRef idx="minor">
-        <a:schemeClr val="lt1"/>
-      </a:fontRef>
-    </dgm:style>
-  </dgm:styleLbl>
-  <dgm:styleLbl name="fgImgPlace1">
-    <dgm:scene3d>
-      <a:camera prst="orthographicFront"/>
-      <a:lightRig rig="threePt" dir="t"/>
-    </dgm:scene3d>
-    <dgm:sp3d/>
-    <dgm:txPr/>
-    <dgm:style>
-      <a:lnRef idx="2">
-        <a:scrgbClr r="0" g="0" b="0"/>
-      </a:lnRef>
-      <a:fillRef idx="1">
-        <a:scrgbClr r="0" g="0" b="0"/>
-      </a:fillRef>
-      <a:effectRef idx="0">
-        <a:scrgbClr r="0" g="0" b="0"/>
-      </a:effectRef>
-      <a:fontRef idx="minor"/>
-    </dgm:style>
-  </dgm:styleLbl>
-  <dgm:styleLbl name="alignImgPlace1">
-    <dgm:scene3d>
-      <a:camera prst="orthographicFront"/>
-      <a:lightRig rig="threePt" dir="t"/>
-    </dgm:scene3d>
-    <dgm:sp3d/>
-    <dgm:txPr/>
-    <dgm:style>
-      <a:lnRef idx="2">
-        <a:scrgbClr r="0" g="0" b="0"/>
-      </a:lnRef>
-      <a:fillRef idx="1">
-        <a:scrgbClr r="0" g="0" b="0"/>
-      </a:fillRef>
-      <a:effectRef idx="0">
-        <a:scrgbClr r="0" g="0" b="0"/>
-      </a:effectRef>
-      <a:fontRef idx="minor"/>
-    </dgm:style>
-  </dgm:styleLbl>
-  <dgm:styleLbl name="bgImgPlace1">
-    <dgm:scene3d>
-      <a:camera prst="orthographicFront"/>
-      <a:lightRig rig="threePt" dir="t"/>
-    </dgm:scene3d>
-    <dgm:sp3d/>
-    <dgm:txPr/>
-    <dgm:style>
-      <a:lnRef idx="2">
-        <a:scrgbClr r="0" g="0" b="0"/>
-      </a:lnRef>
-      <a:fillRef idx="1">
-        <a:scrgbClr r="0" g="0" b="0"/>
-      </a:fillRef>
-      <a:effectRef idx="0">
-        <a:scrgbClr r="0" g="0" b="0"/>
-      </a:effectRef>
-      <a:fontRef idx="minor"/>
-    </dgm:style>
-  </dgm:styleLbl>
-  <dgm:styleLbl name="sibTrans2D1">
-    <dgm:scene3d>
-      <a:camera prst="orthographicFront"/>
-      <a:lightRig rig="threePt" dir="t"/>
-    </dgm:scene3d>
-    <dgm:sp3d/>
-    <dgm:txPr/>
-    <dgm:style>
-      <a:lnRef idx="0">
-        <a:scrgbClr r="0" g="0" b="0"/>
-      </a:lnRef>
-      <a:fillRef idx="1">
-        <a:scrgbClr r="0" g="0" b="0"/>
-      </a:fillRef>
-      <a:effectRef idx="0">
-        <a:scrgbClr r="0" g="0" b="0"/>
-      </a:effectRef>
-      <a:fontRef idx="minor">
-        <a:schemeClr val="lt1"/>
-      </a:fontRef>
-    </dgm:style>
-  </dgm:styleLbl>
-  <dgm:styleLbl name="fgSibTrans2D1">
-    <dgm:scene3d>
-      <a:camera prst="orthographicFront"/>
-      <a:lightRig rig="threePt" dir="t"/>
-    </dgm:scene3d>
-    <dgm:sp3d/>
-    <dgm:txPr/>
-    <dgm:style>
-      <a:lnRef idx="0">
-        <a:scrgbClr r="0" g="0" b="0"/>
-      </a:lnRef>
-      <a:fillRef idx="1">
-        <a:scrgbClr r="0" g="0" b="0"/>
-      </a:fillRef>
-      <a:effectRef idx="0">
-        <a:scrgbClr r="0" g="0" b="0"/>
-      </a:effectRef>
-      <a:fontRef idx="minor">
-        <a:schemeClr val="lt1"/>
-      </a:fontRef>
-    </dgm:style>
-  </dgm:styleLbl>
-  <dgm:styleLbl name="bgSibTrans2D1">
-    <dgm:scene3d>
-      <a:camera prst="orthographicFront"/>
-      <a:lightRig rig="threePt" dir="t"/>
-    </dgm:scene3d>
-    <dgm:sp3d/>
-    <dgm:txPr/>
-    <dgm:style>
-      <a:lnRef idx="0">
-        <a:scrgbClr r="0" g="0" b="0"/>
-      </a:lnRef>
-      <a:fillRef idx="1">
-        <a:scrgbClr r="0" g="0" b="0"/>
-      </a:fillRef>
-      <a:effectRef idx="0">
-        <a:scrgbClr r="0" g="0" b="0"/>
-      </a:effectRef>
-      <a:fontRef idx="minor">
-        <a:schemeClr val="lt1"/>
-      </a:fontRef>
-    </dgm:style>
-  </dgm:styleLbl>
-  <dgm:styleLbl name="sibTrans1D1">
-    <dgm:scene3d>
-      <a:camera prst="orthographicFront"/>
-      <a:lightRig rig="threePt" dir="t"/>
-    </dgm:scene3d>
-    <dgm:sp3d/>
-    <dgm:txPr/>
-    <dgm:style>
-      <a:lnRef idx="1">
-        <a:scrgbClr r="0" g="0" b="0"/>
-      </a:lnRef>
-      <a:fillRef idx="0">
-        <a:scrgbClr r="0" g="0" b="0"/>
-      </a:fillRef>
-      <a:effectRef idx="0">
-        <a:scrgbClr r="0" g="0" b="0"/>
-      </a:effectRef>
-      <a:fontRef idx="minor"/>
-    </dgm:style>
-  </dgm:styleLbl>
-  <dgm:styleLbl name="callout">
-    <dgm:scene3d>
-      <a:camera prst="orthographicFront"/>
-      <a:lightRig rig="threePt" dir="t"/>
-    </dgm:scene3d>
-    <dgm:sp3d/>
-    <dgm:txPr/>
-    <dgm:style>
-      <a:lnRef idx="2">
-        <a:scrgbClr r="0" g="0" b="0"/>
-      </a:lnRef>
-      <a:fillRef idx="1">
-        <a:scrgbClr r="0" g="0" b="0"/>
-      </a:fillRef>
-      <a:effectRef idx="0">
-        <a:scrgbClr r="0" g="0" b="0"/>
-      </a:effectRef>
-      <a:fontRef idx="minor"/>
-    </dgm:style>
-  </dgm:styleLbl>
-  <dgm:styleLbl name="asst0">
-    <dgm:scene3d>
-      <a:camera prst="orthographicFront"/>
-      <a:lightRig rig="threePt" dir="t"/>
-    </dgm:scene3d>
-    <dgm:sp3d/>
-    <dgm:txPr/>
-    <dgm:style>
-      <a:lnRef idx="2">
-        <a:scrgbClr r="0" g="0" b="0"/>
-      </a:lnRef>
-      <a:fillRef idx="1">
-        <a:scrgbClr r="0" g="0" b="0"/>
-      </a:fillRef>
-      <a:effectRef idx="0">
-        <a:scrgbClr r="0" g="0" b="0"/>
-      </a:effectRef>
-      <a:fontRef idx="minor">
-        <a:schemeClr val="lt1"/>
-      </a:fontRef>
-    </dgm:style>
-  </dgm:styleLbl>
-  <dgm:styleLbl name="asst1">
-    <dgm:scene3d>
-      <a:camera prst="orthographicFront"/>
-      <a:lightRig rig="threePt" dir="t"/>
-    </dgm:scene3d>
-    <dgm:sp3d/>
-    <dgm:txPr/>
-    <dgm:style>
-      <a:lnRef idx="2">
-        <a:scrgbClr r="0" g="0" b="0"/>
-      </a:lnRef>
-      <a:fillRef idx="1">
-        <a:scrgbClr r="0" g="0" b="0"/>
-      </a:fillRef>
-      <a:effectRef idx="0">
-        <a:scrgbClr r="0" g="0" b="0"/>
-      </a:effectRef>
-      <a:fontRef idx="minor">
-        <a:schemeClr val="lt1"/>
-      </a:fontRef>
-    </dgm:style>
-  </dgm:styleLbl>
-  <dgm:styleLbl name="asst2">
-    <dgm:scene3d>
-      <a:camera prst="orthographicFront"/>
-      <a:lightRig rig="threePt" dir="t"/>
-    </dgm:scene3d>
-    <dgm:sp3d/>
-    <dgm:txPr/>
-    <dgm:style>
-      <a:lnRef idx="2">
-        <a:scrgbClr r="0" g="0" b="0"/>
-      </a:lnRef>
-      <a:fillRef idx="1">
-        <a:scrgbClr r="0" g="0" b="0"/>
-      </a:fillRef>
-      <a:effectRef idx="0">
-        <a:scrgbClr r="0" g="0" b="0"/>
-      </a:effectRef>
-      <a:fontRef idx="minor">
-        <a:schemeClr val="lt1"/>
-      </a:fontRef>
-    </dgm:style>
-  </dgm:styleLbl>
-  <dgm:styleLbl name="asst3">
-    <dgm:scene3d>
-      <a:camera prst="orthographicFront"/>
-      <a:lightRig rig="threePt" dir="t"/>
-    </dgm:scene3d>
-    <dgm:sp3d/>
-    <dgm:txPr/>
-    <dgm:style>
-      <a:lnRef idx="2">
-        <a:scrgbClr r="0" g="0" b="0"/>
-      </a:lnRef>
-      <a:fillRef idx="1">
-        <a:scrgbClr r="0" g="0" b="0"/>
-      </a:fillRef>
-      <a:effectRef idx="0">
-        <a:scrgbClr r="0" g="0" b="0"/>
-      </a:effectRef>
-      <a:fontRef idx="minor">
-        <a:schemeClr val="lt1"/>
-      </a:fontRef>
-    </dgm:style>
-  </dgm:styleLbl>
-  <dgm:styleLbl name="asst4">
-    <dgm:scene3d>
-      <a:camera prst="orthographicFront"/>
-      <a:lightRig rig="threePt" dir="t"/>
-    </dgm:scene3d>
-    <dgm:sp3d/>
-    <dgm:txPr/>
-    <dgm:style>
-      <a:lnRef idx="2">
-        <a:scrgbClr r="0" g="0" b="0"/>
-      </a:lnRef>
-      <a:fillRef idx="1">
-        <a:scrgbClr r="0" g="0" b="0"/>
-      </a:fillRef>
-      <a:effectRef idx="0">
-        <a:scrgbClr r="0" g="0" b="0"/>
-      </a:effectRef>
-      <a:fontRef idx="minor">
-        <a:schemeClr val="lt1"/>
-      </a:fontRef>
-    </dgm:style>
-  </dgm:styleLbl>
-  <dgm:styleLbl name="parChTrans2D1">
-    <dgm:scene3d>
-      <a:camera prst="orthographicFront"/>
-      <a:lightRig rig="threePt" dir="t"/>
-    </dgm:scene3d>
-    <dgm:sp3d/>
-    <dgm:txPr/>
-    <dgm:style>
-      <a:lnRef idx="2">
-        <a:scrgbClr r="0" g="0" b="0"/>
-      </a:lnRef>
-      <a:fillRef idx="1">
-        <a:scrgbClr r="0" g="0" b="0"/>
-      </a:fillRef>
-      <a:effectRef idx="0">
-        <a:scrgbClr r="0" g="0" b="0"/>
-      </a:effectRef>
-      <a:fontRef idx="minor">
-        <a:schemeClr val="lt1"/>
-      </a:fontRef>
-    </dgm:style>
-  </dgm:styleLbl>
-  <dgm:styleLbl name="parChTrans2D2">
-    <dgm:scene3d>
-      <a:camera prst="orthographicFront"/>
-      <a:lightRig rig="threePt" dir="t"/>
-    </dgm:scene3d>
-    <dgm:sp3d/>
-    <dgm:txPr/>
-    <dgm:style>
-      <a:lnRef idx="2">
-        <a:scrgbClr r="0" g="0" b="0"/>
-      </a:lnRef>
-      <a:fillRef idx="1">
-        <a:scrgbClr r="0" g="0" b="0"/>
-      </a:fillRef>
-      <a:effectRef idx="0">
-        <a:scrgbClr r="0" g="0" b="0"/>
-      </a:effectRef>
-      <a:fontRef idx="minor">
-        <a:schemeClr val="lt1"/>
-      </a:fontRef>
-    </dgm:style>
-  </dgm:styleLbl>
-  <dgm:styleLbl name="parChTrans2D3">
-    <dgm:scene3d>
-      <a:camera prst="orthographicFront"/>
-      <a:lightRig rig="threePt" dir="t"/>
-    </dgm:scene3d>
-    <dgm:sp3d/>
-    <dgm:txPr/>
-    <dgm:style>
-      <a:lnRef idx="2">
-        <a:scrgbClr r="0" g="0" b="0"/>
-      </a:lnRef>
-      <a:fillRef idx="1">
-        <a:scrgbClr r="0" g="0" b="0"/>
-      </a:fillRef>
-      <a:effectRef idx="0">
-        <a:scrgbClr r="0" g="0" b="0"/>
-      </a:effectRef>
-      <a:fontRef idx="minor">
-        <a:schemeClr val="lt1"/>
-      </a:fontRef>
-    </dgm:style>
-  </dgm:styleLbl>
-  <dgm:styleLbl name="parChTrans2D4">
-    <dgm:scene3d>
-      <a:camera prst="orthographicFront"/>
-      <a:lightRig rig="threePt" dir="t"/>
-    </dgm:scene3d>
-    <dgm:sp3d/>
-    <dgm:txPr/>
-    <dgm:style>
-      <a:lnRef idx="2">
-        <a:scrgbClr r="0" g="0" b="0"/>
-      </a:lnRef>
-      <a:fillRef idx="1">
-        <a:scrgbClr r="0" g="0" b="0"/>
-      </a:fillRef>
-      <a:effectRef idx="0">
-        <a:scrgbClr r="0" g="0" b="0"/>
-      </a:effectRef>
-      <a:fontRef idx="minor">
-        <a:schemeClr val="lt1"/>
-      </a:fontRef>
-    </dgm:style>
-  </dgm:styleLbl>
-  <dgm:styleLbl name="parChTrans1D1">
-    <dgm:scene3d>
-      <a:camera prst="orthographicFront"/>
-      <a:lightRig rig="threePt" dir="t"/>
-    </dgm:scene3d>
-    <dgm:sp3d/>
-    <dgm:txPr/>
-    <dgm:style>
-      <a:lnRef idx="2">
-        <a:scrgbClr r="0" g="0" b="0"/>
-      </a:lnRef>
-      <a:fillRef idx="0">
-        <a:scrgbClr r="0" g="0" b="0"/>
-      </a:fillRef>
-      <a:effectRef idx="0">
-        <a:scrgbClr r="0" g="0" b="0"/>
-      </a:effectRef>
-      <a:fontRef idx="minor"/>
-    </dgm:style>
-  </dgm:styleLbl>
-  <dgm:styleLbl name="parChTrans1D2">
-    <dgm:scene3d>
-      <a:camera prst="orthographicFront"/>
-      <a:lightRig rig="threePt" dir="t"/>
-    </dgm:scene3d>
-    <dgm:sp3d/>
-    <dgm:txPr/>
-    <dgm:style>
-      <a:lnRef idx="2">
-        <a:scrgbClr r="0" g="0" b="0"/>
-      </a:lnRef>
-      <a:fillRef idx="0">
-        <a:scrgbClr r="0" g="0" b="0"/>
-      </a:fillRef>
-      <a:effectRef idx="0">
-        <a:scrgbClr r="0" g="0" b="0"/>
-      </a:effectRef>
-      <a:fontRef idx="minor"/>
-    </dgm:style>
-  </dgm:styleLbl>
-  <dgm:styleLbl name="parChTrans1D3">
-    <dgm:scene3d>
-      <a:camera prst="orthographicFront"/>
-      <a:lightRig rig="threePt" dir="t"/>
-    </dgm:scene3d>
-    <dgm:sp3d/>
-    <dgm:txPr/>
-    <dgm:style>
-      <a:lnRef idx="2">
-        <a:scrgbClr r="0" g="0" b="0"/>
-      </a:lnRef>
-      <a:fillRef idx="0">
-        <a:scrgbClr r="0" g="0" b="0"/>
-      </a:fillRef>
-      <a:effectRef idx="0">
-        <a:scrgbClr r="0" g="0" b="0"/>
-      </a:effectRef>
-      <a:fontRef idx="minor"/>
-    </dgm:style>
-  </dgm:styleLbl>
-  <dgm:styleLbl name="parChTrans1D4">
-    <dgm:scene3d>
-      <a:camera prst="orthographicFront"/>
-      <a:lightRig rig="threePt" dir="t"/>
-    </dgm:scene3d>
-    <dgm:sp3d/>
-    <dgm:txPr/>
-    <dgm:style>
-      <a:lnRef idx="2">
-        <a:scrgbClr r="0" g="0" b="0"/>
-      </a:lnRef>
-      <a:fillRef idx="0">
-        <a:scrgbClr r="0" g="0" b="0"/>
-      </a:fillRef>
-      <a:effectRef idx="0">
-        <a:scrgbClr r="0" g="0" b="0"/>
-      </a:effectRef>
-      <a:fontRef idx="minor"/>
-    </dgm:style>
-  </dgm:styleLbl>
-  <dgm:styleLbl name="fgAcc1">
-    <dgm:scene3d>
-      <a:camera prst="orthographicFront"/>
-      <a:lightRig rig="threePt" dir="t"/>
-    </dgm:scene3d>
-    <dgm:sp3d/>
-    <dgm:txPr/>
-    <dgm:style>
-      <a:lnRef idx="2">
-        <a:scrgbClr r="0" g="0" b="0"/>
-      </a:lnRef>
-      <a:fillRef idx="1">
-        <a:scrgbClr r="0" g="0" b="0"/>
-      </a:fillRef>
-      <a:effectRef idx="0">
-        <a:scrgbClr r="0" g="0" b="0"/>
-      </a:effectRef>
-      <a:fontRef idx="minor"/>
-    </dgm:style>
-  </dgm:styleLbl>
-  <dgm:styleLbl name="conFgAcc1">
-    <dgm:scene3d>
-      <a:camera prst="orthographicFront"/>
-      <a:lightRig rig="threePt" dir="t"/>
-    </dgm:scene3d>
-    <dgm:sp3d/>
-    <dgm:txPr/>
-    <dgm:style>
-      <a:lnRef idx="2">
-        <a:scrgbClr r="0" g="0" b="0"/>
-      </a:lnRef>
-      <a:fillRef idx="1">
-        <a:scrgbClr r="0" g="0" b="0"/>
-      </a:fillRef>
-      <a:effectRef idx="0">
-        <a:scrgbClr r="0" g="0" b="0"/>
-      </a:effectRef>
-      <a:fontRef idx="minor"/>
-    </dgm:style>
-  </dgm:styleLbl>
-  <dgm:styleLbl name="alignAcc1">
-    <dgm:scene3d>
-      <a:camera prst="orthographicFront"/>
-      <a:lightRig rig="threePt" dir="t"/>
-    </dgm:scene3d>
-    <dgm:sp3d/>
-    <dgm:txPr/>
-    <dgm:style>
-      <a:lnRef idx="2">
-        <a:scrgbClr r="0" g="0" b="0"/>
-      </a:lnRef>
-      <a:fillRef idx="1">
-        <a:scrgbClr r="0" g="0" b="0"/>
-      </a:fillRef>
-      <a:effectRef idx="0">
-        <a:scrgbClr r="0" g="0" b="0"/>
-      </a:effectRef>
-      <a:fontRef idx="minor"/>
-    </dgm:style>
-  </dgm:styleLbl>
-  <dgm:styleLbl name="trAlignAcc1">
-    <dgm:scene3d>
-      <a:camera prst="orthographicFront"/>
-      <a:lightRig rig="threePt" dir="t"/>
-    </dgm:scene3d>
-    <dgm:sp3d/>
-    <dgm:txPr/>
-    <dgm:style>
-      <a:lnRef idx="1">
-        <a:scrgbClr r="0" g="0" b="0"/>
-      </a:lnRef>
-      <a:fillRef idx="1">
-        <a:scrgbClr r="0" g="0" b="0"/>
-      </a:fillRef>
-      <a:effectRef idx="0">
-        <a:scrgbClr r="0" g="0" b="0"/>
-      </a:effectRef>
-      <a:fontRef idx="minor"/>
-    </dgm:style>
-  </dgm:styleLbl>
-  <dgm:styleLbl name="bgAcc1">
-    <dgm:scene3d>
-      <a:camera prst="orthographicFront"/>
-      <a:lightRig rig="threePt" dir="t"/>
-    </dgm:scene3d>
-    <dgm:sp3d/>
-    <dgm:txPr/>
-    <dgm:style>
-      <a:lnRef idx="2">
-        <a:scrgbClr r="0" g="0" b="0"/>
-      </a:lnRef>
-      <a:fillRef idx="1">
-        <a:scrgbClr r="0" g="0" b="0"/>
-      </a:fillRef>
-      <a:effectRef idx="0">
-        <a:scrgbClr r="0" g="0" b="0"/>
-      </a:effectRef>
-      <a:fontRef idx="minor"/>
-    </dgm:style>
-  </dgm:styleLbl>
-  <dgm:styleLbl name="solidFgAcc1">
-    <dgm:scene3d>
-      <a:camera prst="orthographicFront"/>
-      <a:lightRig rig="threePt" dir="t"/>
-    </dgm:scene3d>
-    <dgm:sp3d/>
-    <dgm:txPr/>
-    <dgm:style>
-      <a:lnRef idx="2">
-        <a:scrgbClr r="0" g="0" b="0"/>
-      </a:lnRef>
-      <a:fillRef idx="1">
-        <a:scrgbClr r="0" g="0" b="0"/>
-      </a:fillRef>
-      <a:effectRef idx="0">
-        <a:scrgbClr r="0" g="0" b="0"/>
-      </a:effectRef>
-      <a:fontRef idx="minor"/>
-    </dgm:style>
-  </dgm:styleLbl>
-  <dgm:styleLbl name="solidAlignAcc1">
-    <dgm:scene3d>
-      <a:camera prst="orthographicFront"/>
-      <a:lightRig rig="threePt" dir="t"/>
-    </dgm:scene3d>
-    <dgm:sp3d/>
-    <dgm:txPr/>
-    <dgm:style>
-      <a:lnRef idx="2">
-        <a:scrgbClr r="0" g="0" b="0"/>
-      </a:lnRef>
-      <a:fillRef idx="1">
-        <a:scrgbClr r="0" g="0" b="0"/>
-      </a:fillRef>
-      <a:effectRef idx="0">
-        <a:scrgbClr r="0" g="0" b="0"/>
-      </a:effectRef>
-      <a:fontRef idx="minor"/>
-    </dgm:style>
-  </dgm:styleLbl>
-  <dgm:styleLbl name="solidBgAcc1">
-    <dgm:scene3d>
-      <a:camera prst="orthographicFront"/>
-      <a:lightRig rig="threePt" dir="t"/>
-    </dgm:scene3d>
-    <dgm:sp3d/>
-    <dgm:txPr/>
-    <dgm:style>
-      <a:lnRef idx="2">
-        <a:scrgbClr r="0" g="0" b="0"/>
-      </a:lnRef>
-      <a:fillRef idx="1">
-        <a:scrgbClr r="0" g="0" b="0"/>
-      </a:fillRef>
-      <a:effectRef idx="0">
-        <a:scrgbClr r="0" g="0" b="0"/>
-      </a:effectRef>
-      <a:fontRef idx="minor"/>
-    </dgm:style>
-  </dgm:styleLbl>
-  <dgm:styleLbl name="fgAccFollowNode1">
-    <dgm:scene3d>
-      <a:camera prst="orthographicFront"/>
-      <a:lightRig rig="threePt" dir="t"/>
-    </dgm:scene3d>
-    <dgm:sp3d/>
-    <dgm:txPr/>
-    <dgm:style>
-      <a:lnRef idx="2">
-        <a:scrgbClr r="0" g="0" b="0"/>
-      </a:lnRef>
-      <a:fillRef idx="1">
-        <a:scrgbClr r="0" g="0" b="0"/>
-      </a:fillRef>
-      <a:effectRef idx="0">
-        <a:scrgbClr r="0" g="0" b="0"/>
-      </a:effectRef>
-      <a:fontRef idx="minor"/>
-    </dgm:style>
-  </dgm:styleLbl>
-  <dgm:styleLbl name="alignAccFollowNode1">
-    <dgm:scene3d>
-      <a:camera prst="orthographicFront"/>
-      <a:lightRig rig="threePt" dir="t"/>
-    </dgm:scene3d>
-    <dgm:sp3d/>
-    <dgm:txPr/>
-    <dgm:style>
-      <a:lnRef idx="2">
-        <a:scrgbClr r="0" g="0" b="0"/>
-      </a:lnRef>
-      <a:fillRef idx="1">
-        <a:scrgbClr r="0" g="0" b="0"/>
-      </a:fillRef>
-      <a:effectRef idx="0">
-        <a:scrgbClr r="0" g="0" b="0"/>
-      </a:effectRef>
-      <a:fontRef idx="minor"/>
-    </dgm:style>
-  </dgm:styleLbl>
-  <dgm:styleLbl name="bgAccFollowNode1">
-    <dgm:scene3d>
-      <a:camera prst="orthographicFront"/>
-      <a:lightRig rig="threePt" dir="t"/>
-    </dgm:scene3d>
-    <dgm:sp3d/>
-    <dgm:txPr/>
-    <dgm:style>
-      <a:lnRef idx="2">
-        <a:scrgbClr r="0" g="0" b="0"/>
-      </a:lnRef>
-      <a:fillRef idx="1">
-        <a:scrgbClr r="0" g="0" b="0"/>
-      </a:fillRef>
-      <a:effectRef idx="0">
-        <a:scrgbClr r="0" g="0" b="0"/>
-      </a:effectRef>
-      <a:fontRef idx="minor"/>
-    </dgm:style>
-  </dgm:styleLbl>
-  <dgm:styleLbl name="fgAcc0">
-    <dgm:scene3d>
-      <a:camera prst="orthographicFront"/>
-      <a:lightRig rig="threePt" dir="t"/>
-    </dgm:scene3d>
-    <dgm:sp3d/>
-    <dgm:txPr/>
-    <dgm:style>
-      <a:lnRef idx="2">
-        <a:scrgbClr r="0" g="0" b="0"/>
-      </a:lnRef>
-      <a:fillRef idx="1">
-        <a:scrgbClr r="0" g="0" b="0"/>
-      </a:fillRef>
-      <a:effectRef idx="0">
-        <a:scrgbClr r="0" g="0" b="0"/>
-      </a:effectRef>
-      <a:fontRef idx="minor"/>
-    </dgm:style>
-  </dgm:styleLbl>
-  <dgm:styleLbl name="fgAcc2">
-    <dgm:scene3d>
-      <a:camera prst="orthographicFront"/>
-      <a:lightRig rig="threePt" dir="t"/>
-    </dgm:scene3d>
-    <dgm:sp3d/>
-    <dgm:txPr/>
-    <dgm:style>
-      <a:lnRef idx="2">
-        <a:scrgbClr r="0" g="0" b="0"/>
-      </a:lnRef>
-      <a:fillRef idx="1">
-        <a:scrgbClr r="0" g="0" b="0"/>
-      </a:fillRef>
-      <a:effectRef idx="0">
-        <a:scrgbClr r="0" g="0" b="0"/>
-      </a:effectRef>
-      <a:fontRef idx="minor"/>
-    </dgm:style>
-  </dgm:styleLbl>
-  <dgm:styleLbl name="fgAcc3">
-    <dgm:scene3d>
-      <a:camera prst="orthographicFront"/>
-      <a:lightRig rig="threePt" dir="t"/>
-    </dgm:scene3d>
-    <dgm:sp3d/>
-    <dgm:txPr/>
-    <dgm:style>
-      <a:lnRef idx="2">
-        <a:scrgbClr r="0" g="0" b="0"/>
-      </a:lnRef>
-      <a:fillRef idx="1">
-        <a:scrgbClr r="0" g="0" b="0"/>
-      </a:fillRef>
-      <a:effectRef idx="0">
-        <a:scrgbClr r="0" g="0" b="0"/>
-      </a:effectRef>
-      <a:fontRef idx="minor"/>
-    </dgm:style>
-  </dgm:styleLbl>
-  <dgm:styleLbl name="fgAcc4">
-    <dgm:scene3d>
-      <a:camera prst="orthographicFront"/>
-      <a:lightRig rig="threePt" dir="t"/>
-    </dgm:scene3d>
-    <dgm:sp3d/>
-    <dgm:txPr/>
-    <dgm:style>
-      <a:lnRef idx="2">
-        <a:scrgbClr r="0" g="0" b="0"/>
-      </a:lnRef>
-      <a:fillRef idx="1">
-        <a:scrgbClr r="0" g="0" b="0"/>
-      </a:fillRef>
-      <a:effectRef idx="0">
-        <a:scrgbClr r="0" g="0" b="0"/>
-      </a:effectRef>
-      <a:fontRef idx="minor"/>
-    </dgm:style>
-  </dgm:styleLbl>
-  <dgm:styleLbl name="bgShp">
-    <dgm:scene3d>
-      <a:camera prst="orthographicFront"/>
-      <a:lightRig rig="threePt" dir="t"/>
-    </dgm:scene3d>
-    <dgm:sp3d/>
-    <dgm:txPr/>
-    <dgm:style>
-      <a:lnRef idx="0">
-        <a:scrgbClr r="0" g="0" b="0"/>
-      </a:lnRef>
-      <a:fillRef idx="1">
-        <a:scrgbClr r="0" g="0" b="0"/>
-      </a:fillRef>
-      <a:effectRef idx="0">
-        <a:scrgbClr r="0" g="0" b="0"/>
-      </a:effectRef>
-      <a:fontRef idx="minor"/>
-    </dgm:style>
-  </dgm:styleLbl>
-  <dgm:styleLbl name="dkBgShp">
-    <dgm:scene3d>
-      <a:camera prst="orthographicFront"/>
-      <a:lightRig rig="threePt" dir="t"/>
-    </dgm:scene3d>
-    <dgm:sp3d/>
-    <dgm:txPr/>
-    <dgm:style>
-      <a:lnRef idx="0">
-        <a:scrgbClr r="0" g="0" b="0"/>
-      </a:lnRef>
-      <a:fillRef idx="1">
-        <a:scrgbClr r="0" g="0" b="0"/>
-      </a:fillRef>
-      <a:effectRef idx="0">
-        <a:scrgbClr r="0" g="0" b="0"/>
-      </a:effectRef>
-      <a:fontRef idx="minor"/>
-    </dgm:style>
-  </dgm:styleLbl>
-  <dgm:styleLbl name="trBgShp">
-    <dgm:scene3d>
-      <a:camera prst="orthographicFront"/>
-      <a:lightRig rig="threePt" dir="t"/>
-    </dgm:scene3d>
-    <dgm:sp3d/>
-    <dgm:txPr/>
-    <dgm:style>
-      <a:lnRef idx="0">
-        <a:scrgbClr r="0" g="0" b="0"/>
-      </a:lnRef>
-      <a:fillRef idx="1">
-        <a:scrgbClr r="0" g="0" b="0"/>
-      </a:fillRef>
-      <a:effectRef idx="0">
-        <a:scrgbClr r="0" g="0" b="0"/>
-      </a:effectRef>
-      <a:fontRef idx="minor"/>
-    </dgm:style>
-  </dgm:styleLbl>
-  <dgm:styleLbl name="fgShp">
-    <dgm:scene3d>
-      <a:camera prst="orthographicFront"/>
-      <a:lightRig rig="threePt" dir="t"/>
-    </dgm:scene3d>
-    <dgm:sp3d/>
-    <dgm:txPr/>
-    <dgm:style>
-      <a:lnRef idx="2">
-        <a:scrgbClr r="0" g="0" b="0"/>
-      </a:lnRef>
-      <a:fillRef idx="1">
-        <a:scrgbClr r="0" g="0" b="0"/>
-      </a:fillRef>
-      <a:effectRef idx="0">
-        <a:scrgbClr r="0" g="0" b="0"/>
-      </a:effectRef>
-      <a:fontRef idx="minor"/>
-    </dgm:style>
-  </dgm:styleLbl>
-  <dgm:styleLbl name="revTx">
-    <dgm:scene3d>
-      <a:camera prst="orthographicFront"/>
-      <a:lightRig rig="threePt" dir="t"/>
-    </dgm:scene3d>
-    <dgm:sp3d/>
-    <dgm:txPr/>
-    <dgm:style>
-      <a:lnRef idx="0">
-        <a:scrgbClr r="0" g="0" b="0"/>
-      </a:lnRef>
-      <a:fillRef idx="0">
-        <a:scrgbClr r="0" g="0" b="0"/>
-      </a:fillRef>
-      <a:effectRef idx="0">
-        <a:scrgbClr r="0" g="0" b="0"/>
-      </a:effectRef>
-      <a:fontRef idx="minor"/>
-    </dgm:style>
-  </dgm:styleLbl>
-</dgm:styleDef>
-</file>
-
-<file path=ppt/diagrams/quickStyle3.xml><?xml version="1.0" encoding="utf-8"?>
 <dgm:styleDef xmlns:dgm="http://schemas.openxmlformats.org/drawingml/2006/diagram" xmlns:a="http://schemas.openxmlformats.org/drawingml/2006/main" uniqueId="urn:microsoft.com/office/officeart/2005/8/quickstyle/simple1">
   <dgm:title val=""/>
   <dgm:desc val=""/>
@@ -7832,7 +5304,7 @@
             <a:fld id="{1D8BD707-D9CF-40AE-B4C6-C98DA3205C09}" type="datetimeFigureOut">
               <a:rPr lang="en-US" smtClean="0"/>
               <a:pPr/>
-              <a:t>11/26/2018</a:t>
+              <a:t>11/27/2018</a:t>
             </a:fld>
             <a:endParaRPr lang="en-US"/>
           </a:p>
@@ -7999,7 +5471,7 @@
             <a:fld id="{1D8BD707-D9CF-40AE-B4C6-C98DA3205C09}" type="datetimeFigureOut">
               <a:rPr lang="en-US" smtClean="0"/>
               <a:pPr/>
-              <a:t>11/26/2018</a:t>
+              <a:t>11/27/2018</a:t>
             </a:fld>
             <a:endParaRPr lang="en-US"/>
           </a:p>
@@ -8176,7 +5648,7 @@
             <a:fld id="{1D8BD707-D9CF-40AE-B4C6-C98DA3205C09}" type="datetimeFigureOut">
               <a:rPr lang="en-US" smtClean="0"/>
               <a:pPr/>
-              <a:t>11/26/2018</a:t>
+              <a:t>11/27/2018</a:t>
             </a:fld>
             <a:endParaRPr lang="en-US"/>
           </a:p>
@@ -8343,7 +5815,7 @@
             <a:fld id="{1D8BD707-D9CF-40AE-B4C6-C98DA3205C09}" type="datetimeFigureOut">
               <a:rPr lang="en-US" smtClean="0"/>
               <a:pPr/>
-              <a:t>11/26/2018</a:t>
+              <a:t>11/27/2018</a:t>
             </a:fld>
             <a:endParaRPr lang="en-US"/>
           </a:p>
@@ -8586,7 +6058,7 @@
             <a:fld id="{1D8BD707-D9CF-40AE-B4C6-C98DA3205C09}" type="datetimeFigureOut">
               <a:rPr lang="en-US" smtClean="0"/>
               <a:pPr/>
-              <a:t>11/26/2018</a:t>
+              <a:t>11/27/2018</a:t>
             </a:fld>
             <a:endParaRPr lang="en-US"/>
           </a:p>
@@ -8871,7 +6343,7 @@
             <a:fld id="{1D8BD707-D9CF-40AE-B4C6-C98DA3205C09}" type="datetimeFigureOut">
               <a:rPr lang="en-US" smtClean="0"/>
               <a:pPr/>
-              <a:t>11/26/2018</a:t>
+              <a:t>11/27/2018</a:t>
             </a:fld>
             <a:endParaRPr lang="en-US"/>
           </a:p>
@@ -9290,7 +6762,7 @@
             <a:fld id="{1D8BD707-D9CF-40AE-B4C6-C98DA3205C09}" type="datetimeFigureOut">
               <a:rPr lang="en-US" smtClean="0"/>
               <a:pPr/>
-              <a:t>11/26/2018</a:t>
+              <a:t>11/27/2018</a:t>
             </a:fld>
             <a:endParaRPr lang="en-US"/>
           </a:p>
@@ -9405,7 +6877,7 @@
             <a:fld id="{1D8BD707-D9CF-40AE-B4C6-C98DA3205C09}" type="datetimeFigureOut">
               <a:rPr lang="en-US" smtClean="0"/>
               <a:pPr/>
-              <a:t>11/26/2018</a:t>
+              <a:t>11/27/2018</a:t>
             </a:fld>
             <a:endParaRPr lang="en-US"/>
           </a:p>
@@ -9497,7 +6969,7 @@
             <a:fld id="{1D8BD707-D9CF-40AE-B4C6-C98DA3205C09}" type="datetimeFigureOut">
               <a:rPr lang="en-US" smtClean="0"/>
               <a:pPr/>
-              <a:t>11/26/2018</a:t>
+              <a:t>11/27/2018</a:t>
             </a:fld>
             <a:endParaRPr lang="en-US"/>
           </a:p>
@@ -9771,7 +7243,7 @@
             <a:fld id="{1D8BD707-D9CF-40AE-B4C6-C98DA3205C09}" type="datetimeFigureOut">
               <a:rPr lang="en-US" smtClean="0"/>
               <a:pPr/>
-              <a:t>11/26/2018</a:t>
+              <a:t>11/27/2018</a:t>
             </a:fld>
             <a:endParaRPr lang="en-US"/>
           </a:p>
@@ -10021,7 +7493,7 @@
             <a:fld id="{1D8BD707-D9CF-40AE-B4C6-C98DA3205C09}" type="datetimeFigureOut">
               <a:rPr lang="en-US" smtClean="0"/>
               <a:pPr/>
-              <a:t>11/26/2018</a:t>
+              <a:t>11/27/2018</a:t>
             </a:fld>
             <a:endParaRPr lang="en-US"/>
           </a:p>
@@ -10231,7 +7703,7 @@
             <a:fld id="{1D8BD707-D9CF-40AE-B4C6-C98DA3205C09}" type="datetimeFigureOut">
               <a:rPr lang="en-US" smtClean="0"/>
               <a:pPr/>
-              <a:t>11/26/2018</a:t>
+              <a:t>11/27/2018</a:t>
             </a:fld>
             <a:endParaRPr lang="en-US"/>
           </a:p>
@@ -10643,15 +8115,1004 @@
         </p:spPr>
         <p:txBody>
           <a:bodyPr>
+            <a:normAutofit fontScale="70000" lnSpcReduction="20000"/>
+          </a:bodyPr>
+          <a:lstStyle/>
+          <a:p>
+            <a:r>
+              <a:rPr lang="en-IN" b="1" dirty="0" smtClean="0"/>
+              <a:t>Battle of </a:t>
+            </a:r>
+            <a:r>
+              <a:rPr lang="en-IN" b="1" dirty="0" smtClean="0"/>
+              <a:t>Neighbourhoods</a:t>
+            </a:r>
+          </a:p>
+          <a:p>
+            <a:endParaRPr lang="en-IN" b="1" dirty="0" smtClean="0"/>
+          </a:p>
+          <a:p>
+            <a:r>
+              <a:rPr lang="en-IN" b="1" dirty="0" smtClean="0"/>
+              <a:t>Best possible </a:t>
+            </a:r>
+            <a:r>
+              <a:rPr lang="en-IN" b="1" dirty="0" smtClean="0"/>
+              <a:t>location to open a new retail store in Toronto for selling Indian culinary items </a:t>
+            </a:r>
+          </a:p>
+          <a:p>
+            <a:endParaRPr lang="en-IN" b="1" dirty="0"/>
+          </a:p>
+        </p:txBody>
+      </p:sp>
+    </p:spTree>
+  </p:cSld>
+  <p:clrMapOvr>
+    <a:masterClrMapping/>
+  </p:clrMapOvr>
+  <p:timing>
+    <p:tnLst>
+      <p:par>
+        <p:cTn id="1" dur="indefinite" restart="never" nodeType="tmRoot"/>
+      </p:par>
+    </p:tnLst>
+  </p:timing>
+</p:sld>
+</file>
+
+<file path=ppt/slides/slide10.xml><?xml version="1.0" encoding="utf-8"?>
+<p:sld xmlns:a="http://schemas.openxmlformats.org/drawingml/2006/main" xmlns:r="http://schemas.openxmlformats.org/officeDocument/2006/relationships" xmlns:p="http://schemas.openxmlformats.org/presentationml/2006/main">
+  <p:cSld>
+    <p:spTree>
+      <p:nvGrpSpPr>
+        <p:cNvPr id="1" name=""/>
+        <p:cNvGrpSpPr/>
+        <p:nvPr/>
+      </p:nvGrpSpPr>
+      <p:grpSpPr>
+        <a:xfrm>
+          <a:off x="0" y="0"/>
+          <a:ext cx="0" cy="0"/>
+          <a:chOff x="0" y="0"/>
+          <a:chExt cx="0" cy="0"/>
+        </a:xfrm>
+      </p:grpSpPr>
+      <p:sp>
+        <p:nvSpPr>
+          <p:cNvPr id="2" name="Title 1"/>
+          <p:cNvSpPr>
+            <a:spLocks noGrp="1"/>
+          </p:cNvSpPr>
+          <p:nvPr>
+            <p:ph type="ctrTitle"/>
+          </p:nvPr>
+        </p:nvSpPr>
+        <p:spPr>
+          <a:xfrm>
+            <a:off x="304800" y="76200"/>
+            <a:ext cx="8991600" cy="1066799"/>
+          </a:xfrm>
+        </p:spPr>
+        <p:txBody>
+          <a:bodyPr>
             <a:normAutofit/>
           </a:bodyPr>
           <a:lstStyle/>
           <a:p>
-            <a:r>
-              <a:rPr lang="en-IN" b="1" dirty="0" smtClean="0"/>
-              <a:t>Battle of Neighbourhoods</a:t>
-            </a:r>
-            <a:endParaRPr lang="en-IN" b="1" dirty="0"/>
+            <a:pPr algn="l"/>
+            <a:r>
+              <a:rPr lang="en-IN" dirty="0" smtClean="0"/>
+              <a:t>Analysis - Snapshots</a:t>
+            </a:r>
+            <a:endParaRPr lang="en-IN" dirty="0"/>
+          </a:p>
+        </p:txBody>
+      </p:sp>
+      <p:sp>
+        <p:nvSpPr>
+          <p:cNvPr id="6" name="Rectangle 5"/>
+          <p:cNvSpPr/>
+          <p:nvPr/>
+        </p:nvSpPr>
+        <p:spPr>
+          <a:xfrm>
+            <a:off x="609600" y="914401"/>
+            <a:ext cx="3048000" cy="1200329"/>
+          </a:xfrm>
+          <a:prstGeom prst="rect">
+            <a:avLst/>
+          </a:prstGeom>
+        </p:spPr>
+        <p:txBody>
+          <a:bodyPr wrap="square">
+            <a:spAutoFit/>
+          </a:bodyPr>
+          <a:lstStyle/>
+          <a:p>
+            <a:pPr algn="ctr"/>
+            <a:r>
+              <a:rPr lang="en-IN" b="1" i="1" dirty="0" smtClean="0"/>
+              <a:t>Neighbourhood customer preference priority/rating based on population percentages</a:t>
+            </a:r>
+            <a:endParaRPr lang="en-IN" b="1" i="1" dirty="0"/>
+          </a:p>
+        </p:txBody>
+      </p:sp>
+      <p:pic>
+        <p:nvPicPr>
+          <p:cNvPr id="3074" name="Picture 2"/>
+          <p:cNvPicPr>
+            <a:picLocks noChangeAspect="1" noChangeArrowheads="1"/>
+          </p:cNvPicPr>
+          <p:nvPr/>
+        </p:nvPicPr>
+        <p:blipFill>
+          <a:blip r:embed="rId2"/>
+          <a:srcRect/>
+          <a:stretch>
+            <a:fillRect/>
+          </a:stretch>
+        </p:blipFill>
+        <p:spPr bwMode="auto">
+          <a:xfrm>
+            <a:off x="533400" y="2133600"/>
+            <a:ext cx="3048000" cy="4171950"/>
+          </a:xfrm>
+          <a:prstGeom prst="rect">
+            <a:avLst/>
+          </a:prstGeom>
+          <a:noFill/>
+          <a:ln w="9525">
+            <a:noFill/>
+            <a:miter lim="800000"/>
+            <a:headEnd/>
+            <a:tailEnd/>
+          </a:ln>
+          <a:effectLst/>
+        </p:spPr>
+      </p:pic>
+      <p:sp>
+        <p:nvSpPr>
+          <p:cNvPr id="7" name="Rectangle 6"/>
+          <p:cNvSpPr/>
+          <p:nvPr/>
+        </p:nvSpPr>
+        <p:spPr>
+          <a:xfrm>
+            <a:off x="4114800" y="1030069"/>
+            <a:ext cx="4267200" cy="646331"/>
+          </a:xfrm>
+          <a:prstGeom prst="rect">
+            <a:avLst/>
+          </a:prstGeom>
+        </p:spPr>
+        <p:txBody>
+          <a:bodyPr wrap="square">
+            <a:spAutoFit/>
+          </a:bodyPr>
+          <a:lstStyle/>
+          <a:p>
+            <a:pPr algn="ctr"/>
+            <a:r>
+              <a:rPr lang="en-IN" b="1" i="1" dirty="0" smtClean="0"/>
+              <a:t>Normalized venue counts of data fetched from Four Square</a:t>
+            </a:r>
+            <a:endParaRPr lang="en-IN" b="1" i="1" dirty="0"/>
+          </a:p>
+        </p:txBody>
+      </p:sp>
+      <p:pic>
+        <p:nvPicPr>
+          <p:cNvPr id="3076" name="Picture 4"/>
+          <p:cNvPicPr>
+            <a:picLocks noChangeAspect="1" noChangeArrowheads="1"/>
+          </p:cNvPicPr>
+          <p:nvPr/>
+        </p:nvPicPr>
+        <p:blipFill>
+          <a:blip r:embed="rId3"/>
+          <a:srcRect/>
+          <a:stretch>
+            <a:fillRect/>
+          </a:stretch>
+        </p:blipFill>
+        <p:spPr bwMode="auto">
+          <a:xfrm>
+            <a:off x="3886200" y="1828800"/>
+            <a:ext cx="5057775" cy="4457700"/>
+          </a:xfrm>
+          <a:prstGeom prst="rect">
+            <a:avLst/>
+          </a:prstGeom>
+          <a:noFill/>
+          <a:ln w="9525">
+            <a:noFill/>
+            <a:miter lim="800000"/>
+            <a:headEnd/>
+            <a:tailEnd/>
+          </a:ln>
+          <a:effectLst/>
+        </p:spPr>
+      </p:pic>
+    </p:spTree>
+  </p:cSld>
+  <p:clrMapOvr>
+    <a:masterClrMapping/>
+  </p:clrMapOvr>
+  <p:timing>
+    <p:tnLst>
+      <p:par>
+        <p:cTn id="1" dur="indefinite" restart="never" nodeType="tmRoot"/>
+      </p:par>
+    </p:tnLst>
+  </p:timing>
+</p:sld>
+</file>
+
+<file path=ppt/slides/slide11.xml><?xml version="1.0" encoding="utf-8"?>
+<p:sld xmlns:a="http://schemas.openxmlformats.org/drawingml/2006/main" xmlns:r="http://schemas.openxmlformats.org/officeDocument/2006/relationships" xmlns:p="http://schemas.openxmlformats.org/presentationml/2006/main">
+  <p:cSld>
+    <p:spTree>
+      <p:nvGrpSpPr>
+        <p:cNvPr id="1" name=""/>
+        <p:cNvGrpSpPr/>
+        <p:nvPr/>
+      </p:nvGrpSpPr>
+      <p:grpSpPr>
+        <a:xfrm>
+          <a:off x="0" y="0"/>
+          <a:ext cx="0" cy="0"/>
+          <a:chOff x="0" y="0"/>
+          <a:chExt cx="0" cy="0"/>
+        </a:xfrm>
+      </p:grpSpPr>
+      <p:sp>
+        <p:nvSpPr>
+          <p:cNvPr id="2" name="Title 1"/>
+          <p:cNvSpPr>
+            <a:spLocks noGrp="1"/>
+          </p:cNvSpPr>
+          <p:nvPr>
+            <p:ph type="ctrTitle"/>
+          </p:nvPr>
+        </p:nvSpPr>
+        <p:spPr>
+          <a:xfrm>
+            <a:off x="304800" y="76200"/>
+            <a:ext cx="8991600" cy="1066799"/>
+          </a:xfrm>
+        </p:spPr>
+        <p:txBody>
+          <a:bodyPr>
+            <a:normAutofit/>
+          </a:bodyPr>
+          <a:lstStyle/>
+          <a:p>
+            <a:pPr algn="l"/>
+            <a:r>
+              <a:rPr lang="en-IN" dirty="0" smtClean="0"/>
+              <a:t>Analysis - Snapshots</a:t>
+            </a:r>
+            <a:endParaRPr lang="en-IN" dirty="0"/>
+          </a:p>
+        </p:txBody>
+      </p:sp>
+      <p:sp>
+        <p:nvSpPr>
+          <p:cNvPr id="6" name="Rectangle 5"/>
+          <p:cNvSpPr/>
+          <p:nvPr/>
+        </p:nvSpPr>
+        <p:spPr>
+          <a:xfrm>
+            <a:off x="762000" y="914401"/>
+            <a:ext cx="7924800" cy="1477328"/>
+          </a:xfrm>
+          <a:prstGeom prst="rect">
+            <a:avLst/>
+          </a:prstGeom>
+        </p:spPr>
+        <p:txBody>
+          <a:bodyPr wrap="square">
+            <a:spAutoFit/>
+          </a:bodyPr>
+          <a:lstStyle/>
+          <a:p>
+            <a:r>
+              <a:rPr lang="en-IN" b="1" i="1" dirty="0" smtClean="0"/>
+              <a:t>Pearson </a:t>
+            </a:r>
+            <a:r>
+              <a:rPr lang="en-IN" b="1" i="1" dirty="0" smtClean="0"/>
+              <a:t>correlation - As </a:t>
+            </a:r>
+            <a:r>
+              <a:rPr lang="en-IN" b="1" i="1" dirty="0" smtClean="0"/>
+              <a:t>we can see Bus stop, Indian Restaurant, Shops and service have a high </a:t>
+            </a:r>
+            <a:r>
+              <a:rPr lang="en-IN" b="1" i="1" dirty="0" smtClean="0"/>
+              <a:t>Pearson </a:t>
+            </a:r>
+            <a:r>
+              <a:rPr lang="en-IN" b="1" i="1" dirty="0" smtClean="0"/>
+              <a:t>coefficient &gt; 75% and a p-value &lt; 0.001.</a:t>
+            </a:r>
+          </a:p>
+          <a:p>
+            <a:r>
+              <a:rPr lang="en-IN" b="1" i="1" dirty="0" smtClean="0"/>
+              <a:t>By standards, p-value &lt; 0.001 shows </a:t>
+            </a:r>
+            <a:r>
+              <a:rPr lang="en-IN" b="1" i="1" dirty="0" smtClean="0"/>
+              <a:t>that the </a:t>
+            </a:r>
+            <a:r>
+              <a:rPr lang="en-IN" b="1" i="1" dirty="0" smtClean="0"/>
+              <a:t>co-relation among these is highly </a:t>
+            </a:r>
+            <a:r>
+              <a:rPr lang="en-IN" b="1" i="1" dirty="0" smtClean="0"/>
+              <a:t>significant. We </a:t>
+            </a:r>
+            <a:r>
+              <a:rPr lang="en-IN" b="1" i="1" dirty="0" smtClean="0"/>
+              <a:t>can see that Metro station has a very low Pearson correlation (0.33, -0.14, 0.13)</a:t>
+            </a:r>
+            <a:endParaRPr lang="en-IN" b="1" i="1" dirty="0"/>
+          </a:p>
+        </p:txBody>
+      </p:sp>
+      <p:sp>
+        <p:nvSpPr>
+          <p:cNvPr id="7" name="Rectangle 6"/>
+          <p:cNvSpPr/>
+          <p:nvPr/>
+        </p:nvSpPr>
+        <p:spPr>
+          <a:xfrm>
+            <a:off x="838200" y="4306669"/>
+            <a:ext cx="7772400" cy="646331"/>
+          </a:xfrm>
+          <a:prstGeom prst="rect">
+            <a:avLst/>
+          </a:prstGeom>
+        </p:spPr>
+        <p:txBody>
+          <a:bodyPr wrap="square">
+            <a:spAutoFit/>
+          </a:bodyPr>
+          <a:lstStyle/>
+          <a:p>
+            <a:r>
+              <a:rPr lang="en-IN" b="1" i="1" dirty="0" smtClean="0"/>
+              <a:t>The p-values also show that Bus stops, Indian Restaurants and Shop &amp; Services are also statistically significant</a:t>
+            </a:r>
+            <a:endParaRPr lang="en-IN" b="1" i="1" dirty="0"/>
+          </a:p>
+        </p:txBody>
+      </p:sp>
+      <p:pic>
+        <p:nvPicPr>
+          <p:cNvPr id="5122" name="Picture 2"/>
+          <p:cNvPicPr>
+            <a:picLocks noChangeAspect="1" noChangeArrowheads="1"/>
+          </p:cNvPicPr>
+          <p:nvPr/>
+        </p:nvPicPr>
+        <p:blipFill>
+          <a:blip r:embed="rId2"/>
+          <a:srcRect/>
+          <a:stretch>
+            <a:fillRect/>
+          </a:stretch>
+        </p:blipFill>
+        <p:spPr bwMode="auto">
+          <a:xfrm>
+            <a:off x="609600" y="2362200"/>
+            <a:ext cx="6858000" cy="1905000"/>
+          </a:xfrm>
+          <a:prstGeom prst="rect">
+            <a:avLst/>
+          </a:prstGeom>
+          <a:noFill/>
+          <a:ln w="9525">
+            <a:noFill/>
+            <a:miter lim="800000"/>
+            <a:headEnd/>
+            <a:tailEnd/>
+          </a:ln>
+          <a:effectLst/>
+        </p:spPr>
+      </p:pic>
+      <p:pic>
+        <p:nvPicPr>
+          <p:cNvPr id="5123" name="Picture 3"/>
+          <p:cNvPicPr>
+            <a:picLocks noChangeAspect="1" noChangeArrowheads="1"/>
+          </p:cNvPicPr>
+          <p:nvPr/>
+        </p:nvPicPr>
+        <p:blipFill>
+          <a:blip r:embed="rId3"/>
+          <a:srcRect/>
+          <a:stretch>
+            <a:fillRect/>
+          </a:stretch>
+        </p:blipFill>
+        <p:spPr bwMode="auto">
+          <a:xfrm>
+            <a:off x="381000" y="5267325"/>
+            <a:ext cx="8153400" cy="1133475"/>
+          </a:xfrm>
+          <a:prstGeom prst="rect">
+            <a:avLst/>
+          </a:prstGeom>
+          <a:noFill/>
+          <a:ln w="9525">
+            <a:noFill/>
+            <a:miter lim="800000"/>
+            <a:headEnd/>
+            <a:tailEnd/>
+          </a:ln>
+          <a:effectLst/>
+        </p:spPr>
+      </p:pic>
+    </p:spTree>
+  </p:cSld>
+  <p:clrMapOvr>
+    <a:masterClrMapping/>
+  </p:clrMapOvr>
+  <p:timing>
+    <p:tnLst>
+      <p:par>
+        <p:cTn id="1" dur="indefinite" restart="never" nodeType="tmRoot"/>
+      </p:par>
+    </p:tnLst>
+  </p:timing>
+</p:sld>
+</file>
+
+<file path=ppt/slides/slide12.xml><?xml version="1.0" encoding="utf-8"?>
+<p:sld xmlns:a="http://schemas.openxmlformats.org/drawingml/2006/main" xmlns:r="http://schemas.openxmlformats.org/officeDocument/2006/relationships" xmlns:p="http://schemas.openxmlformats.org/presentationml/2006/main">
+  <p:cSld>
+    <p:spTree>
+      <p:nvGrpSpPr>
+        <p:cNvPr id="1" name=""/>
+        <p:cNvGrpSpPr/>
+        <p:nvPr/>
+      </p:nvGrpSpPr>
+      <p:grpSpPr>
+        <a:xfrm>
+          <a:off x="0" y="0"/>
+          <a:ext cx="0" cy="0"/>
+          <a:chOff x="0" y="0"/>
+          <a:chExt cx="0" cy="0"/>
+        </a:xfrm>
+      </p:grpSpPr>
+      <p:sp>
+        <p:nvSpPr>
+          <p:cNvPr id="2" name="Title 1"/>
+          <p:cNvSpPr>
+            <a:spLocks noGrp="1"/>
+          </p:cNvSpPr>
+          <p:nvPr>
+            <p:ph type="ctrTitle"/>
+          </p:nvPr>
+        </p:nvSpPr>
+        <p:spPr>
+          <a:xfrm>
+            <a:off x="304800" y="76200"/>
+            <a:ext cx="8991600" cy="1066799"/>
+          </a:xfrm>
+        </p:spPr>
+        <p:txBody>
+          <a:bodyPr>
+            <a:normAutofit/>
+          </a:bodyPr>
+          <a:lstStyle/>
+          <a:p>
+            <a:pPr algn="l"/>
+            <a:r>
+              <a:rPr lang="en-IN" dirty="0" smtClean="0"/>
+              <a:t>Analysis - Snapshots</a:t>
+            </a:r>
+            <a:endParaRPr lang="en-IN" dirty="0"/>
+          </a:p>
+        </p:txBody>
+      </p:sp>
+      <p:sp>
+        <p:nvSpPr>
+          <p:cNvPr id="6" name="Rectangle 5"/>
+          <p:cNvSpPr/>
+          <p:nvPr/>
+        </p:nvSpPr>
+        <p:spPr>
+          <a:xfrm>
+            <a:off x="838200" y="1143000"/>
+            <a:ext cx="2438400" cy="1477328"/>
+          </a:xfrm>
+          <a:prstGeom prst="rect">
+            <a:avLst/>
+          </a:prstGeom>
+        </p:spPr>
+        <p:txBody>
+          <a:bodyPr wrap="square">
+            <a:spAutoFit/>
+          </a:bodyPr>
+          <a:lstStyle/>
+          <a:p>
+            <a:r>
+              <a:rPr lang="en-IN" b="1" i="1" dirty="0" smtClean="0"/>
+              <a:t>Weighted venue </a:t>
+            </a:r>
+            <a:r>
+              <a:rPr lang="en-IN" b="1" i="1" dirty="0" smtClean="0"/>
+              <a:t>matrix </a:t>
+            </a:r>
+            <a:r>
+              <a:rPr lang="en-IN" b="1" i="1" dirty="0" smtClean="0"/>
+              <a:t>dot </a:t>
+            </a:r>
+            <a:r>
+              <a:rPr lang="en-IN" b="1" i="1" dirty="0" smtClean="0"/>
+              <a:t>product to get weight each venue type category per the reference priorities</a:t>
+            </a:r>
+          </a:p>
+        </p:txBody>
+      </p:sp>
+      <p:pic>
+        <p:nvPicPr>
+          <p:cNvPr id="4098" name="Picture 2"/>
+          <p:cNvPicPr>
+            <a:picLocks noChangeAspect="1" noChangeArrowheads="1"/>
+          </p:cNvPicPr>
+          <p:nvPr/>
+        </p:nvPicPr>
+        <p:blipFill>
+          <a:blip r:embed="rId2"/>
+          <a:srcRect/>
+          <a:stretch>
+            <a:fillRect/>
+          </a:stretch>
+        </p:blipFill>
+        <p:spPr bwMode="auto">
+          <a:xfrm>
+            <a:off x="685800" y="3352800"/>
+            <a:ext cx="3429000" cy="1828800"/>
+          </a:xfrm>
+          <a:prstGeom prst="rect">
+            <a:avLst/>
+          </a:prstGeom>
+          <a:noFill/>
+          <a:ln w="9525">
+            <a:noFill/>
+            <a:miter lim="800000"/>
+            <a:headEnd/>
+            <a:tailEnd/>
+          </a:ln>
+          <a:effectLst/>
+        </p:spPr>
+      </p:pic>
+      <p:pic>
+        <p:nvPicPr>
+          <p:cNvPr id="4099" name="Picture 3"/>
+          <p:cNvPicPr>
+            <a:picLocks noChangeAspect="1" noChangeArrowheads="1"/>
+          </p:cNvPicPr>
+          <p:nvPr/>
+        </p:nvPicPr>
+        <p:blipFill>
+          <a:blip r:embed="rId3"/>
+          <a:srcRect/>
+          <a:stretch>
+            <a:fillRect/>
+          </a:stretch>
+        </p:blipFill>
+        <p:spPr bwMode="auto">
+          <a:xfrm>
+            <a:off x="4724400" y="2362200"/>
+            <a:ext cx="2743200" cy="4105275"/>
+          </a:xfrm>
+          <a:prstGeom prst="rect">
+            <a:avLst/>
+          </a:prstGeom>
+          <a:noFill/>
+          <a:ln w="9525">
+            <a:noFill/>
+            <a:miter lim="800000"/>
+            <a:headEnd/>
+            <a:tailEnd/>
+          </a:ln>
+          <a:effectLst/>
+        </p:spPr>
+      </p:pic>
+      <p:sp>
+        <p:nvSpPr>
+          <p:cNvPr id="9" name="Rectangle 8"/>
+          <p:cNvSpPr/>
+          <p:nvPr/>
+        </p:nvSpPr>
+        <p:spPr>
+          <a:xfrm>
+            <a:off x="4038600" y="1066800"/>
+            <a:ext cx="4572000" cy="1200329"/>
+          </a:xfrm>
+          <a:prstGeom prst="rect">
+            <a:avLst/>
+          </a:prstGeom>
+        </p:spPr>
+        <p:txBody>
+          <a:bodyPr>
+            <a:spAutoFit/>
+          </a:bodyPr>
+          <a:lstStyle/>
+          <a:p>
+            <a:r>
+              <a:rPr lang="en-IN" b="1" i="1" dirty="0" smtClean="0"/>
+              <a:t>Using the above priority matrix and weights the final recommendation is calculated by calculating the weighted </a:t>
+            </a:r>
+            <a:r>
+              <a:rPr lang="en-IN" b="1" i="1" dirty="0" smtClean="0"/>
+              <a:t>average priority/rating </a:t>
+            </a:r>
+            <a:r>
+              <a:rPr lang="en-IN" b="1" i="1" dirty="0" smtClean="0"/>
+              <a:t>for every </a:t>
+            </a:r>
+            <a:r>
+              <a:rPr lang="en-IN" b="1" i="1" dirty="0" smtClean="0"/>
+              <a:t>neighbourhood. </a:t>
+            </a:r>
+            <a:endParaRPr lang="en-IN" b="1" i="1" dirty="0"/>
+          </a:p>
+        </p:txBody>
+      </p:sp>
+    </p:spTree>
+  </p:cSld>
+  <p:clrMapOvr>
+    <a:masterClrMapping/>
+  </p:clrMapOvr>
+  <p:timing>
+    <p:tnLst>
+      <p:par>
+        <p:cTn id="1" dur="indefinite" restart="never" nodeType="tmRoot"/>
+      </p:par>
+    </p:tnLst>
+  </p:timing>
+</p:sld>
+</file>
+
+<file path=ppt/slides/slide13.xml><?xml version="1.0" encoding="utf-8"?>
+<p:sld xmlns:a="http://schemas.openxmlformats.org/drawingml/2006/main" xmlns:r="http://schemas.openxmlformats.org/officeDocument/2006/relationships" xmlns:p="http://schemas.openxmlformats.org/presentationml/2006/main">
+  <p:cSld>
+    <p:spTree>
+      <p:nvGrpSpPr>
+        <p:cNvPr id="1" name=""/>
+        <p:cNvGrpSpPr/>
+        <p:nvPr/>
+      </p:nvGrpSpPr>
+      <p:grpSpPr>
+        <a:xfrm>
+          <a:off x="0" y="0"/>
+          <a:ext cx="0" cy="0"/>
+          <a:chOff x="0" y="0"/>
+          <a:chExt cx="0" cy="0"/>
+        </a:xfrm>
+      </p:grpSpPr>
+      <p:sp>
+        <p:nvSpPr>
+          <p:cNvPr id="2" name="Title 1"/>
+          <p:cNvSpPr>
+            <a:spLocks noGrp="1"/>
+          </p:cNvSpPr>
+          <p:nvPr>
+            <p:ph type="ctrTitle"/>
+          </p:nvPr>
+        </p:nvSpPr>
+        <p:spPr>
+          <a:xfrm>
+            <a:off x="762000" y="228601"/>
+            <a:ext cx="7772400" cy="457200"/>
+          </a:xfrm>
+        </p:spPr>
+        <p:txBody>
+          <a:bodyPr>
+            <a:normAutofit fontScale="90000"/>
+          </a:bodyPr>
+          <a:lstStyle/>
+          <a:p>
+            <a:pPr algn="l"/>
+            <a:r>
+              <a:rPr lang="en-IN" dirty="0" smtClean="0"/>
+              <a:t>Conclusion</a:t>
+            </a:r>
+            <a:endParaRPr lang="en-IN" dirty="0"/>
+          </a:p>
+        </p:txBody>
+      </p:sp>
+      <p:sp>
+        <p:nvSpPr>
+          <p:cNvPr id="6" name="Rectangle 5"/>
+          <p:cNvSpPr/>
+          <p:nvPr/>
+        </p:nvSpPr>
+        <p:spPr>
+          <a:xfrm>
+            <a:off x="838200" y="914400"/>
+            <a:ext cx="7924800" cy="5170646"/>
+          </a:xfrm>
+          <a:prstGeom prst="rect">
+            <a:avLst/>
+          </a:prstGeom>
+        </p:spPr>
+        <p:txBody>
+          <a:bodyPr wrap="square">
+            <a:spAutoFit/>
+          </a:bodyPr>
+          <a:lstStyle/>
+          <a:p>
+            <a:pPr>
+              <a:buFont typeface="Wingdings" pitchFamily="2" charset="2"/>
+              <a:buChar char="q"/>
+            </a:pPr>
+            <a:r>
+              <a:rPr lang="en-IN" sz="2200" dirty="0" smtClean="0"/>
+              <a:t>The customer should open the culinary items store in </a:t>
+            </a:r>
+            <a:r>
+              <a:rPr lang="en-IN" sz="2200" b="1" dirty="0" smtClean="0"/>
+              <a:t>"Regent Park" </a:t>
+            </a:r>
+            <a:r>
+              <a:rPr lang="en-IN" sz="2200" dirty="0" smtClean="0"/>
+              <a:t>neighbourhood in Toronto. </a:t>
+            </a:r>
+          </a:p>
+          <a:p>
+            <a:pPr>
+              <a:buFont typeface="Wingdings" pitchFamily="2" charset="2"/>
+              <a:buChar char="q"/>
+            </a:pPr>
+            <a:endParaRPr lang="en-IN" sz="2200" dirty="0" smtClean="0"/>
+          </a:p>
+          <a:p>
+            <a:pPr lvl="1">
+              <a:buFont typeface="Wingdings" pitchFamily="2" charset="2"/>
+              <a:buChar char="q"/>
+            </a:pPr>
+            <a:r>
+              <a:rPr lang="en-IN" sz="2200" dirty="0" smtClean="0"/>
+              <a:t>This has been suggested based on the analysis of the key data points of South Asian population concentration and vicinity of various venues like Indian Restaurants, Shops and Bus stops. </a:t>
+            </a:r>
+          </a:p>
+          <a:p>
+            <a:pPr lvl="1">
+              <a:buFont typeface="Wingdings" pitchFamily="2" charset="2"/>
+              <a:buChar char="q"/>
+            </a:pPr>
+            <a:r>
+              <a:rPr lang="en-IN" sz="2200" dirty="0" smtClean="0"/>
+              <a:t>Because of proximity to Indian Restaurants, the customer can explore tie-ups or partnerships for the restaurants culinary requirements in bulk. Also availability of Bus stops and Shops and Services provides the customer's store with relevant eyeballs and the customer can look at easier access to delivery.</a:t>
+            </a:r>
+          </a:p>
+          <a:p>
+            <a:pPr lvl="1">
+              <a:buFont typeface="Wingdings" pitchFamily="2" charset="2"/>
+              <a:buChar char="q"/>
+            </a:pPr>
+            <a:r>
+              <a:rPr lang="en-IN" sz="2200" dirty="0" smtClean="0"/>
+              <a:t>As expected by the customer on the test run, I suggest a six-month test run with a shop on rental basis to start with and the existing store items catalogue, to gauge the sales and returns on investment</a:t>
+            </a:r>
+          </a:p>
+        </p:txBody>
+      </p:sp>
+    </p:spTree>
+  </p:cSld>
+  <p:clrMapOvr>
+    <a:masterClrMapping/>
+  </p:clrMapOvr>
+  <p:timing>
+    <p:tnLst>
+      <p:par>
+        <p:cTn id="1" dur="indefinite" restart="never" nodeType="tmRoot"/>
+      </p:par>
+    </p:tnLst>
+  </p:timing>
+</p:sld>
+</file>
+
+<file path=ppt/slides/slide14.xml><?xml version="1.0" encoding="utf-8"?>
+<p:sld xmlns:a="http://schemas.openxmlformats.org/drawingml/2006/main" xmlns:r="http://schemas.openxmlformats.org/officeDocument/2006/relationships" xmlns:p="http://schemas.openxmlformats.org/presentationml/2006/main">
+  <p:cSld>
+    <p:spTree>
+      <p:nvGrpSpPr>
+        <p:cNvPr id="1" name=""/>
+        <p:cNvGrpSpPr/>
+        <p:nvPr/>
+      </p:nvGrpSpPr>
+      <p:grpSpPr>
+        <a:xfrm>
+          <a:off x="0" y="0"/>
+          <a:ext cx="0" cy="0"/>
+          <a:chOff x="0" y="0"/>
+          <a:chExt cx="0" cy="0"/>
+        </a:xfrm>
+      </p:grpSpPr>
+      <p:sp>
+        <p:nvSpPr>
+          <p:cNvPr id="2" name="Title 1"/>
+          <p:cNvSpPr>
+            <a:spLocks noGrp="1"/>
+          </p:cNvSpPr>
+          <p:nvPr>
+            <p:ph type="ctrTitle"/>
+          </p:nvPr>
+        </p:nvSpPr>
+        <p:spPr>
+          <a:xfrm>
+            <a:off x="762000" y="228601"/>
+            <a:ext cx="7772400" cy="457200"/>
+          </a:xfrm>
+        </p:spPr>
+        <p:txBody>
+          <a:bodyPr>
+            <a:normAutofit fontScale="90000"/>
+          </a:bodyPr>
+          <a:lstStyle/>
+          <a:p>
+            <a:pPr algn="l"/>
+            <a:r>
+              <a:rPr lang="en-IN" dirty="0" smtClean="0"/>
+              <a:t>For Further Discussion</a:t>
+            </a:r>
+            <a:endParaRPr lang="en-IN" dirty="0"/>
+          </a:p>
+        </p:txBody>
+      </p:sp>
+      <p:sp>
+        <p:nvSpPr>
+          <p:cNvPr id="4" name="Rectangle 3"/>
+          <p:cNvSpPr/>
+          <p:nvPr/>
+        </p:nvSpPr>
+        <p:spPr>
+          <a:xfrm>
+            <a:off x="838200" y="1066800"/>
+            <a:ext cx="7772400" cy="4493538"/>
+          </a:xfrm>
+          <a:prstGeom prst="rect">
+            <a:avLst/>
+          </a:prstGeom>
+        </p:spPr>
+        <p:txBody>
+          <a:bodyPr wrap="square">
+            <a:spAutoFit/>
+          </a:bodyPr>
+          <a:lstStyle/>
+          <a:p>
+            <a:pPr>
+              <a:buFont typeface="Wingdings" pitchFamily="2" charset="2"/>
+              <a:buChar char="q"/>
+            </a:pPr>
+            <a:r>
+              <a:rPr lang="en-IN" sz="2200" dirty="0" smtClean="0"/>
+              <a:t>Few more important parameters for consideration and better analysis will be - </a:t>
+            </a:r>
+          </a:p>
+          <a:p>
+            <a:pPr lvl="1">
+              <a:buFont typeface="Wingdings" pitchFamily="2" charset="2"/>
+              <a:buChar char="q"/>
+            </a:pPr>
+            <a:r>
+              <a:rPr lang="en-IN" sz="2200" dirty="0" smtClean="0"/>
+              <a:t>In this analysis we have restricted venue data within a 500m radius and 30 venues.  We could increase or tweak this limit</a:t>
+            </a:r>
+          </a:p>
+          <a:p>
+            <a:pPr lvl="1">
+              <a:buFont typeface="Wingdings" pitchFamily="2" charset="2"/>
+              <a:buChar char="q"/>
+            </a:pPr>
+            <a:r>
+              <a:rPr lang="en-IN" sz="2200" dirty="0" smtClean="0"/>
+              <a:t> Considering Real estate/store rental or buy prices of the neighbourhoods</a:t>
+            </a:r>
+          </a:p>
+          <a:p>
+            <a:pPr lvl="1">
+              <a:buFont typeface="Wingdings" pitchFamily="2" charset="2"/>
+              <a:buChar char="q"/>
+            </a:pPr>
+            <a:r>
+              <a:rPr lang="en-IN" sz="2200" dirty="0" smtClean="0"/>
+              <a:t>Considering proximity or distance from warehouse </a:t>
+            </a:r>
+          </a:p>
+          <a:p>
+            <a:pPr lvl="1">
+              <a:buFont typeface="Wingdings" pitchFamily="2" charset="2"/>
+              <a:buChar char="q"/>
+            </a:pPr>
+            <a:r>
+              <a:rPr lang="en-IN" sz="2200" dirty="0" smtClean="0"/>
+              <a:t>Supply chain strategy for delivery from any import unit or warehouse</a:t>
+            </a:r>
+          </a:p>
+          <a:p>
+            <a:endParaRPr lang="en-IN" sz="2200" dirty="0" smtClean="0"/>
+          </a:p>
+          <a:p>
+            <a:r>
+              <a:rPr lang="en-IN" sz="2200" dirty="0" smtClean="0"/>
+              <a:t>While we have excluded these assuming a no-restriction on budget, the above will definitely be significant criterions for the store location prediction</a:t>
+            </a:r>
+          </a:p>
+        </p:txBody>
+      </p:sp>
+    </p:spTree>
+  </p:cSld>
+  <p:clrMapOvr>
+    <a:masterClrMapping/>
+  </p:clrMapOvr>
+  <p:timing>
+    <p:tnLst>
+      <p:par>
+        <p:cTn id="1" dur="indefinite" restart="never" nodeType="tmRoot"/>
+      </p:par>
+    </p:tnLst>
+  </p:timing>
+</p:sld>
+</file>
+
+<file path=ppt/slides/slide15.xml><?xml version="1.0" encoding="utf-8"?>
+<p:sld xmlns:a="http://schemas.openxmlformats.org/drawingml/2006/main" xmlns:r="http://schemas.openxmlformats.org/officeDocument/2006/relationships" xmlns:p="http://schemas.openxmlformats.org/presentationml/2006/main">
+  <p:cSld>
+    <p:spTree>
+      <p:nvGrpSpPr>
+        <p:cNvPr id="1" name=""/>
+        <p:cNvGrpSpPr/>
+        <p:nvPr/>
+      </p:nvGrpSpPr>
+      <p:grpSpPr>
+        <a:xfrm>
+          <a:off x="0" y="0"/>
+          <a:ext cx="0" cy="0"/>
+          <a:chOff x="0" y="0"/>
+          <a:chExt cx="0" cy="0"/>
+        </a:xfrm>
+      </p:grpSpPr>
+      <p:sp>
+        <p:nvSpPr>
+          <p:cNvPr id="2" name="Title 1"/>
+          <p:cNvSpPr>
+            <a:spLocks noGrp="1"/>
+          </p:cNvSpPr>
+          <p:nvPr>
+            <p:ph type="ctrTitle"/>
+          </p:nvPr>
+        </p:nvSpPr>
+        <p:spPr>
+          <a:xfrm>
+            <a:off x="762000" y="3048000"/>
+            <a:ext cx="7772400" cy="457200"/>
+          </a:xfrm>
+        </p:spPr>
+        <p:txBody>
+          <a:bodyPr>
+            <a:normAutofit fontScale="90000"/>
+          </a:bodyPr>
+          <a:lstStyle/>
+          <a:p>
+            <a:r>
+              <a:rPr lang="en-IN" dirty="0" smtClean="0"/>
+              <a:t>Thank You</a:t>
+            </a:r>
+            <a:endParaRPr lang="en-IN" dirty="0"/>
           </a:p>
         </p:txBody>
       </p:sp>
@@ -10742,8 +9203,8 @@
         </p:nvSpPr>
         <p:spPr>
           <a:xfrm>
-            <a:off x="533400" y="2209800"/>
-            <a:ext cx="3200400" cy="1785104"/>
+            <a:off x="685800" y="2209800"/>
+            <a:ext cx="3048000" cy="1785104"/>
           </a:xfrm>
           <a:prstGeom prst="rect">
             <a:avLst/>
@@ -10758,11 +9219,7 @@
             <a:pPr algn="ctr"/>
             <a:r>
               <a:rPr lang="en-IN" sz="2200" b="1" dirty="0" smtClean="0"/>
-              <a:t>Suggest </a:t>
-            </a:r>
-            <a:r>
-              <a:rPr lang="en-IN" sz="2200" b="1" dirty="0" smtClean="0"/>
-              <a:t>the best possible location to open a new retail store in Toronto for selling Indian culinary items </a:t>
+              <a:t>Suggest the best possible location to open a new retail store in Toronto for selling Indian culinary items </a:t>
             </a:r>
           </a:p>
         </p:txBody>
@@ -10890,8 +9347,8 @@
         </p:nvSpPr>
         <p:spPr>
           <a:xfrm>
-            <a:off x="304800" y="76200"/>
-            <a:ext cx="8991600" cy="1066799"/>
+            <a:off x="762000" y="228601"/>
+            <a:ext cx="7772400" cy="457200"/>
           </a:xfrm>
         </p:spPr>
         <p:txBody>
@@ -10903,28 +9360,98 @@
             <a:pPr algn="l"/>
             <a:r>
               <a:rPr lang="en-IN" dirty="0" smtClean="0"/>
-              <a:t>Methodology - Recommendation Model</a:t>
+              <a:t>Data Required - Snapshots</a:t>
             </a:r>
             <a:endParaRPr lang="en-IN" dirty="0"/>
           </a:p>
         </p:txBody>
       </p:sp>
-      <p:graphicFrame>
-        <p:nvGraphicFramePr>
-          <p:cNvPr id="4" name="Diagram 3"/>
-          <p:cNvGraphicFramePr/>
+      <p:pic>
+        <p:nvPicPr>
+          <p:cNvPr id="1026" name="Picture 2"/>
+          <p:cNvPicPr>
+            <a:picLocks noChangeAspect="1" noChangeArrowheads="1"/>
+          </p:cNvPicPr>
           <p:nvPr/>
-        </p:nvGraphicFramePr>
-        <p:xfrm>
-          <a:off x="1524000" y="1397000"/>
-          <a:ext cx="5410200" cy="4775200"/>
-        </p:xfrm>
-        <a:graphic>
-          <a:graphicData uri="http://schemas.openxmlformats.org/drawingml/2006/diagram">
-            <dgm:relIds xmlns:dgm="http://schemas.openxmlformats.org/drawingml/2006/diagram" xmlns:r="http://schemas.openxmlformats.org/officeDocument/2006/relationships" r:dm="rId2" r:lo="rId3" r:qs="rId4" r:cs="rId5"/>
-          </a:graphicData>
-        </a:graphic>
-      </p:graphicFrame>
+        </p:nvPicPr>
+        <p:blipFill>
+          <a:blip r:embed="rId2"/>
+          <a:srcRect/>
+          <a:stretch>
+            <a:fillRect/>
+          </a:stretch>
+        </p:blipFill>
+        <p:spPr bwMode="auto">
+          <a:xfrm>
+            <a:off x="533400" y="3124200"/>
+            <a:ext cx="8313089" cy="3124200"/>
+          </a:xfrm>
+          <a:prstGeom prst="rect">
+            <a:avLst/>
+          </a:prstGeom>
+          <a:noFill/>
+          <a:ln w="9525">
+            <a:noFill/>
+            <a:miter lim="800000"/>
+            <a:headEnd/>
+            <a:tailEnd/>
+          </a:ln>
+          <a:effectLst/>
+        </p:spPr>
+      </p:pic>
+      <p:sp>
+        <p:nvSpPr>
+          <p:cNvPr id="7" name="Rectangle 6"/>
+          <p:cNvSpPr/>
+          <p:nvPr/>
+        </p:nvSpPr>
+        <p:spPr>
+          <a:xfrm>
+            <a:off x="838200" y="1143000"/>
+            <a:ext cx="7924800" cy="1477328"/>
+          </a:xfrm>
+          <a:prstGeom prst="rect">
+            <a:avLst/>
+          </a:prstGeom>
+        </p:spPr>
+        <p:txBody>
+          <a:bodyPr wrap="square">
+            <a:spAutoFit/>
+          </a:bodyPr>
+          <a:lstStyle/>
+          <a:p>
+            <a:r>
+              <a:rPr lang="en-IN" dirty="0" smtClean="0"/>
+              <a:t>Geography and location information of the neighbourhoods. E.g. latitude, longitude, postal codes. We will </a:t>
+            </a:r>
+            <a:r>
+              <a:rPr lang="en-IN" dirty="0" smtClean="0"/>
+              <a:t>use https</a:t>
+            </a:r>
+            <a:r>
+              <a:rPr lang="en-IN" dirty="0" smtClean="0"/>
+              <a:t>://en.wikipedia.org/wiki/List_of_postal_codes_of_Canada:_M, for the postal codes and either </a:t>
+            </a:r>
+            <a:r>
+              <a:rPr lang="en-IN" dirty="0" err="1" smtClean="0"/>
+              <a:t>Geocoder</a:t>
+            </a:r>
+            <a:r>
+              <a:rPr lang="en-IN" dirty="0" smtClean="0"/>
+              <a:t> or the following </a:t>
+            </a:r>
+            <a:r>
+              <a:rPr lang="en-IN" dirty="0" err="1" smtClean="0"/>
+              <a:t>csv</a:t>
+            </a:r>
+            <a:r>
+              <a:rPr lang="en-IN" dirty="0" smtClean="0"/>
+              <a:t> file for the postal codes http://cocl.us/Geospatial_data . Read/Queried data would look as below </a:t>
+            </a:r>
+            <a:endParaRPr lang="en-IN" dirty="0"/>
+          </a:p>
+        </p:txBody>
+      </p:sp>
     </p:spTree>
   </p:cSld>
   <p:clrMapOvr>
@@ -10982,22 +9509,55 @@
             <a:pPr algn="l"/>
             <a:r>
               <a:rPr lang="en-IN" dirty="0" smtClean="0"/>
-              <a:t>Conclusion</a:t>
+              <a:t>Data Required - Snapshots</a:t>
             </a:r>
             <a:endParaRPr lang="en-IN" dirty="0"/>
           </a:p>
         </p:txBody>
       </p:sp>
+      <p:pic>
+        <p:nvPicPr>
+          <p:cNvPr id="1027" name="Picture 3"/>
+          <p:cNvPicPr>
+            <a:picLocks noChangeAspect="1" noChangeArrowheads="1"/>
+          </p:cNvPicPr>
+          <p:nvPr/>
+        </p:nvPicPr>
+        <p:blipFill>
+          <a:blip r:embed="rId2"/>
+          <a:srcRect/>
+          <a:stretch>
+            <a:fillRect/>
+          </a:stretch>
+        </p:blipFill>
+        <p:spPr bwMode="auto">
+          <a:xfrm>
+            <a:off x="533400" y="3276600"/>
+            <a:ext cx="8077200" cy="2667000"/>
+          </a:xfrm>
+          <a:prstGeom prst="rect">
+            <a:avLst/>
+          </a:prstGeom>
+          <a:noFill/>
+          <a:ln w="9525">
+            <a:noFill/>
+            <a:miter lim="800000"/>
+            <a:headEnd/>
+            <a:tailEnd/>
+          </a:ln>
+          <a:effectLst/>
+        </p:spPr>
+      </p:pic>
       <p:sp>
         <p:nvSpPr>
-          <p:cNvPr id="6" name="Rectangle 5"/>
+          <p:cNvPr id="8" name="Rectangle 7"/>
           <p:cNvSpPr/>
           <p:nvPr/>
         </p:nvSpPr>
         <p:spPr>
           <a:xfrm>
-            <a:off x="914400" y="914400"/>
-            <a:ext cx="7848600" cy="5509200"/>
+            <a:off x="838200" y="914401"/>
+            <a:ext cx="7620000" cy="2308324"/>
           </a:xfrm>
           <a:prstGeom prst="rect">
             <a:avLst/>
@@ -11009,86 +9569,19 @@
           </a:bodyPr>
           <a:lstStyle/>
           <a:p>
-            <a:pPr>
-              <a:buFont typeface="Wingdings" pitchFamily="2" charset="2"/>
-              <a:buChar char="q"/>
-            </a:pPr>
-            <a:r>
-              <a:rPr lang="en-IN" sz="2200" dirty="0" smtClean="0"/>
-              <a:t>The customer should open the culinary items store in </a:t>
-            </a:r>
-            <a:r>
-              <a:rPr lang="en-IN" sz="2200" b="1" dirty="0" smtClean="0"/>
-              <a:t>"Regent Park" </a:t>
-            </a:r>
-            <a:r>
-              <a:rPr lang="en-IN" sz="2200" dirty="0" smtClean="0"/>
-              <a:t>neighbourhood </a:t>
-            </a:r>
-            <a:r>
-              <a:rPr lang="en-IN" sz="2200" dirty="0" smtClean="0"/>
-              <a:t>in Toronto. </a:t>
-            </a:r>
-            <a:endParaRPr lang="en-IN" sz="2200" dirty="0" smtClean="0"/>
-          </a:p>
-          <a:p>
-            <a:pPr>
-              <a:buFont typeface="Wingdings" pitchFamily="2" charset="2"/>
-              <a:buChar char="q"/>
-            </a:pPr>
-            <a:endParaRPr lang="en-IN" sz="2200" dirty="0" smtClean="0"/>
-          </a:p>
-          <a:p>
-            <a:pPr lvl="1">
-              <a:buFont typeface="Wingdings" pitchFamily="2" charset="2"/>
-              <a:buChar char="q"/>
-            </a:pPr>
-            <a:r>
-              <a:rPr lang="en-IN" sz="2200" dirty="0" smtClean="0"/>
-              <a:t>This </a:t>
-            </a:r>
-            <a:r>
-              <a:rPr lang="en-IN" sz="2200" dirty="0" smtClean="0"/>
-              <a:t>has been suggested based on the analysis of the key data points of South Asian population </a:t>
-            </a:r>
-            <a:r>
-              <a:rPr lang="en-IN" sz="2200" dirty="0" smtClean="0"/>
-              <a:t>concentration </a:t>
-            </a:r>
-            <a:r>
-              <a:rPr lang="en-IN" sz="2200" dirty="0" smtClean="0"/>
-              <a:t>and vicinity of various venues like Indian Restaurants, Shops and Bus stops</a:t>
-            </a:r>
-            <a:r>
-              <a:rPr lang="en-IN" sz="2200" dirty="0" smtClean="0"/>
-              <a:t>. </a:t>
-            </a:r>
-            <a:endParaRPr lang="en-IN" sz="2200" dirty="0" smtClean="0"/>
-          </a:p>
-          <a:p>
-            <a:pPr lvl="1">
-              <a:buFont typeface="Wingdings" pitchFamily="2" charset="2"/>
-              <a:buChar char="q"/>
-            </a:pPr>
-            <a:r>
-              <a:rPr lang="en-IN" sz="2200" dirty="0" smtClean="0"/>
-              <a:t>Because of proximity to Indian Restaurants, the customer can explore tie-ups or partnerships for the restaurants culinary requirements in bulk. Also availability of Bus stops and Shops and Services provides the customer's store with relevant eyeballs and the customer can look at easier access to delivery.</a:t>
-            </a:r>
-          </a:p>
-          <a:p>
-            <a:pPr lvl="1">
-              <a:buFont typeface="Wingdings" pitchFamily="2" charset="2"/>
-              <a:buChar char="q"/>
-            </a:pPr>
-            <a:r>
-              <a:rPr lang="en-IN" sz="2200" dirty="0" smtClean="0"/>
-              <a:t>As expected by the customer on the test run, I suggest a six-month test run with a shop on rental basis to start with and the existing store items catalogue, to gauge the sales and returns </a:t>
-            </a:r>
-            <a:r>
-              <a:rPr lang="en-IN" sz="2200" dirty="0" smtClean="0"/>
-              <a:t>on investment</a:t>
-            </a:r>
-            <a:endParaRPr lang="en-IN" sz="2200" dirty="0" smtClean="0"/>
+            <a:r>
+              <a:rPr lang="en-IN" dirty="0" smtClean="0"/>
+              <a:t>Demographics of the neighbourhoods - for this analysis we will use the data available in the following Toronto Open Data site https://www.toronto.ca/city-government/data-research-maps/open-data/open-data-catalogue/#8c732154-5012-9afe-d0cd-ba3ffc813d5a CSV file - https://www.toronto.ca/ext/open_data/catalog/data_set_files/2016_neighbourhood_profiles.csv . Note that here we will limit our analysis to the neighbourhoods of the postal codes available. Queried demographic data from the </a:t>
+            </a:r>
+            <a:r>
+              <a:rPr lang="en-IN" dirty="0" err="1" smtClean="0"/>
+              <a:t>csv</a:t>
+            </a:r>
+            <a:r>
+              <a:rPr lang="en-IN" dirty="0" smtClean="0"/>
+              <a:t> file will look as below</a:t>
+            </a:r>
+            <a:endParaRPr lang="en-IN" dirty="0"/>
           </a:p>
         </p:txBody>
       </p:sp>
@@ -11149,22 +9642,55 @@
             <a:pPr algn="l"/>
             <a:r>
               <a:rPr lang="en-IN" dirty="0" smtClean="0"/>
-              <a:t>For Further Discussion</a:t>
+              <a:t>Data Required - Snapshots</a:t>
             </a:r>
             <a:endParaRPr lang="en-IN" dirty="0"/>
           </a:p>
         </p:txBody>
       </p:sp>
+      <p:pic>
+        <p:nvPicPr>
+          <p:cNvPr id="1028" name="Picture 4"/>
+          <p:cNvPicPr>
+            <a:picLocks noChangeAspect="1" noChangeArrowheads="1"/>
+          </p:cNvPicPr>
+          <p:nvPr/>
+        </p:nvPicPr>
+        <p:blipFill>
+          <a:blip r:embed="rId2"/>
+          <a:srcRect/>
+          <a:stretch>
+            <a:fillRect/>
+          </a:stretch>
+        </p:blipFill>
+        <p:spPr bwMode="auto">
+          <a:xfrm>
+            <a:off x="533400" y="3352800"/>
+            <a:ext cx="8202129" cy="2895600"/>
+          </a:xfrm>
+          <a:prstGeom prst="rect">
+            <a:avLst/>
+          </a:prstGeom>
+          <a:noFill/>
+          <a:ln w="9525">
+            <a:noFill/>
+            <a:miter lim="800000"/>
+            <a:headEnd/>
+            <a:tailEnd/>
+          </a:ln>
+          <a:effectLst/>
+        </p:spPr>
+      </p:pic>
       <p:sp>
         <p:nvSpPr>
-          <p:cNvPr id="4" name="Rectangle 3"/>
+          <p:cNvPr id="8" name="Rectangle 7"/>
           <p:cNvSpPr/>
           <p:nvPr/>
         </p:nvSpPr>
         <p:spPr>
           <a:xfrm>
-            <a:off x="838200" y="1066800"/>
-            <a:ext cx="7772400" cy="4493538"/>
+            <a:off x="762000" y="914401"/>
+            <a:ext cx="7543800" cy="2308324"/>
           </a:xfrm>
           <a:prstGeom prst="rect">
             <a:avLst/>
@@ -11176,102 +9702,11 @@
           </a:bodyPr>
           <a:lstStyle/>
           <a:p>
-            <a:pPr>
-              <a:buFont typeface="Wingdings" pitchFamily="2" charset="2"/>
-              <a:buChar char="q"/>
-            </a:pPr>
-            <a:r>
-              <a:rPr lang="en-IN" sz="2200" dirty="0" smtClean="0"/>
-              <a:t>Few more </a:t>
-            </a:r>
-            <a:r>
-              <a:rPr lang="en-IN" sz="2200" dirty="0" smtClean="0"/>
-              <a:t>important parameters for consideration and better analysis will be - </a:t>
-            </a:r>
-            <a:endParaRPr lang="en-IN" sz="2200" dirty="0" smtClean="0"/>
-          </a:p>
-          <a:p>
-            <a:pPr lvl="1">
-              <a:buFont typeface="Wingdings" pitchFamily="2" charset="2"/>
-              <a:buChar char="q"/>
-            </a:pPr>
-            <a:r>
-              <a:rPr lang="en-IN" sz="2200" dirty="0" smtClean="0"/>
-              <a:t>In </a:t>
-            </a:r>
-            <a:r>
-              <a:rPr lang="en-IN" sz="2200" dirty="0" smtClean="0"/>
-              <a:t>this analysis we have restricted venue data within a 500m radius and 30 venues. </a:t>
-            </a:r>
-            <a:r>
-              <a:rPr lang="en-IN" sz="2200" dirty="0" smtClean="0"/>
-              <a:t> We could increase or tweak this limit</a:t>
-            </a:r>
-          </a:p>
-          <a:p>
-            <a:pPr lvl="1">
-              <a:buFont typeface="Wingdings" pitchFamily="2" charset="2"/>
-              <a:buChar char="q"/>
-            </a:pPr>
-            <a:r>
-              <a:rPr lang="en-IN" sz="2200" dirty="0" smtClean="0"/>
-              <a:t> Considering Real estate/store rental </a:t>
-            </a:r>
-            <a:r>
-              <a:rPr lang="en-IN" sz="2200" dirty="0" smtClean="0"/>
-              <a:t>or buy prices of the </a:t>
-            </a:r>
-            <a:r>
-              <a:rPr lang="en-IN" sz="2200" dirty="0" smtClean="0"/>
-              <a:t>neighbourhoods</a:t>
-            </a:r>
-          </a:p>
-          <a:p>
-            <a:pPr lvl="1">
-              <a:buFont typeface="Wingdings" pitchFamily="2" charset="2"/>
-              <a:buChar char="q"/>
-            </a:pPr>
-            <a:r>
-              <a:rPr lang="en-IN" sz="2200" dirty="0" smtClean="0"/>
-              <a:t>Considering proximity </a:t>
-            </a:r>
-            <a:r>
-              <a:rPr lang="en-IN" sz="2200" dirty="0" smtClean="0"/>
-              <a:t>or distance from warehouse </a:t>
-            </a:r>
-            <a:endParaRPr lang="en-IN" sz="2200" dirty="0" smtClean="0"/>
-          </a:p>
-          <a:p>
-            <a:pPr lvl="1">
-              <a:buFont typeface="Wingdings" pitchFamily="2" charset="2"/>
-              <a:buChar char="q"/>
-            </a:pPr>
-            <a:r>
-              <a:rPr lang="en-IN" sz="2200" dirty="0" smtClean="0"/>
-              <a:t>S</a:t>
-            </a:r>
-            <a:r>
-              <a:rPr lang="en-IN" sz="2200" dirty="0" smtClean="0"/>
-              <a:t>upply </a:t>
-            </a:r>
-            <a:r>
-              <a:rPr lang="en-IN" sz="2200" dirty="0" smtClean="0"/>
-              <a:t>chain strategy for delivery from any import unit or warehouse</a:t>
-            </a:r>
-          </a:p>
-          <a:p>
-            <a:endParaRPr lang="en-IN" sz="2200" dirty="0" smtClean="0"/>
-          </a:p>
-          <a:p>
-            <a:r>
-              <a:rPr lang="en-IN" sz="2200" dirty="0" smtClean="0"/>
-              <a:t>While we have excluded these assuming a no-restriction on budget, the above will definitely be significant criterions for the store location </a:t>
-            </a:r>
-            <a:r>
-              <a:rPr lang="en-IN" sz="2200" dirty="0" smtClean="0"/>
-              <a:t>prediction</a:t>
-            </a:r>
-            <a:endParaRPr lang="en-IN" sz="2200" dirty="0" smtClean="0"/>
+            <a:r>
+              <a:rPr lang="en-IN" dirty="0" smtClean="0"/>
+              <a:t>We would need venue information in that neighbourhood which could provide us details like restaurants nearby, shopping areas, distances and popularity. For this we will leverage Foursquare data. The type of venue categories we would look at are Indian/Asian restaurants, Food, Shops and service, Travel and transport. Examples from Foursquare resource categories are Indian Restaurant - 4bf58dd8d48988d10f941735, Shop &amp; Service - 4d4b7105d754a06378d81259. For examples Indian restaurants near Scarborough Village queries for, will look as below</a:t>
+            </a:r>
+            <a:endParaRPr lang="en-IN" dirty="0"/>
           </a:p>
         </p:txBody>
       </p:sp>
@@ -11319,8 +9754,236 @@
         </p:nvSpPr>
         <p:spPr>
           <a:xfrm>
-            <a:off x="762000" y="3048000"/>
-            <a:ext cx="7772400" cy="457200"/>
+            <a:off x="304800" y="76200"/>
+            <a:ext cx="8991600" cy="1066799"/>
+          </a:xfrm>
+        </p:spPr>
+        <p:txBody>
+          <a:bodyPr>
+            <a:normAutofit/>
+          </a:bodyPr>
+          <a:lstStyle/>
+          <a:p>
+            <a:pPr algn="l"/>
+            <a:r>
+              <a:rPr lang="en-IN" dirty="0" smtClean="0"/>
+              <a:t>Methodology</a:t>
+            </a:r>
+            <a:endParaRPr lang="en-IN" dirty="0"/>
+          </a:p>
+        </p:txBody>
+      </p:sp>
+      <p:sp>
+        <p:nvSpPr>
+          <p:cNvPr id="5" name="Rectangle 4"/>
+          <p:cNvSpPr/>
+          <p:nvPr/>
+        </p:nvSpPr>
+        <p:spPr>
+          <a:xfrm>
+            <a:off x="457200" y="990601"/>
+            <a:ext cx="8458200" cy="5632311"/>
+          </a:xfrm>
+          <a:prstGeom prst="rect">
+            <a:avLst/>
+          </a:prstGeom>
+        </p:spPr>
+        <p:txBody>
+          <a:bodyPr wrap="square">
+            <a:spAutoFit/>
+          </a:bodyPr>
+          <a:lstStyle/>
+          <a:p>
+            <a:pPr>
+              <a:buFont typeface="Wingdings" pitchFamily="2" charset="2"/>
+              <a:buChar char="q"/>
+            </a:pPr>
+            <a:r>
+              <a:rPr lang="en-IN" sz="2000" dirty="0" smtClean="0"/>
+              <a:t>Content based recommendation - </a:t>
+            </a:r>
+            <a:r>
+              <a:rPr lang="en-IN" sz="2000" dirty="0" smtClean="0"/>
+              <a:t>We use </a:t>
+            </a:r>
+            <a:r>
+              <a:rPr lang="en-IN" sz="2000" dirty="0" smtClean="0"/>
+              <a:t>a content (venue) based recommendation model as the problem asks us to recommend a particular location. </a:t>
+            </a:r>
+          </a:p>
+          <a:p>
+            <a:pPr>
+              <a:buFont typeface="Wingdings" pitchFamily="2" charset="2"/>
+              <a:buChar char="q"/>
+            </a:pPr>
+            <a:r>
+              <a:rPr lang="en-IN" sz="2000" dirty="0" smtClean="0"/>
+              <a:t>To build the same we will use a reference priority rating of </a:t>
+            </a:r>
+            <a:r>
+              <a:rPr lang="en-IN" sz="2000" dirty="0" smtClean="0"/>
+              <a:t>neighbourhoods </a:t>
+            </a:r>
+            <a:r>
+              <a:rPr lang="en-IN" sz="2000" dirty="0" smtClean="0"/>
+              <a:t>using the population parameter. A</a:t>
+            </a:r>
+            <a:r>
+              <a:rPr lang="en-IN" sz="2000" dirty="0" smtClean="0"/>
+              <a:t>s </a:t>
+            </a:r>
+            <a:r>
+              <a:rPr lang="en-IN" sz="2000" dirty="0" smtClean="0"/>
+              <a:t>customer wants to open the store in a </a:t>
+            </a:r>
+            <a:r>
+              <a:rPr lang="en-IN" sz="2000" dirty="0" smtClean="0"/>
+              <a:t>neighbourhood </a:t>
+            </a:r>
+            <a:r>
+              <a:rPr lang="en-IN" sz="2000" dirty="0" smtClean="0"/>
+              <a:t>location with higher </a:t>
+            </a:r>
+            <a:r>
+              <a:rPr lang="en-IN" sz="2000" dirty="0" smtClean="0"/>
+              <a:t>Asian population, this </a:t>
+            </a:r>
+            <a:r>
+              <a:rPr lang="en-IN" sz="2000" dirty="0" smtClean="0"/>
+              <a:t>reference provides us the priority of neighbourhoods based on </a:t>
+            </a:r>
+            <a:r>
+              <a:rPr lang="en-IN" sz="2000" dirty="0" smtClean="0"/>
+              <a:t>South Asian population percentage. </a:t>
+            </a:r>
+            <a:r>
+              <a:rPr lang="en-IN" sz="2000" dirty="0" smtClean="0"/>
+              <a:t>We consider South Asian population (</a:t>
+            </a:r>
+            <a:r>
+              <a:rPr lang="en-IN" sz="2000" dirty="0" err="1" smtClean="0"/>
+              <a:t>esp</a:t>
+            </a:r>
+            <a:r>
+              <a:rPr lang="en-IN" sz="2000" dirty="0" smtClean="0"/>
+              <a:t> Indian population</a:t>
+            </a:r>
+            <a:r>
+              <a:rPr lang="en-IN" sz="2000" dirty="0" smtClean="0"/>
+              <a:t>) assign a preference priority of neighbourhoods for those with higher South Asian population.</a:t>
+            </a:r>
+            <a:endParaRPr lang="en-IN" sz="2000" dirty="0" smtClean="0"/>
+          </a:p>
+          <a:p>
+            <a:pPr>
+              <a:buFont typeface="Wingdings" pitchFamily="2" charset="2"/>
+              <a:buChar char="q"/>
+            </a:pPr>
+            <a:r>
+              <a:rPr lang="en-IN" sz="2000" dirty="0" smtClean="0"/>
+              <a:t>Additionally the Foursquare venue categories i.e. </a:t>
+            </a:r>
+            <a:r>
+              <a:rPr lang="en-IN" sz="2000" dirty="0" smtClean="0"/>
+              <a:t>Bus Stop</a:t>
+            </a:r>
+            <a:r>
+              <a:rPr lang="en-IN" sz="2000" dirty="0" smtClean="0"/>
+              <a:t>, Shops and services, Metro stations and Indian Restaurants will be used to provide a weighted order of importance of the "venues" metric </a:t>
+            </a:r>
+            <a:r>
+              <a:rPr lang="en-IN" sz="2000" dirty="0" smtClean="0"/>
+              <a:t> i.e</a:t>
+            </a:r>
+            <a:r>
+              <a:rPr lang="en-IN" sz="2000" dirty="0" smtClean="0"/>
+              <a:t>. which type of venues do we consider as most important - presence of Bus stops or Metro or Shops and service or Indian restaurant - which ones are most co-related</a:t>
+            </a:r>
+            <a:r>
+              <a:rPr lang="en-IN" sz="2000" dirty="0" smtClean="0"/>
+              <a:t>.</a:t>
+            </a:r>
+            <a:endParaRPr lang="en-IN" sz="2000" dirty="0" smtClean="0"/>
+          </a:p>
+          <a:p>
+            <a:pPr>
+              <a:buFont typeface="Wingdings" pitchFamily="2" charset="2"/>
+              <a:buChar char="q"/>
+            </a:pPr>
+            <a:r>
+              <a:rPr lang="en-IN" sz="2000" dirty="0" smtClean="0"/>
+              <a:t>And based on number of such nearby venues available for each of the </a:t>
+            </a:r>
+            <a:r>
+              <a:rPr lang="en-IN" sz="2000" dirty="0" smtClean="0"/>
+              <a:t>neighbourhood </a:t>
+            </a:r>
+            <a:r>
+              <a:rPr lang="en-IN" sz="2000" dirty="0" smtClean="0"/>
+              <a:t>locations (output of Foursquare API search</a:t>
+            </a:r>
+            <a:r>
+              <a:rPr lang="en-IN" sz="2000" dirty="0" smtClean="0"/>
+              <a:t>) and weighted venue metric, </a:t>
+            </a:r>
+            <a:r>
+              <a:rPr lang="en-IN" sz="2000" dirty="0" smtClean="0"/>
+              <a:t>we will determine the top preferred location among the available </a:t>
+            </a:r>
+            <a:r>
+              <a:rPr lang="en-IN" sz="2000" dirty="0" smtClean="0"/>
+              <a:t>neighborhoods using a weighted average of priorities for the neighborhoods.</a:t>
+            </a:r>
+            <a:endParaRPr lang="en-IN" sz="2000" dirty="0" smtClean="0"/>
+          </a:p>
+        </p:txBody>
+      </p:sp>
+    </p:spTree>
+  </p:cSld>
+  <p:clrMapOvr>
+    <a:masterClrMapping/>
+  </p:clrMapOvr>
+  <p:timing>
+    <p:tnLst>
+      <p:par>
+        <p:cTn id="1" dur="indefinite" restart="never" nodeType="tmRoot"/>
+      </p:par>
+    </p:tnLst>
+  </p:timing>
+</p:sld>
+</file>
+
+<file path=ppt/slides/slide8.xml><?xml version="1.0" encoding="utf-8"?>
+<p:sld xmlns:a="http://schemas.openxmlformats.org/drawingml/2006/main" xmlns:r="http://schemas.openxmlformats.org/officeDocument/2006/relationships" xmlns:p="http://schemas.openxmlformats.org/presentationml/2006/main">
+  <p:cSld>
+    <p:spTree>
+      <p:nvGrpSpPr>
+        <p:cNvPr id="1" name=""/>
+        <p:cNvGrpSpPr/>
+        <p:nvPr/>
+      </p:nvGrpSpPr>
+      <p:grpSpPr>
+        <a:xfrm>
+          <a:off x="0" y="0"/>
+          <a:ext cx="0" cy="0"/>
+          <a:chOff x="0" y="0"/>
+          <a:chExt cx="0" cy="0"/>
+        </a:xfrm>
+      </p:grpSpPr>
+      <p:sp>
+        <p:nvSpPr>
+          <p:cNvPr id="2" name="Title 1"/>
+          <p:cNvSpPr>
+            <a:spLocks noGrp="1"/>
+          </p:cNvSpPr>
+          <p:nvPr>
+            <p:ph type="ctrTitle"/>
+          </p:nvPr>
+        </p:nvSpPr>
+        <p:spPr>
+          <a:xfrm>
+            <a:off x="304800" y="76200"/>
+            <a:ext cx="8991600" cy="1066799"/>
           </a:xfrm>
         </p:spPr>
         <p:txBody>
@@ -11329,11 +9992,617 @@
           </a:bodyPr>
           <a:lstStyle/>
           <a:p>
+            <a:pPr algn="l"/>
             <a:r>
               <a:rPr lang="en-IN" dirty="0" smtClean="0"/>
-              <a:t>Thank You</a:t>
+              <a:t>Methodology - Recommendation Model</a:t>
             </a:r>
             <a:endParaRPr lang="en-IN" dirty="0"/>
+          </a:p>
+        </p:txBody>
+      </p:sp>
+      <p:grpSp>
+        <p:nvGrpSpPr>
+          <p:cNvPr id="53" name="Group 52"/>
+          <p:cNvGrpSpPr/>
+          <p:nvPr/>
+        </p:nvGrpSpPr>
+        <p:grpSpPr>
+          <a:xfrm>
+            <a:off x="609600" y="1219200"/>
+            <a:ext cx="8382000" cy="4648200"/>
+            <a:chOff x="609600" y="1219200"/>
+            <a:chExt cx="8382000" cy="4648200"/>
+          </a:xfrm>
+        </p:grpSpPr>
+        <p:sp>
+          <p:nvSpPr>
+            <p:cNvPr id="5" name="Rounded Rectangle 4"/>
+            <p:cNvSpPr/>
+            <p:nvPr/>
+          </p:nvSpPr>
+          <p:spPr>
+            <a:xfrm>
+              <a:off x="609600" y="1219200"/>
+              <a:ext cx="2209800" cy="2133600"/>
+            </a:xfrm>
+            <a:prstGeom prst="roundRect">
+              <a:avLst/>
+            </a:prstGeom>
+          </p:spPr>
+          <p:style>
+            <a:lnRef idx="3">
+              <a:schemeClr val="lt1"/>
+            </a:lnRef>
+            <a:fillRef idx="1">
+              <a:schemeClr val="accent2"/>
+            </a:fillRef>
+            <a:effectRef idx="1">
+              <a:schemeClr val="accent2"/>
+            </a:effectRef>
+            <a:fontRef idx="minor">
+              <a:schemeClr val="lt1"/>
+            </a:fontRef>
+          </p:style>
+          <p:txBody>
+            <a:bodyPr rtlCol="0" anchor="ctr"/>
+            <a:lstStyle/>
+            <a:p>
+              <a:pPr lvl="0" algn="ctr"/>
+              <a:r>
+                <a:rPr lang="en-IN" sz="1500" b="1" dirty="0" smtClean="0"/>
+                <a:t>Reference priority for preferred neighborhoods </a:t>
+              </a:r>
+            </a:p>
+            <a:p>
+              <a:pPr lvl="0" algn="ctr"/>
+              <a:r>
+                <a:rPr lang="en-IN" sz="1500" b="1" dirty="0" smtClean="0"/>
+                <a:t>- </a:t>
+              </a:r>
+              <a:r>
+                <a:rPr lang="en-IN" sz="1500" dirty="0" smtClean="0"/>
+                <a:t>based on South </a:t>
+              </a:r>
+              <a:r>
+                <a:rPr lang="en-IN" sz="1500" dirty="0" smtClean="0"/>
+                <a:t>Asian </a:t>
+              </a:r>
+              <a:r>
+                <a:rPr lang="en-IN" sz="1500" dirty="0" smtClean="0"/>
+                <a:t>population % (Customers main consideration)</a:t>
+              </a:r>
+              <a:endParaRPr lang="en-IN" sz="1500" dirty="0" smtClean="0"/>
+            </a:p>
+            <a:p>
+              <a:pPr algn="ctr"/>
+              <a:endParaRPr lang="en-IN" sz="1500" dirty="0"/>
+            </a:p>
+          </p:txBody>
+        </p:sp>
+        <p:sp>
+          <p:nvSpPr>
+            <p:cNvPr id="6" name="Rounded Rectangle 5"/>
+            <p:cNvSpPr/>
+            <p:nvPr/>
+          </p:nvSpPr>
+          <p:spPr>
+            <a:xfrm>
+              <a:off x="609600" y="3886200"/>
+              <a:ext cx="2209800" cy="1981200"/>
+            </a:xfrm>
+            <a:prstGeom prst="roundRect">
+              <a:avLst/>
+            </a:prstGeom>
+          </p:spPr>
+          <p:style>
+            <a:lnRef idx="3">
+              <a:schemeClr val="lt1"/>
+            </a:lnRef>
+            <a:fillRef idx="1">
+              <a:schemeClr val="accent3"/>
+            </a:fillRef>
+            <a:effectRef idx="1">
+              <a:schemeClr val="accent3"/>
+            </a:effectRef>
+            <a:fontRef idx="minor">
+              <a:schemeClr val="lt1"/>
+            </a:fontRef>
+          </p:style>
+          <p:txBody>
+            <a:bodyPr rtlCol="0" anchor="ctr"/>
+            <a:lstStyle/>
+            <a:p>
+              <a:pPr lvl="0" algn="ctr"/>
+              <a:r>
+                <a:rPr lang="en-IN" sz="1500" b="1" dirty="0" smtClean="0"/>
+                <a:t>Feature list </a:t>
+              </a:r>
+              <a:r>
+                <a:rPr lang="en-IN" sz="1500" dirty="0" smtClean="0"/>
+                <a:t>-</a:t>
+              </a:r>
+            </a:p>
+            <a:p>
+              <a:pPr lvl="0" algn="ctr"/>
+              <a:r>
+                <a:rPr lang="en-IN" sz="1500" dirty="0" smtClean="0"/>
+                <a:t>Four </a:t>
+              </a:r>
+              <a:r>
+                <a:rPr lang="en-IN" sz="1500" dirty="0" smtClean="0"/>
+                <a:t>Square Venues </a:t>
+              </a:r>
+              <a:r>
+                <a:rPr lang="en-IN" sz="1500" dirty="0" smtClean="0"/>
+                <a:t>data Indian Restaurants</a:t>
+              </a:r>
+            </a:p>
+            <a:p>
+              <a:pPr lvl="0" algn="ctr"/>
+              <a:r>
+                <a:rPr lang="en-IN" sz="1500" dirty="0" smtClean="0"/>
+                <a:t>Shops </a:t>
+              </a:r>
+              <a:r>
+                <a:rPr lang="en-IN" sz="1500" dirty="0" smtClean="0"/>
+                <a:t>and </a:t>
+              </a:r>
+              <a:r>
+                <a:rPr lang="en-IN" sz="1500" dirty="0" smtClean="0"/>
+                <a:t>Services</a:t>
+              </a:r>
+            </a:p>
+            <a:p>
+              <a:pPr lvl="0" algn="ctr"/>
+              <a:r>
+                <a:rPr lang="en-IN" sz="1500" dirty="0" smtClean="0"/>
+                <a:t>Bus Stop</a:t>
+              </a:r>
+            </a:p>
+            <a:p>
+              <a:pPr lvl="0" algn="ctr"/>
+              <a:r>
+                <a:rPr lang="en-IN" sz="1500" dirty="0" smtClean="0"/>
+                <a:t>Metro Stations</a:t>
+              </a:r>
+              <a:endParaRPr lang="en-IN" sz="1500" dirty="0"/>
+            </a:p>
+          </p:txBody>
+        </p:sp>
+        <p:sp>
+          <p:nvSpPr>
+            <p:cNvPr id="7" name="Rounded Rectangle 6"/>
+            <p:cNvSpPr/>
+            <p:nvPr/>
+          </p:nvSpPr>
+          <p:spPr>
+            <a:xfrm>
+              <a:off x="5257800" y="3048000"/>
+              <a:ext cx="1600200" cy="1219200"/>
+            </a:xfrm>
+            <a:prstGeom prst="roundRect">
+              <a:avLst/>
+            </a:prstGeom>
+          </p:spPr>
+          <p:style>
+            <a:lnRef idx="3">
+              <a:schemeClr val="lt1"/>
+            </a:lnRef>
+            <a:fillRef idx="1">
+              <a:schemeClr val="accent6"/>
+            </a:fillRef>
+            <a:effectRef idx="1">
+              <a:schemeClr val="accent6"/>
+            </a:effectRef>
+            <a:fontRef idx="minor">
+              <a:schemeClr val="lt1"/>
+            </a:fontRef>
+          </p:style>
+          <p:txBody>
+            <a:bodyPr rtlCol="0" anchor="ctr"/>
+            <a:lstStyle/>
+            <a:p>
+              <a:pPr lvl="0" algn="ctr"/>
+              <a:r>
+                <a:rPr lang="en-IN" sz="1500" b="1" dirty="0" smtClean="0"/>
+                <a:t>Venue matrix </a:t>
+              </a:r>
+              <a:r>
+                <a:rPr lang="en-IN" sz="1500" dirty="0" smtClean="0"/>
+                <a:t>– weight of each venue category</a:t>
+              </a:r>
+              <a:endParaRPr lang="en-IN" sz="1500" dirty="0" smtClean="0"/>
+            </a:p>
+          </p:txBody>
+        </p:sp>
+        <p:sp>
+          <p:nvSpPr>
+            <p:cNvPr id="8" name="Rounded Rectangle 7"/>
+            <p:cNvSpPr/>
+            <p:nvPr/>
+          </p:nvSpPr>
+          <p:spPr>
+            <a:xfrm>
+              <a:off x="7162800" y="2209800"/>
+              <a:ext cx="1828800" cy="2514600"/>
+            </a:xfrm>
+            <a:prstGeom prst="roundRect">
+              <a:avLst/>
+            </a:prstGeom>
+          </p:spPr>
+          <p:style>
+            <a:lnRef idx="3">
+              <a:schemeClr val="lt1"/>
+            </a:lnRef>
+            <a:fillRef idx="1">
+              <a:schemeClr val="accent3"/>
+            </a:fillRef>
+            <a:effectRef idx="1">
+              <a:schemeClr val="accent3"/>
+            </a:effectRef>
+            <a:fontRef idx="minor">
+              <a:schemeClr val="lt1"/>
+            </a:fontRef>
+          </p:style>
+          <p:txBody>
+            <a:bodyPr rtlCol="0" anchor="ctr"/>
+            <a:lstStyle/>
+            <a:p>
+              <a:pPr algn="ctr"/>
+              <a:r>
+                <a:rPr lang="en-IN" sz="1500" b="1" dirty="0" smtClean="0"/>
+                <a:t>Recommendation output –weighted average per neighbourhood – highest amongst them is our recommendation</a:t>
+              </a:r>
+              <a:endParaRPr lang="en-IN" sz="1500" b="1" dirty="0" smtClean="0"/>
+            </a:p>
+          </p:txBody>
+        </p:sp>
+        <p:sp>
+          <p:nvSpPr>
+            <p:cNvPr id="9" name="Rounded Rectangle 8"/>
+            <p:cNvSpPr/>
+            <p:nvPr/>
+          </p:nvSpPr>
+          <p:spPr>
+            <a:xfrm>
+              <a:off x="3124200" y="2743200"/>
+              <a:ext cx="1676400" cy="1828800"/>
+            </a:xfrm>
+            <a:prstGeom prst="roundRect">
+              <a:avLst/>
+            </a:prstGeom>
+          </p:spPr>
+          <p:style>
+            <a:lnRef idx="3">
+              <a:schemeClr val="lt1"/>
+            </a:lnRef>
+            <a:fillRef idx="1">
+              <a:schemeClr val="accent5"/>
+            </a:fillRef>
+            <a:effectRef idx="1">
+              <a:schemeClr val="accent5"/>
+            </a:effectRef>
+            <a:fontRef idx="minor">
+              <a:schemeClr val="lt1"/>
+            </a:fontRef>
+          </p:style>
+          <p:txBody>
+            <a:bodyPr rtlCol="0" anchor="ctr"/>
+            <a:lstStyle/>
+            <a:p>
+              <a:pPr algn="ctr"/>
+              <a:r>
+                <a:rPr lang="en-IN" sz="1500" b="1" dirty="0" smtClean="0"/>
+                <a:t>Normalized Venue Counts </a:t>
+              </a:r>
+              <a:r>
+                <a:rPr lang="en-IN" sz="1500" dirty="0" smtClean="0"/>
+                <a:t>per neighbourhood – MinMax scaler</a:t>
+              </a:r>
+              <a:endParaRPr lang="en-IN" sz="1500" dirty="0" smtClean="0"/>
+            </a:p>
+          </p:txBody>
+        </p:sp>
+        <p:cxnSp>
+          <p:nvCxnSpPr>
+            <p:cNvPr id="12" name="Shape 11"/>
+            <p:cNvCxnSpPr>
+              <a:stCxn id="5" idx="3"/>
+              <a:endCxn id="7" idx="0"/>
+            </p:cNvCxnSpPr>
+            <p:nvPr/>
+          </p:nvCxnSpPr>
+          <p:spPr>
+            <a:xfrm>
+              <a:off x="2819400" y="2286000"/>
+              <a:ext cx="3238500" cy="762000"/>
+            </a:xfrm>
+            <a:prstGeom prst="bentConnector2">
+              <a:avLst/>
+            </a:prstGeom>
+            <a:ln>
+              <a:tailEnd type="arrow"/>
+            </a:ln>
+          </p:spPr>
+          <p:style>
+            <a:lnRef idx="1">
+              <a:schemeClr val="accent1"/>
+            </a:lnRef>
+            <a:fillRef idx="0">
+              <a:schemeClr val="accent1"/>
+            </a:fillRef>
+            <a:effectRef idx="0">
+              <a:schemeClr val="accent1"/>
+            </a:effectRef>
+            <a:fontRef idx="minor">
+              <a:schemeClr val="tx1"/>
+            </a:fontRef>
+          </p:style>
+        </p:cxnSp>
+        <p:cxnSp>
+          <p:nvCxnSpPr>
+            <p:cNvPr id="15" name="Elbow Connector 14"/>
+            <p:cNvCxnSpPr>
+              <a:stCxn id="6" idx="3"/>
+              <a:endCxn id="9" idx="1"/>
+            </p:cNvCxnSpPr>
+            <p:nvPr/>
+          </p:nvCxnSpPr>
+          <p:spPr>
+            <a:xfrm flipV="1">
+              <a:off x="2819400" y="3657600"/>
+              <a:ext cx="304800" cy="1219200"/>
+            </a:xfrm>
+            <a:prstGeom prst="bentConnector3">
+              <a:avLst>
+                <a:gd name="adj1" fmla="val 50000"/>
+              </a:avLst>
+            </a:prstGeom>
+            <a:ln>
+              <a:tailEnd type="arrow"/>
+            </a:ln>
+          </p:spPr>
+          <p:style>
+            <a:lnRef idx="1">
+              <a:schemeClr val="accent1"/>
+            </a:lnRef>
+            <a:fillRef idx="0">
+              <a:schemeClr val="accent1"/>
+            </a:fillRef>
+            <a:effectRef idx="0">
+              <a:schemeClr val="accent1"/>
+            </a:effectRef>
+            <a:fontRef idx="minor">
+              <a:schemeClr val="tx1"/>
+            </a:fontRef>
+          </p:style>
+        </p:cxnSp>
+        <p:cxnSp>
+          <p:nvCxnSpPr>
+            <p:cNvPr id="19" name="Elbow Connector 18"/>
+            <p:cNvCxnSpPr>
+              <a:stCxn id="9" idx="3"/>
+              <a:endCxn id="7" idx="1"/>
+            </p:cNvCxnSpPr>
+            <p:nvPr/>
+          </p:nvCxnSpPr>
+          <p:spPr>
+            <a:xfrm>
+              <a:off x="4800600" y="3657600"/>
+              <a:ext cx="457200" cy="1588"/>
+            </a:xfrm>
+            <a:prstGeom prst="bentConnector3">
+              <a:avLst>
+                <a:gd name="adj1" fmla="val 50000"/>
+              </a:avLst>
+            </a:prstGeom>
+            <a:ln>
+              <a:tailEnd type="arrow"/>
+            </a:ln>
+          </p:spPr>
+          <p:style>
+            <a:lnRef idx="1">
+              <a:schemeClr val="accent1"/>
+            </a:lnRef>
+            <a:fillRef idx="0">
+              <a:schemeClr val="accent1"/>
+            </a:fillRef>
+            <a:effectRef idx="0">
+              <a:schemeClr val="accent1"/>
+            </a:effectRef>
+            <a:fontRef idx="minor">
+              <a:schemeClr val="tx1"/>
+            </a:fontRef>
+          </p:style>
+        </p:cxnSp>
+        <p:cxnSp>
+          <p:nvCxnSpPr>
+            <p:cNvPr id="24" name="Straight Arrow Connector 23"/>
+            <p:cNvCxnSpPr>
+              <a:stCxn id="7" idx="3"/>
+            </p:cNvCxnSpPr>
+            <p:nvPr/>
+          </p:nvCxnSpPr>
+          <p:spPr>
+            <a:xfrm>
+              <a:off x="6858000" y="3657600"/>
+              <a:ext cx="304800" cy="1588"/>
+            </a:xfrm>
+            <a:prstGeom prst="straightConnector1">
+              <a:avLst/>
+            </a:prstGeom>
+            <a:ln>
+              <a:tailEnd type="arrow"/>
+            </a:ln>
+          </p:spPr>
+          <p:style>
+            <a:lnRef idx="1">
+              <a:schemeClr val="accent1"/>
+            </a:lnRef>
+            <a:fillRef idx="0">
+              <a:schemeClr val="accent1"/>
+            </a:fillRef>
+            <a:effectRef idx="0">
+              <a:schemeClr val="accent1"/>
+            </a:effectRef>
+            <a:fontRef idx="minor">
+              <a:schemeClr val="tx1"/>
+            </a:fontRef>
+          </p:style>
+        </p:cxnSp>
+      </p:grpSp>
+      <p:sp>
+        <p:nvSpPr>
+          <p:cNvPr id="54" name="Rectangle 53"/>
+          <p:cNvSpPr/>
+          <p:nvPr/>
+        </p:nvSpPr>
+        <p:spPr>
+          <a:xfrm>
+            <a:off x="838200" y="6248400"/>
+            <a:ext cx="7543800" cy="369332"/>
+          </a:xfrm>
+          <a:prstGeom prst="rect">
+            <a:avLst/>
+          </a:prstGeom>
+        </p:spPr>
+        <p:txBody>
+          <a:bodyPr wrap="square">
+            <a:spAutoFit/>
+          </a:bodyPr>
+          <a:lstStyle/>
+          <a:p>
+            <a:r>
+              <a:rPr lang="en-IN" b="1" i="1" dirty="0" smtClean="0"/>
+              <a:t>Snapshot in the next few slides will show data in each of the following steps</a:t>
+            </a:r>
+            <a:endParaRPr lang="en-IN" b="1" i="1" dirty="0"/>
+          </a:p>
+        </p:txBody>
+      </p:sp>
+    </p:spTree>
+  </p:cSld>
+  <p:clrMapOvr>
+    <a:masterClrMapping/>
+  </p:clrMapOvr>
+  <p:timing>
+    <p:tnLst>
+      <p:par>
+        <p:cTn id="1" dur="indefinite" restart="never" nodeType="tmRoot"/>
+      </p:par>
+    </p:tnLst>
+  </p:timing>
+</p:sld>
+</file>
+
+<file path=ppt/slides/slide9.xml><?xml version="1.0" encoding="utf-8"?>
+<p:sld xmlns:a="http://schemas.openxmlformats.org/drawingml/2006/main" xmlns:r="http://schemas.openxmlformats.org/officeDocument/2006/relationships" xmlns:p="http://schemas.openxmlformats.org/presentationml/2006/main">
+  <p:cSld>
+    <p:spTree>
+      <p:nvGrpSpPr>
+        <p:cNvPr id="1" name=""/>
+        <p:cNvGrpSpPr/>
+        <p:nvPr/>
+      </p:nvGrpSpPr>
+      <p:grpSpPr>
+        <a:xfrm>
+          <a:off x="0" y="0"/>
+          <a:ext cx="0" cy="0"/>
+          <a:chOff x="0" y="0"/>
+          <a:chExt cx="0" cy="0"/>
+        </a:xfrm>
+      </p:grpSpPr>
+      <p:sp>
+        <p:nvSpPr>
+          <p:cNvPr id="2" name="Title 1"/>
+          <p:cNvSpPr>
+            <a:spLocks noGrp="1"/>
+          </p:cNvSpPr>
+          <p:nvPr>
+            <p:ph type="ctrTitle"/>
+          </p:nvPr>
+        </p:nvSpPr>
+        <p:spPr>
+          <a:xfrm>
+            <a:off x="304800" y="76200"/>
+            <a:ext cx="8991600" cy="1066799"/>
+          </a:xfrm>
+        </p:spPr>
+        <p:txBody>
+          <a:bodyPr>
+            <a:normAutofit/>
+          </a:bodyPr>
+          <a:lstStyle/>
+          <a:p>
+            <a:pPr algn="l"/>
+            <a:r>
+              <a:rPr lang="en-IN" dirty="0" smtClean="0"/>
+              <a:t>Analysis - Snapshots</a:t>
+            </a:r>
+            <a:endParaRPr lang="en-IN" dirty="0"/>
+          </a:p>
+        </p:txBody>
+      </p:sp>
+      <p:pic>
+        <p:nvPicPr>
+          <p:cNvPr id="2050" name="Picture 2"/>
+          <p:cNvPicPr>
+            <a:picLocks noChangeAspect="1" noChangeArrowheads="1"/>
+          </p:cNvPicPr>
+          <p:nvPr/>
+        </p:nvPicPr>
+        <p:blipFill>
+          <a:blip r:embed="rId2"/>
+          <a:srcRect/>
+          <a:stretch>
+            <a:fillRect/>
+          </a:stretch>
+        </p:blipFill>
+        <p:spPr bwMode="auto">
+          <a:xfrm>
+            <a:off x="838200" y="2133600"/>
+            <a:ext cx="7496175" cy="3895725"/>
+          </a:xfrm>
+          <a:prstGeom prst="rect">
+            <a:avLst/>
+          </a:prstGeom>
+          <a:noFill/>
+          <a:ln w="9525">
+            <a:noFill/>
+            <a:miter lim="800000"/>
+            <a:headEnd/>
+            <a:tailEnd/>
+          </a:ln>
+          <a:effectLst/>
+        </p:spPr>
+      </p:pic>
+      <p:sp>
+        <p:nvSpPr>
+          <p:cNvPr id="6" name="Rectangle 5"/>
+          <p:cNvSpPr/>
+          <p:nvPr/>
+        </p:nvSpPr>
+        <p:spPr>
+          <a:xfrm>
+            <a:off x="685800" y="1295400"/>
+            <a:ext cx="7543800" cy="369332"/>
+          </a:xfrm>
+          <a:prstGeom prst="rect">
+            <a:avLst/>
+          </a:prstGeom>
+        </p:spPr>
+        <p:txBody>
+          <a:bodyPr wrap="square">
+            <a:spAutoFit/>
+          </a:bodyPr>
+          <a:lstStyle/>
+          <a:p>
+            <a:r>
+              <a:rPr lang="en-IN" b="1" i="1" dirty="0" smtClean="0"/>
+              <a:t>Neighbourhood South Asian Population Percentages</a:t>
+            </a:r>
+            <a:endParaRPr lang="en-IN" b="1" i="1" dirty="0"/>
           </a:p>
         </p:txBody>
       </p:sp>
